--- a/descriptions/pit_design_no_ramps_upd.pptx
+++ b/descriptions/pit_design_no_ramps_upd.pptx
@@ -10,6 +10,10 @@
     <p:sldId id="258" r:id="rId4"/>
     <p:sldId id="259" r:id="rId5"/>
     <p:sldId id="260" r:id="rId6"/>
+    <p:sldId id="261" r:id="rId7"/>
+    <p:sldId id="262" r:id="rId8"/>
+    <p:sldId id="263" r:id="rId9"/>
+    <p:sldId id="264" r:id="rId10"/>
   </p:sldIdLst>
   <p:sldSz cx="12192000" cy="6858000"/>
   <p:notesSz cx="6858000" cy="9144000"/>
@@ -263,7 +267,7 @@
           <a:p>
             <a:fld id="{9F6432DB-EEB4-40F5-A2A5-0368495C4F38}" type="datetimeFigureOut">
               <a:rPr lang="en-US" smtClean="0"/>
-              <a:t>12/3/2024</a:t>
+              <a:t>12/10/2024</a:t>
             </a:fld>
             <a:endParaRPr lang="en-US"/>
           </a:p>
@@ -461,7 +465,7 @@
           <a:p>
             <a:fld id="{9F6432DB-EEB4-40F5-A2A5-0368495C4F38}" type="datetimeFigureOut">
               <a:rPr lang="en-US" smtClean="0"/>
-              <a:t>12/3/2024</a:t>
+              <a:t>12/10/2024</a:t>
             </a:fld>
             <a:endParaRPr lang="en-US"/>
           </a:p>
@@ -669,7 +673,7 @@
           <a:p>
             <a:fld id="{9F6432DB-EEB4-40F5-A2A5-0368495C4F38}" type="datetimeFigureOut">
               <a:rPr lang="en-US" smtClean="0"/>
-              <a:t>12/3/2024</a:t>
+              <a:t>12/10/2024</a:t>
             </a:fld>
             <a:endParaRPr lang="en-US"/>
           </a:p>
@@ -867,7 +871,7 @@
           <a:p>
             <a:fld id="{9F6432DB-EEB4-40F5-A2A5-0368495C4F38}" type="datetimeFigureOut">
               <a:rPr lang="en-US" smtClean="0"/>
-              <a:t>12/3/2024</a:t>
+              <a:t>12/10/2024</a:t>
             </a:fld>
             <a:endParaRPr lang="en-US"/>
           </a:p>
@@ -1142,7 +1146,7 @@
           <a:p>
             <a:fld id="{9F6432DB-EEB4-40F5-A2A5-0368495C4F38}" type="datetimeFigureOut">
               <a:rPr lang="en-US" smtClean="0"/>
-              <a:t>12/3/2024</a:t>
+              <a:t>12/10/2024</a:t>
             </a:fld>
             <a:endParaRPr lang="en-US"/>
           </a:p>
@@ -1407,7 +1411,7 @@
           <a:p>
             <a:fld id="{9F6432DB-EEB4-40F5-A2A5-0368495C4F38}" type="datetimeFigureOut">
               <a:rPr lang="en-US" smtClean="0"/>
-              <a:t>12/3/2024</a:t>
+              <a:t>12/10/2024</a:t>
             </a:fld>
             <a:endParaRPr lang="en-US"/>
           </a:p>
@@ -1819,7 +1823,7 @@
           <a:p>
             <a:fld id="{9F6432DB-EEB4-40F5-A2A5-0368495C4F38}" type="datetimeFigureOut">
               <a:rPr lang="en-US" smtClean="0"/>
-              <a:t>12/3/2024</a:t>
+              <a:t>12/10/2024</a:t>
             </a:fld>
             <a:endParaRPr lang="en-US"/>
           </a:p>
@@ -1960,7 +1964,7 @@
           <a:p>
             <a:fld id="{9F6432DB-EEB4-40F5-A2A5-0368495C4F38}" type="datetimeFigureOut">
               <a:rPr lang="en-US" smtClean="0"/>
-              <a:t>12/3/2024</a:t>
+              <a:t>12/10/2024</a:t>
             </a:fld>
             <a:endParaRPr lang="en-US"/>
           </a:p>
@@ -2073,7 +2077,7 @@
           <a:p>
             <a:fld id="{9F6432DB-EEB4-40F5-A2A5-0368495C4F38}" type="datetimeFigureOut">
               <a:rPr lang="en-US" smtClean="0"/>
-              <a:t>12/3/2024</a:t>
+              <a:t>12/10/2024</a:t>
             </a:fld>
             <a:endParaRPr lang="en-US"/>
           </a:p>
@@ -2384,7 +2388,7 @@
           <a:p>
             <a:fld id="{9F6432DB-EEB4-40F5-A2A5-0368495C4F38}" type="datetimeFigureOut">
               <a:rPr lang="en-US" smtClean="0"/>
-              <a:t>12/3/2024</a:t>
+              <a:t>12/10/2024</a:t>
             </a:fld>
             <a:endParaRPr lang="en-US"/>
           </a:p>
@@ -2672,7 +2676,7 @@
           <a:p>
             <a:fld id="{9F6432DB-EEB4-40F5-A2A5-0368495C4F38}" type="datetimeFigureOut">
               <a:rPr lang="en-US" smtClean="0"/>
-              <a:t>12/3/2024</a:t>
+              <a:t>12/10/2024</a:t>
             </a:fld>
             <a:endParaRPr lang="en-US"/>
           </a:p>
@@ -2913,7 +2917,7 @@
           <a:p>
             <a:fld id="{9F6432DB-EEB4-40F5-A2A5-0368495C4F38}" type="datetimeFigureOut">
               <a:rPr lang="en-US" smtClean="0"/>
-              <a:t>12/3/2024</a:t>
+              <a:t>12/10/2024</a:t>
             </a:fld>
             <a:endParaRPr lang="en-US"/>
           </a:p>
@@ -20626,6 +20630,5130 @@
 </p:sld>
 </file>
 
+<file path=ppt/slides/slide6.xml><?xml version="1.0" encoding="utf-8"?>
+<p:sld xmlns:a="http://schemas.openxmlformats.org/drawingml/2006/main" xmlns:r="http://schemas.openxmlformats.org/officeDocument/2006/relationships" xmlns:p="http://schemas.openxmlformats.org/presentationml/2006/main">
+  <p:cSld>
+    <p:spTree>
+      <p:nvGrpSpPr>
+        <p:cNvPr id="1" name=""/>
+        <p:cNvGrpSpPr/>
+        <p:nvPr/>
+      </p:nvGrpSpPr>
+      <p:grpSpPr>
+        <a:xfrm>
+          <a:off x="0" y="0"/>
+          <a:ext cx="0" cy="0"/>
+          <a:chOff x="0" y="0"/>
+          <a:chExt cx="0" cy="0"/>
+        </a:xfrm>
+      </p:grpSpPr>
+      <p:pic>
+        <p:nvPicPr>
+          <p:cNvPr id="5" name="Picture 4">
+            <a:extLst>
+              <a:ext uri="{FF2B5EF4-FFF2-40B4-BE49-F238E27FC236}">
+                <a16:creationId xmlns:a16="http://schemas.microsoft.com/office/drawing/2014/main" id="{B227D5F8-CDE1-4839-A079-74D350FE0B11}"/>
+              </a:ext>
+            </a:extLst>
+          </p:cNvPr>
+          <p:cNvPicPr>
+            <a:picLocks noChangeAspect="1"/>
+          </p:cNvPicPr>
+          <p:nvPr/>
+        </p:nvPicPr>
+        <p:blipFill>
+          <a:blip r:embed="rId2"/>
+          <a:stretch>
+            <a:fillRect/>
+          </a:stretch>
+        </p:blipFill>
+        <p:spPr>
+          <a:xfrm>
+            <a:off x="2147336" y="613969"/>
+            <a:ext cx="7897327" cy="5630061"/>
+          </a:xfrm>
+          <a:prstGeom prst="rect">
+            <a:avLst/>
+          </a:prstGeom>
+        </p:spPr>
+      </p:pic>
+      <p:cxnSp>
+        <p:nvCxnSpPr>
+          <p:cNvPr id="7" name="Straight Arrow Connector 6">
+            <a:extLst>
+              <a:ext uri="{FF2B5EF4-FFF2-40B4-BE49-F238E27FC236}">
+                <a16:creationId xmlns:a16="http://schemas.microsoft.com/office/drawing/2014/main" id="{C66192FA-771F-4677-B178-FACDDCE9FF51}"/>
+              </a:ext>
+            </a:extLst>
+          </p:cNvPr>
+          <p:cNvCxnSpPr>
+            <a:cxnSpLocks/>
+          </p:cNvCxnSpPr>
+          <p:nvPr/>
+        </p:nvCxnSpPr>
+        <p:spPr>
+          <a:xfrm flipV="1">
+            <a:off x="4718020" y="2312592"/>
+            <a:ext cx="4552980" cy="1052321"/>
+          </a:xfrm>
+          <a:prstGeom prst="straightConnector1">
+            <a:avLst/>
+          </a:prstGeom>
+          <a:ln w="38100">
+            <a:solidFill>
+              <a:schemeClr val="bg1"/>
+            </a:solidFill>
+            <a:headEnd type="triangle"/>
+            <a:tailEnd type="triangle"/>
+          </a:ln>
+        </p:spPr>
+        <p:style>
+          <a:lnRef idx="1">
+            <a:schemeClr val="accent1"/>
+          </a:lnRef>
+          <a:fillRef idx="0">
+            <a:schemeClr val="accent1"/>
+          </a:fillRef>
+          <a:effectRef idx="0">
+            <a:schemeClr val="accent1"/>
+          </a:effectRef>
+          <a:fontRef idx="minor">
+            <a:schemeClr val="tx1"/>
+          </a:fontRef>
+        </p:style>
+      </p:cxnSp>
+      <p:cxnSp>
+        <p:nvCxnSpPr>
+          <p:cNvPr id="23" name="Straight Arrow Connector 22">
+            <a:extLst>
+              <a:ext uri="{FF2B5EF4-FFF2-40B4-BE49-F238E27FC236}">
+                <a16:creationId xmlns:a16="http://schemas.microsoft.com/office/drawing/2014/main" id="{FD86620D-2364-4C77-823C-15AAA8F5A5ED}"/>
+              </a:ext>
+            </a:extLst>
+          </p:cNvPr>
+          <p:cNvCxnSpPr>
+            <a:cxnSpLocks/>
+          </p:cNvCxnSpPr>
+          <p:nvPr/>
+        </p:nvCxnSpPr>
+        <p:spPr>
+          <a:xfrm flipV="1">
+            <a:off x="4881563" y="5500688"/>
+            <a:ext cx="914400" cy="338137"/>
+          </a:xfrm>
+          <a:prstGeom prst="straightConnector1">
+            <a:avLst/>
+          </a:prstGeom>
+          <a:ln w="28575">
+            <a:solidFill>
+              <a:srgbClr val="FF0000"/>
+            </a:solidFill>
+            <a:tailEnd type="triangle"/>
+          </a:ln>
+        </p:spPr>
+        <p:style>
+          <a:lnRef idx="1">
+            <a:schemeClr val="accent1"/>
+          </a:lnRef>
+          <a:fillRef idx="0">
+            <a:schemeClr val="accent1"/>
+          </a:fillRef>
+          <a:effectRef idx="0">
+            <a:schemeClr val="accent1"/>
+          </a:effectRef>
+          <a:fontRef idx="minor">
+            <a:schemeClr val="tx1"/>
+          </a:fontRef>
+        </p:style>
+      </p:cxnSp>
+      <p:cxnSp>
+        <p:nvCxnSpPr>
+          <p:cNvPr id="24" name="Straight Arrow Connector 23">
+            <a:extLst>
+              <a:ext uri="{FF2B5EF4-FFF2-40B4-BE49-F238E27FC236}">
+                <a16:creationId xmlns:a16="http://schemas.microsoft.com/office/drawing/2014/main" id="{0D9D9FEE-8B0A-40A1-98CE-BF02D02C67D3}"/>
+              </a:ext>
+            </a:extLst>
+          </p:cNvPr>
+          <p:cNvCxnSpPr>
+            <a:cxnSpLocks/>
+          </p:cNvCxnSpPr>
+          <p:nvPr/>
+        </p:nvCxnSpPr>
+        <p:spPr>
+          <a:xfrm flipH="1" flipV="1">
+            <a:off x="4848225" y="5386388"/>
+            <a:ext cx="33338" cy="461962"/>
+          </a:xfrm>
+          <a:prstGeom prst="straightConnector1">
+            <a:avLst/>
+          </a:prstGeom>
+          <a:ln w="28575">
+            <a:solidFill>
+              <a:srgbClr val="00B0F0"/>
+            </a:solidFill>
+            <a:tailEnd type="triangle"/>
+          </a:ln>
+        </p:spPr>
+        <p:style>
+          <a:lnRef idx="1">
+            <a:schemeClr val="accent1"/>
+          </a:lnRef>
+          <a:fillRef idx="0">
+            <a:schemeClr val="accent1"/>
+          </a:fillRef>
+          <a:effectRef idx="0">
+            <a:schemeClr val="accent1"/>
+          </a:effectRef>
+          <a:fontRef idx="minor">
+            <a:schemeClr val="tx1"/>
+          </a:fontRef>
+        </p:style>
+      </p:cxnSp>
+      <p:cxnSp>
+        <p:nvCxnSpPr>
+          <p:cNvPr id="26" name="Straight Arrow Connector 25">
+            <a:extLst>
+              <a:ext uri="{FF2B5EF4-FFF2-40B4-BE49-F238E27FC236}">
+                <a16:creationId xmlns:a16="http://schemas.microsoft.com/office/drawing/2014/main" id="{0F8B483E-FBFD-4624-88E3-BCE991B4484B}"/>
+              </a:ext>
+            </a:extLst>
+          </p:cNvPr>
+          <p:cNvCxnSpPr>
+            <a:cxnSpLocks/>
+          </p:cNvCxnSpPr>
+          <p:nvPr/>
+        </p:nvCxnSpPr>
+        <p:spPr>
+          <a:xfrm flipH="1" flipV="1">
+            <a:off x="4434549" y="5386388"/>
+            <a:ext cx="447014" cy="442912"/>
+          </a:xfrm>
+          <a:prstGeom prst="straightConnector1">
+            <a:avLst/>
+          </a:prstGeom>
+          <a:ln w="28575">
+            <a:solidFill>
+              <a:srgbClr val="92D050"/>
+            </a:solidFill>
+            <a:tailEnd type="triangle"/>
+          </a:ln>
+        </p:spPr>
+        <p:style>
+          <a:lnRef idx="1">
+            <a:schemeClr val="accent1"/>
+          </a:lnRef>
+          <a:fillRef idx="0">
+            <a:schemeClr val="accent1"/>
+          </a:fillRef>
+          <a:effectRef idx="0">
+            <a:schemeClr val="accent1"/>
+          </a:effectRef>
+          <a:fontRef idx="minor">
+            <a:schemeClr val="tx1"/>
+          </a:fontRef>
+        </p:style>
+      </p:cxnSp>
+      <p:sp>
+        <p:nvSpPr>
+          <p:cNvPr id="30" name="TextBox 29">
+            <a:extLst>
+              <a:ext uri="{FF2B5EF4-FFF2-40B4-BE49-F238E27FC236}">
+                <a16:creationId xmlns:a16="http://schemas.microsoft.com/office/drawing/2014/main" id="{67933977-1423-4244-A255-61BA06CC2123}"/>
+              </a:ext>
+            </a:extLst>
+          </p:cNvPr>
+          <p:cNvSpPr txBox="1"/>
+          <p:nvPr/>
+        </p:nvSpPr>
+        <p:spPr>
+          <a:xfrm rot="20316604">
+            <a:off x="5825753" y="5292857"/>
+            <a:ext cx="1090611" cy="369332"/>
+          </a:xfrm>
+          <a:prstGeom prst="rect">
+            <a:avLst/>
+          </a:prstGeom>
+          <a:noFill/>
+        </p:spPr>
+        <p:txBody>
+          <a:bodyPr wrap="square" rtlCol="0">
+            <a:spAutoFit/>
+          </a:bodyPr>
+          <a:lstStyle/>
+          <a:p>
+            <a:r>
+              <a:rPr lang="en-US" dirty="0" err="1">
+                <a:solidFill>
+                  <a:srgbClr val="FF0000"/>
+                </a:solidFill>
+              </a:rPr>
+              <a:t>axis_u</a:t>
+            </a:r>
+            <a:r>
+              <a:rPr lang="en-US" dirty="0">
+                <a:solidFill>
+                  <a:srgbClr val="FF0000"/>
+                </a:solidFill>
+              </a:rPr>
+              <a:t> (x)</a:t>
+            </a:r>
+          </a:p>
+        </p:txBody>
+      </p:sp>
+      <p:sp>
+        <p:nvSpPr>
+          <p:cNvPr id="31" name="TextBox 30">
+            <a:extLst>
+              <a:ext uri="{FF2B5EF4-FFF2-40B4-BE49-F238E27FC236}">
+                <a16:creationId xmlns:a16="http://schemas.microsoft.com/office/drawing/2014/main" id="{70D60C3B-BD0A-426E-89AD-F952346CC208}"/>
+              </a:ext>
+            </a:extLst>
+          </p:cNvPr>
+          <p:cNvSpPr txBox="1"/>
+          <p:nvPr/>
+        </p:nvSpPr>
+        <p:spPr>
+          <a:xfrm rot="2723658">
+            <a:off x="3465493" y="5104085"/>
+            <a:ext cx="1090611" cy="369332"/>
+          </a:xfrm>
+          <a:prstGeom prst="rect">
+            <a:avLst/>
+          </a:prstGeom>
+          <a:noFill/>
+        </p:spPr>
+        <p:txBody>
+          <a:bodyPr wrap="square" rtlCol="0">
+            <a:spAutoFit/>
+          </a:bodyPr>
+          <a:lstStyle/>
+          <a:p>
+            <a:r>
+              <a:rPr lang="en-US" dirty="0" err="1">
+                <a:solidFill>
+                  <a:srgbClr val="92D050"/>
+                </a:solidFill>
+              </a:rPr>
+              <a:t>axis_v</a:t>
+            </a:r>
+            <a:r>
+              <a:rPr lang="en-US" dirty="0">
+                <a:solidFill>
+                  <a:srgbClr val="92D050"/>
+                </a:solidFill>
+              </a:rPr>
+              <a:t> (y)</a:t>
+            </a:r>
+          </a:p>
+        </p:txBody>
+      </p:sp>
+      <p:sp>
+        <p:nvSpPr>
+          <p:cNvPr id="33" name="TextBox 32">
+            <a:extLst>
+              <a:ext uri="{FF2B5EF4-FFF2-40B4-BE49-F238E27FC236}">
+                <a16:creationId xmlns:a16="http://schemas.microsoft.com/office/drawing/2014/main" id="{45B5FFA4-3E2C-49B8-91DB-B66833B2B09F}"/>
+              </a:ext>
+            </a:extLst>
+          </p:cNvPr>
+          <p:cNvSpPr txBox="1"/>
+          <p:nvPr/>
+        </p:nvSpPr>
+        <p:spPr>
+          <a:xfrm rot="19421805">
+            <a:off x="4715593" y="4768952"/>
+            <a:ext cx="1151548" cy="369332"/>
+          </a:xfrm>
+          <a:prstGeom prst="rect">
+            <a:avLst/>
+          </a:prstGeom>
+          <a:noFill/>
+        </p:spPr>
+        <p:txBody>
+          <a:bodyPr wrap="square" rtlCol="0">
+            <a:spAutoFit/>
+          </a:bodyPr>
+          <a:lstStyle/>
+          <a:p>
+            <a:r>
+              <a:rPr lang="en-US" dirty="0" err="1">
+                <a:solidFill>
+                  <a:srgbClr val="00B0F0"/>
+                </a:solidFill>
+              </a:rPr>
+              <a:t>axis_w</a:t>
+            </a:r>
+            <a:r>
+              <a:rPr lang="en-US" dirty="0">
+                <a:solidFill>
+                  <a:srgbClr val="00B0F0"/>
+                </a:solidFill>
+              </a:rPr>
+              <a:t> (z)</a:t>
+            </a:r>
+          </a:p>
+        </p:txBody>
+      </p:sp>
+      <p:sp>
+        <p:nvSpPr>
+          <p:cNvPr id="34" name="Oval 33">
+            <a:extLst>
+              <a:ext uri="{FF2B5EF4-FFF2-40B4-BE49-F238E27FC236}">
+                <a16:creationId xmlns:a16="http://schemas.microsoft.com/office/drawing/2014/main" id="{60F706E3-0058-46B4-97B1-62446EAEADA5}"/>
+              </a:ext>
+            </a:extLst>
+          </p:cNvPr>
+          <p:cNvSpPr/>
+          <p:nvPr/>
+        </p:nvSpPr>
+        <p:spPr>
+          <a:xfrm>
+            <a:off x="4822032" y="5772150"/>
+            <a:ext cx="119062" cy="123825"/>
+          </a:xfrm>
+          <a:prstGeom prst="ellipse">
+            <a:avLst/>
+          </a:prstGeom>
+        </p:spPr>
+        <p:style>
+          <a:lnRef idx="2">
+            <a:schemeClr val="accent4">
+              <a:shade val="50000"/>
+            </a:schemeClr>
+          </a:lnRef>
+          <a:fillRef idx="1">
+            <a:schemeClr val="accent4"/>
+          </a:fillRef>
+          <a:effectRef idx="0">
+            <a:schemeClr val="accent4"/>
+          </a:effectRef>
+          <a:fontRef idx="minor">
+            <a:schemeClr val="lt1"/>
+          </a:fontRef>
+        </p:style>
+        <p:txBody>
+          <a:bodyPr rtlCol="0" anchor="ctr"/>
+          <a:lstStyle/>
+          <a:p>
+            <a:pPr algn="ctr"/>
+            <a:endParaRPr lang="en-US"/>
+          </a:p>
+        </p:txBody>
+      </p:sp>
+      <p:sp>
+        <p:nvSpPr>
+          <p:cNvPr id="35" name="TextBox 34">
+            <a:extLst>
+              <a:ext uri="{FF2B5EF4-FFF2-40B4-BE49-F238E27FC236}">
+                <a16:creationId xmlns:a16="http://schemas.microsoft.com/office/drawing/2014/main" id="{DD035F2F-195D-440F-9847-A6416A4EC180}"/>
+              </a:ext>
+            </a:extLst>
+          </p:cNvPr>
+          <p:cNvSpPr txBox="1"/>
+          <p:nvPr/>
+        </p:nvSpPr>
+        <p:spPr>
+          <a:xfrm>
+            <a:off x="4522514" y="5837712"/>
+            <a:ext cx="1090611" cy="369332"/>
+          </a:xfrm>
+          <a:prstGeom prst="rect">
+            <a:avLst/>
+          </a:prstGeom>
+          <a:noFill/>
+        </p:spPr>
+        <p:txBody>
+          <a:bodyPr wrap="square" rtlCol="0">
+            <a:spAutoFit/>
+          </a:bodyPr>
+          <a:lstStyle/>
+          <a:p>
+            <a:r>
+              <a:rPr lang="en-US" dirty="0">
+                <a:solidFill>
+                  <a:srgbClr val="FFFF00"/>
+                </a:solidFill>
+              </a:rPr>
+              <a:t>origin</a:t>
+            </a:r>
+          </a:p>
+        </p:txBody>
+      </p:sp>
+      <p:pic>
+        <p:nvPicPr>
+          <p:cNvPr id="37" name="Picture 36">
+            <a:extLst>
+              <a:ext uri="{FF2B5EF4-FFF2-40B4-BE49-F238E27FC236}">
+                <a16:creationId xmlns:a16="http://schemas.microsoft.com/office/drawing/2014/main" id="{1B9A6A91-A3AF-42DF-9900-93F677F3BAF3}"/>
+              </a:ext>
+            </a:extLst>
+          </p:cNvPr>
+          <p:cNvPicPr>
+            <a:picLocks noChangeAspect="1"/>
+          </p:cNvPicPr>
+          <p:nvPr/>
+        </p:nvPicPr>
+        <p:blipFill>
+          <a:blip r:embed="rId3"/>
+          <a:stretch>
+            <a:fillRect/>
+          </a:stretch>
+        </p:blipFill>
+        <p:spPr>
+          <a:xfrm>
+            <a:off x="2690492" y="1684339"/>
+            <a:ext cx="2331632" cy="1351756"/>
+          </a:xfrm>
+          <a:prstGeom prst="rect">
+            <a:avLst/>
+          </a:prstGeom>
+          <a:effectLst>
+            <a:outerShdw blurRad="63500" sx="102000" sy="102000" algn="ctr" rotWithShape="0">
+              <a:prstClr val="black">
+                <a:alpha val="40000"/>
+              </a:prstClr>
+            </a:outerShdw>
+          </a:effectLst>
+        </p:spPr>
+      </p:pic>
+      <p:cxnSp>
+        <p:nvCxnSpPr>
+          <p:cNvPr id="39" name="Straight Arrow Connector 38">
+            <a:extLst>
+              <a:ext uri="{FF2B5EF4-FFF2-40B4-BE49-F238E27FC236}">
+                <a16:creationId xmlns:a16="http://schemas.microsoft.com/office/drawing/2014/main" id="{1E09B0FD-D46B-4063-A81B-5920F8FFE3A5}"/>
+              </a:ext>
+            </a:extLst>
+          </p:cNvPr>
+          <p:cNvCxnSpPr>
+            <a:cxnSpLocks/>
+          </p:cNvCxnSpPr>
+          <p:nvPr/>
+        </p:nvCxnSpPr>
+        <p:spPr>
+          <a:xfrm flipV="1">
+            <a:off x="9213850" y="2360217"/>
+            <a:ext cx="114300" cy="1837133"/>
+          </a:xfrm>
+          <a:prstGeom prst="straightConnector1">
+            <a:avLst/>
+          </a:prstGeom>
+          <a:ln w="38100">
+            <a:solidFill>
+              <a:schemeClr val="bg1"/>
+            </a:solidFill>
+            <a:headEnd type="triangle"/>
+            <a:tailEnd type="triangle"/>
+          </a:ln>
+        </p:spPr>
+        <p:style>
+          <a:lnRef idx="1">
+            <a:schemeClr val="accent1"/>
+          </a:lnRef>
+          <a:fillRef idx="0">
+            <a:schemeClr val="accent1"/>
+          </a:fillRef>
+          <a:effectRef idx="0">
+            <a:schemeClr val="accent1"/>
+          </a:effectRef>
+          <a:fontRef idx="minor">
+            <a:schemeClr val="tx1"/>
+          </a:fontRef>
+        </p:style>
+      </p:cxnSp>
+      <p:cxnSp>
+        <p:nvCxnSpPr>
+          <p:cNvPr id="45" name="Straight Arrow Connector 44">
+            <a:extLst>
+              <a:ext uri="{FF2B5EF4-FFF2-40B4-BE49-F238E27FC236}">
+                <a16:creationId xmlns:a16="http://schemas.microsoft.com/office/drawing/2014/main" id="{5119C00A-CF86-4A52-ABD4-9859ACFC537F}"/>
+              </a:ext>
+            </a:extLst>
+          </p:cNvPr>
+          <p:cNvCxnSpPr>
+            <a:cxnSpLocks/>
+          </p:cNvCxnSpPr>
+          <p:nvPr/>
+        </p:nvCxnSpPr>
+        <p:spPr>
+          <a:xfrm>
+            <a:off x="7346950" y="1797050"/>
+            <a:ext cx="1778000" cy="457200"/>
+          </a:xfrm>
+          <a:prstGeom prst="straightConnector1">
+            <a:avLst/>
+          </a:prstGeom>
+          <a:ln w="38100">
+            <a:solidFill>
+              <a:schemeClr val="bg1"/>
+            </a:solidFill>
+            <a:headEnd type="triangle"/>
+            <a:tailEnd type="triangle"/>
+          </a:ln>
+        </p:spPr>
+        <p:style>
+          <a:lnRef idx="1">
+            <a:schemeClr val="accent1"/>
+          </a:lnRef>
+          <a:fillRef idx="0">
+            <a:schemeClr val="accent1"/>
+          </a:fillRef>
+          <a:effectRef idx="0">
+            <a:schemeClr val="accent1"/>
+          </a:effectRef>
+          <a:fontRef idx="minor">
+            <a:schemeClr val="tx1"/>
+          </a:fontRef>
+        </p:style>
+      </p:cxnSp>
+      <p:cxnSp>
+        <p:nvCxnSpPr>
+          <p:cNvPr id="50" name="Straight Arrow Connector 49">
+            <a:extLst>
+              <a:ext uri="{FF2B5EF4-FFF2-40B4-BE49-F238E27FC236}">
+                <a16:creationId xmlns:a16="http://schemas.microsoft.com/office/drawing/2014/main" id="{BB53A1EB-B9F7-4D55-9447-3E106178D8AE}"/>
+              </a:ext>
+            </a:extLst>
+          </p:cNvPr>
+          <p:cNvCxnSpPr>
+            <a:cxnSpLocks/>
+          </p:cNvCxnSpPr>
+          <p:nvPr/>
+        </p:nvCxnSpPr>
+        <p:spPr>
+          <a:xfrm flipV="1">
+            <a:off x="3723451" y="2639797"/>
+            <a:ext cx="994569" cy="267003"/>
+          </a:xfrm>
+          <a:prstGeom prst="straightConnector1">
+            <a:avLst/>
+          </a:prstGeom>
+          <a:ln w="28575">
+            <a:solidFill>
+              <a:schemeClr val="accent2">
+                <a:lumMod val="60000"/>
+                <a:lumOff val="40000"/>
+              </a:schemeClr>
+            </a:solidFill>
+            <a:headEnd type="triangle"/>
+            <a:tailEnd type="triangle"/>
+          </a:ln>
+        </p:spPr>
+        <p:style>
+          <a:lnRef idx="1">
+            <a:schemeClr val="accent1"/>
+          </a:lnRef>
+          <a:fillRef idx="0">
+            <a:schemeClr val="accent1"/>
+          </a:fillRef>
+          <a:effectRef idx="0">
+            <a:schemeClr val="accent1"/>
+          </a:effectRef>
+          <a:fontRef idx="minor">
+            <a:schemeClr val="tx1"/>
+          </a:fontRef>
+        </p:style>
+      </p:cxnSp>
+      <p:cxnSp>
+        <p:nvCxnSpPr>
+          <p:cNvPr id="53" name="Straight Arrow Connector 52">
+            <a:extLst>
+              <a:ext uri="{FF2B5EF4-FFF2-40B4-BE49-F238E27FC236}">
+                <a16:creationId xmlns:a16="http://schemas.microsoft.com/office/drawing/2014/main" id="{81AC3D58-2AF0-415E-A3EA-63EF016005DC}"/>
+              </a:ext>
+            </a:extLst>
+          </p:cNvPr>
+          <p:cNvCxnSpPr>
+            <a:cxnSpLocks/>
+          </p:cNvCxnSpPr>
+          <p:nvPr/>
+        </p:nvCxnSpPr>
+        <p:spPr>
+          <a:xfrm flipH="1" flipV="1">
+            <a:off x="3657704" y="2360216"/>
+            <a:ext cx="1" cy="546584"/>
+          </a:xfrm>
+          <a:prstGeom prst="straightConnector1">
+            <a:avLst/>
+          </a:prstGeom>
+          <a:ln w="28575">
+            <a:solidFill>
+              <a:schemeClr val="accent4">
+                <a:lumMod val="40000"/>
+                <a:lumOff val="60000"/>
+              </a:schemeClr>
+            </a:solidFill>
+            <a:headEnd type="triangle"/>
+            <a:tailEnd type="triangle"/>
+          </a:ln>
+        </p:spPr>
+        <p:style>
+          <a:lnRef idx="1">
+            <a:schemeClr val="accent1"/>
+          </a:lnRef>
+          <a:fillRef idx="0">
+            <a:schemeClr val="accent1"/>
+          </a:fillRef>
+          <a:effectRef idx="0">
+            <a:schemeClr val="accent1"/>
+          </a:effectRef>
+          <a:fontRef idx="minor">
+            <a:schemeClr val="tx1"/>
+          </a:fontRef>
+        </p:style>
+      </p:cxnSp>
+      <p:cxnSp>
+        <p:nvCxnSpPr>
+          <p:cNvPr id="56" name="Straight Arrow Connector 55">
+            <a:extLst>
+              <a:ext uri="{FF2B5EF4-FFF2-40B4-BE49-F238E27FC236}">
+                <a16:creationId xmlns:a16="http://schemas.microsoft.com/office/drawing/2014/main" id="{D4EBE7F8-E977-4531-86CA-984E65622235}"/>
+              </a:ext>
+            </a:extLst>
+          </p:cNvPr>
+          <p:cNvCxnSpPr>
+            <a:cxnSpLocks/>
+          </p:cNvCxnSpPr>
+          <p:nvPr/>
+        </p:nvCxnSpPr>
+        <p:spPr>
+          <a:xfrm flipH="1" flipV="1">
+            <a:off x="3105816" y="2489512"/>
+            <a:ext cx="486143" cy="383282"/>
+          </a:xfrm>
+          <a:prstGeom prst="straightConnector1">
+            <a:avLst/>
+          </a:prstGeom>
+          <a:ln w="28575">
+            <a:solidFill>
+              <a:schemeClr val="accent6">
+                <a:lumMod val="40000"/>
+                <a:lumOff val="60000"/>
+              </a:schemeClr>
+            </a:solidFill>
+            <a:headEnd type="triangle"/>
+            <a:tailEnd type="triangle"/>
+          </a:ln>
+        </p:spPr>
+        <p:style>
+          <a:lnRef idx="1">
+            <a:schemeClr val="accent1"/>
+          </a:lnRef>
+          <a:fillRef idx="0">
+            <a:schemeClr val="accent1"/>
+          </a:fillRef>
+          <a:effectRef idx="0">
+            <a:schemeClr val="accent1"/>
+          </a:effectRef>
+          <a:fontRef idx="minor">
+            <a:schemeClr val="tx1"/>
+          </a:fontRef>
+        </p:style>
+      </p:cxnSp>
+      <p:sp>
+        <p:nvSpPr>
+          <p:cNvPr id="59" name="TextBox 58">
+            <a:extLst>
+              <a:ext uri="{FF2B5EF4-FFF2-40B4-BE49-F238E27FC236}">
+                <a16:creationId xmlns:a16="http://schemas.microsoft.com/office/drawing/2014/main" id="{0A1EC28A-7748-413A-A7CD-87AC6F4EEC3E}"/>
+              </a:ext>
+            </a:extLst>
+          </p:cNvPr>
+          <p:cNvSpPr txBox="1"/>
+          <p:nvPr/>
+        </p:nvSpPr>
+        <p:spPr>
+          <a:xfrm rot="20714959">
+            <a:off x="4212590" y="2198443"/>
+            <a:ext cx="1264920" cy="369332"/>
+          </a:xfrm>
+          <a:prstGeom prst="rect">
+            <a:avLst/>
+          </a:prstGeom>
+          <a:noFill/>
+        </p:spPr>
+        <p:txBody>
+          <a:bodyPr wrap="square" rtlCol="0">
+            <a:spAutoFit/>
+          </a:bodyPr>
+          <a:lstStyle/>
+          <a:p>
+            <a:r>
+              <a:rPr lang="en-US" dirty="0" err="1">
+                <a:solidFill>
+                  <a:schemeClr val="accent2">
+                    <a:lumMod val="60000"/>
+                    <a:lumOff val="40000"/>
+                  </a:schemeClr>
+                </a:solidFill>
+              </a:rPr>
+              <a:t>size_x</a:t>
+            </a:r>
+            <a:endParaRPr lang="en-US" dirty="0">
+              <a:solidFill>
+                <a:schemeClr val="accent2">
+                  <a:lumMod val="60000"/>
+                  <a:lumOff val="40000"/>
+                </a:schemeClr>
+              </a:solidFill>
+            </a:endParaRPr>
+          </a:p>
+        </p:txBody>
+      </p:sp>
+      <p:sp>
+        <p:nvSpPr>
+          <p:cNvPr id="60" name="TextBox 59">
+            <a:extLst>
+              <a:ext uri="{FF2B5EF4-FFF2-40B4-BE49-F238E27FC236}">
+                <a16:creationId xmlns:a16="http://schemas.microsoft.com/office/drawing/2014/main" id="{6B295D84-A51E-4415-8E93-D4E750C8F550}"/>
+              </a:ext>
+            </a:extLst>
+          </p:cNvPr>
+          <p:cNvSpPr txBox="1"/>
+          <p:nvPr/>
+        </p:nvSpPr>
+        <p:spPr>
+          <a:xfrm rot="20714959">
+            <a:off x="3516339" y="1840985"/>
+            <a:ext cx="1264920" cy="369332"/>
+          </a:xfrm>
+          <a:prstGeom prst="rect">
+            <a:avLst/>
+          </a:prstGeom>
+          <a:noFill/>
+        </p:spPr>
+        <p:txBody>
+          <a:bodyPr wrap="square" rtlCol="0">
+            <a:spAutoFit/>
+          </a:bodyPr>
+          <a:lstStyle/>
+          <a:p>
+            <a:r>
+              <a:rPr lang="en-US" dirty="0" err="1">
+                <a:solidFill>
+                  <a:schemeClr val="accent4">
+                    <a:lumMod val="40000"/>
+                    <a:lumOff val="60000"/>
+                  </a:schemeClr>
+                </a:solidFill>
+              </a:rPr>
+              <a:t>size_z</a:t>
+            </a:r>
+            <a:endParaRPr lang="en-US" dirty="0">
+              <a:solidFill>
+                <a:schemeClr val="accent4">
+                  <a:lumMod val="40000"/>
+                  <a:lumOff val="60000"/>
+                </a:schemeClr>
+              </a:solidFill>
+            </a:endParaRPr>
+          </a:p>
+        </p:txBody>
+      </p:sp>
+      <p:sp>
+        <p:nvSpPr>
+          <p:cNvPr id="61" name="TextBox 60">
+            <a:extLst>
+              <a:ext uri="{FF2B5EF4-FFF2-40B4-BE49-F238E27FC236}">
+                <a16:creationId xmlns:a16="http://schemas.microsoft.com/office/drawing/2014/main" id="{B6880016-AB69-4956-B70B-23317CA4E6BF}"/>
+              </a:ext>
+            </a:extLst>
+          </p:cNvPr>
+          <p:cNvSpPr txBox="1"/>
+          <p:nvPr/>
+        </p:nvSpPr>
+        <p:spPr>
+          <a:xfrm rot="2315664">
+            <a:off x="2640337" y="2647983"/>
+            <a:ext cx="1264920" cy="369332"/>
+          </a:xfrm>
+          <a:prstGeom prst="rect">
+            <a:avLst/>
+          </a:prstGeom>
+          <a:noFill/>
+        </p:spPr>
+        <p:txBody>
+          <a:bodyPr wrap="square" rtlCol="0">
+            <a:spAutoFit/>
+          </a:bodyPr>
+          <a:lstStyle/>
+          <a:p>
+            <a:r>
+              <a:rPr lang="en-US" dirty="0" err="1">
+                <a:solidFill>
+                  <a:schemeClr val="accent6">
+                    <a:lumMod val="40000"/>
+                    <a:lumOff val="60000"/>
+                  </a:schemeClr>
+                </a:solidFill>
+              </a:rPr>
+              <a:t>size_y</a:t>
+            </a:r>
+            <a:endParaRPr lang="en-US" dirty="0">
+              <a:solidFill>
+                <a:schemeClr val="accent6">
+                  <a:lumMod val="40000"/>
+                  <a:lumOff val="60000"/>
+                </a:schemeClr>
+              </a:solidFill>
+            </a:endParaRPr>
+          </a:p>
+        </p:txBody>
+      </p:sp>
+      <p:sp>
+        <p:nvSpPr>
+          <p:cNvPr id="62" name="TextBox 61">
+            <a:extLst>
+              <a:ext uri="{FF2B5EF4-FFF2-40B4-BE49-F238E27FC236}">
+                <a16:creationId xmlns:a16="http://schemas.microsoft.com/office/drawing/2014/main" id="{332FF823-39FD-425A-910E-C4C07D37F0E0}"/>
+              </a:ext>
+            </a:extLst>
+          </p:cNvPr>
+          <p:cNvSpPr txBox="1"/>
+          <p:nvPr/>
+        </p:nvSpPr>
+        <p:spPr>
+          <a:xfrm rot="20794190">
+            <a:off x="7308656" y="2428426"/>
+            <a:ext cx="2331632" cy="523220"/>
+          </a:xfrm>
+          <a:prstGeom prst="rect">
+            <a:avLst/>
+          </a:prstGeom>
+          <a:noFill/>
+        </p:spPr>
+        <p:txBody>
+          <a:bodyPr wrap="square" rtlCol="0">
+            <a:spAutoFit/>
+          </a:bodyPr>
+          <a:lstStyle/>
+          <a:p>
+            <a:r>
+              <a:rPr lang="en-US" sz="2800" dirty="0" err="1">
+                <a:solidFill>
+                  <a:schemeClr val="bg1"/>
+                </a:solidFill>
+              </a:rPr>
+              <a:t>tensor_u</a:t>
+            </a:r>
+            <a:r>
+              <a:rPr lang="en-US" sz="2800" dirty="0">
+                <a:solidFill>
+                  <a:schemeClr val="bg1"/>
+                </a:solidFill>
+              </a:rPr>
+              <a:t> </a:t>
+            </a:r>
+          </a:p>
+        </p:txBody>
+      </p:sp>
+      <p:sp>
+        <p:nvSpPr>
+          <p:cNvPr id="63" name="TextBox 62">
+            <a:extLst>
+              <a:ext uri="{FF2B5EF4-FFF2-40B4-BE49-F238E27FC236}">
+                <a16:creationId xmlns:a16="http://schemas.microsoft.com/office/drawing/2014/main" id="{4ED5CADD-1AA9-4B9A-8E07-252751265C38}"/>
+              </a:ext>
+            </a:extLst>
+          </p:cNvPr>
+          <p:cNvSpPr txBox="1"/>
+          <p:nvPr/>
+        </p:nvSpPr>
+        <p:spPr>
+          <a:xfrm rot="16360779">
+            <a:off x="8275767" y="2611184"/>
+            <a:ext cx="2331632" cy="523220"/>
+          </a:xfrm>
+          <a:prstGeom prst="rect">
+            <a:avLst/>
+          </a:prstGeom>
+          <a:noFill/>
+        </p:spPr>
+        <p:txBody>
+          <a:bodyPr wrap="square" rtlCol="0">
+            <a:spAutoFit/>
+          </a:bodyPr>
+          <a:lstStyle/>
+          <a:p>
+            <a:r>
+              <a:rPr lang="en-US" sz="2800" dirty="0" err="1">
+                <a:solidFill>
+                  <a:schemeClr val="bg1"/>
+                </a:solidFill>
+              </a:rPr>
+              <a:t>tensor_w</a:t>
+            </a:r>
+            <a:r>
+              <a:rPr lang="en-US" sz="2800" dirty="0">
+                <a:solidFill>
+                  <a:schemeClr val="bg1"/>
+                </a:solidFill>
+              </a:rPr>
+              <a:t> </a:t>
+            </a:r>
+          </a:p>
+        </p:txBody>
+      </p:sp>
+      <p:sp>
+        <p:nvSpPr>
+          <p:cNvPr id="64" name="TextBox 63">
+            <a:extLst>
+              <a:ext uri="{FF2B5EF4-FFF2-40B4-BE49-F238E27FC236}">
+                <a16:creationId xmlns:a16="http://schemas.microsoft.com/office/drawing/2014/main" id="{6EFDA383-9C0F-4FE1-AD6C-EA3C92AFCA9D}"/>
+              </a:ext>
+            </a:extLst>
+          </p:cNvPr>
+          <p:cNvSpPr txBox="1"/>
+          <p:nvPr/>
+        </p:nvSpPr>
+        <p:spPr>
+          <a:xfrm rot="758133">
+            <a:off x="7526252" y="1557582"/>
+            <a:ext cx="2331632" cy="523220"/>
+          </a:xfrm>
+          <a:prstGeom prst="rect">
+            <a:avLst/>
+          </a:prstGeom>
+          <a:noFill/>
+        </p:spPr>
+        <p:txBody>
+          <a:bodyPr wrap="square" rtlCol="0">
+            <a:spAutoFit/>
+          </a:bodyPr>
+          <a:lstStyle/>
+          <a:p>
+            <a:r>
+              <a:rPr lang="en-US" sz="2800" dirty="0" err="1">
+                <a:solidFill>
+                  <a:schemeClr val="bg1"/>
+                </a:solidFill>
+              </a:rPr>
+              <a:t>tensor_y</a:t>
+            </a:r>
+            <a:r>
+              <a:rPr lang="en-US" sz="2800" dirty="0">
+                <a:solidFill>
+                  <a:schemeClr val="bg1"/>
+                </a:solidFill>
+              </a:rPr>
+              <a:t> </a:t>
+            </a:r>
+          </a:p>
+        </p:txBody>
+      </p:sp>
+    </p:spTree>
+    <p:extLst>
+      <p:ext uri="{BB962C8B-B14F-4D97-AF65-F5344CB8AC3E}">
+        <p14:creationId xmlns:p14="http://schemas.microsoft.com/office/powerpoint/2010/main" val="1889943856"/>
+      </p:ext>
+    </p:extLst>
+  </p:cSld>
+  <p:clrMapOvr>
+    <a:masterClrMapping/>
+  </p:clrMapOvr>
+</p:sld>
+</file>
+
+<file path=ppt/slides/slide7.xml><?xml version="1.0" encoding="utf-8"?>
+<p:sld xmlns:a="http://schemas.openxmlformats.org/drawingml/2006/main" xmlns:r="http://schemas.openxmlformats.org/officeDocument/2006/relationships" xmlns:p="http://schemas.openxmlformats.org/presentationml/2006/main">
+  <p:cSld>
+    <p:spTree>
+      <p:nvGrpSpPr>
+        <p:cNvPr id="1" name=""/>
+        <p:cNvGrpSpPr/>
+        <p:nvPr/>
+      </p:nvGrpSpPr>
+      <p:grpSpPr>
+        <a:xfrm>
+          <a:off x="0" y="0"/>
+          <a:ext cx="0" cy="0"/>
+          <a:chOff x="0" y="0"/>
+          <a:chExt cx="0" cy="0"/>
+        </a:xfrm>
+      </p:grpSpPr>
+      <p:pic>
+        <p:nvPicPr>
+          <p:cNvPr id="5" name="Picture 4">
+            <a:extLst>
+              <a:ext uri="{FF2B5EF4-FFF2-40B4-BE49-F238E27FC236}">
+                <a16:creationId xmlns:a16="http://schemas.microsoft.com/office/drawing/2014/main" id="{B227D5F8-CDE1-4839-A079-74D350FE0B11}"/>
+              </a:ext>
+            </a:extLst>
+          </p:cNvPr>
+          <p:cNvPicPr>
+            <a:picLocks noChangeAspect="1"/>
+          </p:cNvPicPr>
+          <p:nvPr/>
+        </p:nvPicPr>
+        <p:blipFill>
+          <a:blip r:embed="rId2"/>
+          <a:stretch>
+            <a:fillRect/>
+          </a:stretch>
+        </p:blipFill>
+        <p:spPr>
+          <a:xfrm>
+            <a:off x="2147336" y="613969"/>
+            <a:ext cx="7897327" cy="5630061"/>
+          </a:xfrm>
+          <a:prstGeom prst="rect">
+            <a:avLst/>
+          </a:prstGeom>
+        </p:spPr>
+      </p:pic>
+      <p:cxnSp>
+        <p:nvCxnSpPr>
+          <p:cNvPr id="23" name="Straight Arrow Connector 22">
+            <a:extLst>
+              <a:ext uri="{FF2B5EF4-FFF2-40B4-BE49-F238E27FC236}">
+                <a16:creationId xmlns:a16="http://schemas.microsoft.com/office/drawing/2014/main" id="{FD86620D-2364-4C77-823C-15AAA8F5A5ED}"/>
+              </a:ext>
+            </a:extLst>
+          </p:cNvPr>
+          <p:cNvCxnSpPr>
+            <a:cxnSpLocks/>
+          </p:cNvCxnSpPr>
+          <p:nvPr/>
+        </p:nvCxnSpPr>
+        <p:spPr>
+          <a:xfrm flipV="1">
+            <a:off x="4881563" y="5500688"/>
+            <a:ext cx="914400" cy="338137"/>
+          </a:xfrm>
+          <a:prstGeom prst="straightConnector1">
+            <a:avLst/>
+          </a:prstGeom>
+          <a:ln w="28575">
+            <a:solidFill>
+              <a:srgbClr val="FF0000"/>
+            </a:solidFill>
+            <a:tailEnd type="triangle"/>
+          </a:ln>
+        </p:spPr>
+        <p:style>
+          <a:lnRef idx="1">
+            <a:schemeClr val="accent1"/>
+          </a:lnRef>
+          <a:fillRef idx="0">
+            <a:schemeClr val="accent1"/>
+          </a:fillRef>
+          <a:effectRef idx="0">
+            <a:schemeClr val="accent1"/>
+          </a:effectRef>
+          <a:fontRef idx="minor">
+            <a:schemeClr val="tx1"/>
+          </a:fontRef>
+        </p:style>
+      </p:cxnSp>
+      <p:cxnSp>
+        <p:nvCxnSpPr>
+          <p:cNvPr id="24" name="Straight Arrow Connector 23">
+            <a:extLst>
+              <a:ext uri="{FF2B5EF4-FFF2-40B4-BE49-F238E27FC236}">
+                <a16:creationId xmlns:a16="http://schemas.microsoft.com/office/drawing/2014/main" id="{0D9D9FEE-8B0A-40A1-98CE-BF02D02C67D3}"/>
+              </a:ext>
+            </a:extLst>
+          </p:cNvPr>
+          <p:cNvCxnSpPr>
+            <a:cxnSpLocks/>
+          </p:cNvCxnSpPr>
+          <p:nvPr/>
+        </p:nvCxnSpPr>
+        <p:spPr>
+          <a:xfrm flipH="1" flipV="1">
+            <a:off x="4848225" y="5386388"/>
+            <a:ext cx="33338" cy="461962"/>
+          </a:xfrm>
+          <a:prstGeom prst="straightConnector1">
+            <a:avLst/>
+          </a:prstGeom>
+          <a:ln w="28575">
+            <a:solidFill>
+              <a:srgbClr val="00B0F0"/>
+            </a:solidFill>
+            <a:tailEnd type="triangle"/>
+          </a:ln>
+        </p:spPr>
+        <p:style>
+          <a:lnRef idx="1">
+            <a:schemeClr val="accent1"/>
+          </a:lnRef>
+          <a:fillRef idx="0">
+            <a:schemeClr val="accent1"/>
+          </a:fillRef>
+          <a:effectRef idx="0">
+            <a:schemeClr val="accent1"/>
+          </a:effectRef>
+          <a:fontRef idx="minor">
+            <a:schemeClr val="tx1"/>
+          </a:fontRef>
+        </p:style>
+      </p:cxnSp>
+      <p:cxnSp>
+        <p:nvCxnSpPr>
+          <p:cNvPr id="26" name="Straight Arrow Connector 25">
+            <a:extLst>
+              <a:ext uri="{FF2B5EF4-FFF2-40B4-BE49-F238E27FC236}">
+                <a16:creationId xmlns:a16="http://schemas.microsoft.com/office/drawing/2014/main" id="{0F8B483E-FBFD-4624-88E3-BCE991B4484B}"/>
+              </a:ext>
+            </a:extLst>
+          </p:cNvPr>
+          <p:cNvCxnSpPr>
+            <a:cxnSpLocks/>
+          </p:cNvCxnSpPr>
+          <p:nvPr/>
+        </p:nvCxnSpPr>
+        <p:spPr>
+          <a:xfrm flipH="1" flipV="1">
+            <a:off x="4434549" y="5386388"/>
+            <a:ext cx="447014" cy="442912"/>
+          </a:xfrm>
+          <a:prstGeom prst="straightConnector1">
+            <a:avLst/>
+          </a:prstGeom>
+          <a:ln w="28575">
+            <a:solidFill>
+              <a:srgbClr val="92D050"/>
+            </a:solidFill>
+            <a:tailEnd type="triangle"/>
+          </a:ln>
+        </p:spPr>
+        <p:style>
+          <a:lnRef idx="1">
+            <a:schemeClr val="accent1"/>
+          </a:lnRef>
+          <a:fillRef idx="0">
+            <a:schemeClr val="accent1"/>
+          </a:fillRef>
+          <a:effectRef idx="0">
+            <a:schemeClr val="accent1"/>
+          </a:effectRef>
+          <a:fontRef idx="minor">
+            <a:schemeClr val="tx1"/>
+          </a:fontRef>
+        </p:style>
+      </p:cxnSp>
+      <p:sp>
+        <p:nvSpPr>
+          <p:cNvPr id="34" name="Oval 33">
+            <a:extLst>
+              <a:ext uri="{FF2B5EF4-FFF2-40B4-BE49-F238E27FC236}">
+                <a16:creationId xmlns:a16="http://schemas.microsoft.com/office/drawing/2014/main" id="{60F706E3-0058-46B4-97B1-62446EAEADA5}"/>
+              </a:ext>
+            </a:extLst>
+          </p:cNvPr>
+          <p:cNvSpPr/>
+          <p:nvPr/>
+        </p:nvSpPr>
+        <p:spPr>
+          <a:xfrm>
+            <a:off x="4822032" y="5772150"/>
+            <a:ext cx="119062" cy="123825"/>
+          </a:xfrm>
+          <a:prstGeom prst="ellipse">
+            <a:avLst/>
+          </a:prstGeom>
+        </p:spPr>
+        <p:style>
+          <a:lnRef idx="2">
+            <a:schemeClr val="accent4">
+              <a:shade val="50000"/>
+            </a:schemeClr>
+          </a:lnRef>
+          <a:fillRef idx="1">
+            <a:schemeClr val="accent4"/>
+          </a:fillRef>
+          <a:effectRef idx="0">
+            <a:schemeClr val="accent4"/>
+          </a:effectRef>
+          <a:fontRef idx="minor">
+            <a:schemeClr val="lt1"/>
+          </a:fontRef>
+        </p:style>
+        <p:txBody>
+          <a:bodyPr rtlCol="0" anchor="ctr"/>
+          <a:lstStyle/>
+          <a:p>
+            <a:pPr algn="ctr"/>
+            <a:endParaRPr lang="en-US"/>
+          </a:p>
+        </p:txBody>
+      </p:sp>
+      <p:sp>
+        <p:nvSpPr>
+          <p:cNvPr id="35" name="TextBox 34">
+            <a:extLst>
+              <a:ext uri="{FF2B5EF4-FFF2-40B4-BE49-F238E27FC236}">
+                <a16:creationId xmlns:a16="http://schemas.microsoft.com/office/drawing/2014/main" id="{DD035F2F-195D-440F-9847-A6416A4EC180}"/>
+              </a:ext>
+            </a:extLst>
+          </p:cNvPr>
+          <p:cNvSpPr txBox="1"/>
+          <p:nvPr/>
+        </p:nvSpPr>
+        <p:spPr>
+          <a:xfrm>
+            <a:off x="4522514" y="5837712"/>
+            <a:ext cx="1090611" cy="369332"/>
+          </a:xfrm>
+          <a:prstGeom prst="rect">
+            <a:avLst/>
+          </a:prstGeom>
+          <a:noFill/>
+        </p:spPr>
+        <p:txBody>
+          <a:bodyPr wrap="square" rtlCol="0">
+            <a:spAutoFit/>
+          </a:bodyPr>
+          <a:lstStyle/>
+          <a:p>
+            <a:r>
+              <a:rPr lang="en-US" dirty="0">
+                <a:solidFill>
+                  <a:srgbClr val="FFFF00"/>
+                </a:solidFill>
+              </a:rPr>
+              <a:t>origin</a:t>
+            </a:r>
+          </a:p>
+        </p:txBody>
+      </p:sp>
+      <p:sp>
+        <p:nvSpPr>
+          <p:cNvPr id="2" name="TextBox 1">
+            <a:extLst>
+              <a:ext uri="{FF2B5EF4-FFF2-40B4-BE49-F238E27FC236}">
+                <a16:creationId xmlns:a16="http://schemas.microsoft.com/office/drawing/2014/main" id="{62590D4B-29D1-4707-A955-0B1671BBD1F3}"/>
+              </a:ext>
+            </a:extLst>
+          </p:cNvPr>
+          <p:cNvSpPr txBox="1"/>
+          <p:nvPr/>
+        </p:nvSpPr>
+        <p:spPr>
+          <a:xfrm rot="20813949">
+            <a:off x="4628350" y="2628228"/>
+            <a:ext cx="6571235" cy="492443"/>
+          </a:xfrm>
+          <a:prstGeom prst="rect">
+            <a:avLst/>
+          </a:prstGeom>
+          <a:noFill/>
+        </p:spPr>
+        <p:txBody>
+          <a:bodyPr wrap="square" rtlCol="0">
+            <a:spAutoFit/>
+          </a:bodyPr>
+          <a:lstStyle/>
+          <a:p>
+            <a:r>
+              <a:rPr lang="en-US" sz="2600" b="0" i="0" dirty="0">
+                <a:solidFill>
+                  <a:srgbClr val="CCCCCC"/>
+                </a:solidFill>
+                <a:effectLst/>
+                <a:latin typeface="JetBrains Mono" panose="02000009000000000000" pitchFamily="49" charset="0"/>
+              </a:rPr>
+              <a:t>[20. 20. 20. 20. 20. 20.]</a:t>
+            </a:r>
+            <a:endParaRPr lang="en-US" sz="2600" dirty="0"/>
+          </a:p>
+        </p:txBody>
+      </p:sp>
+      <p:sp>
+        <p:nvSpPr>
+          <p:cNvPr id="25" name="TextBox 24">
+            <a:extLst>
+              <a:ext uri="{FF2B5EF4-FFF2-40B4-BE49-F238E27FC236}">
+                <a16:creationId xmlns:a16="http://schemas.microsoft.com/office/drawing/2014/main" id="{B72F0BF0-12C9-48B2-8278-027D24D9B42D}"/>
+              </a:ext>
+            </a:extLst>
+          </p:cNvPr>
+          <p:cNvSpPr txBox="1"/>
+          <p:nvPr/>
+        </p:nvSpPr>
+        <p:spPr>
+          <a:xfrm rot="1456145">
+            <a:off x="4161744" y="2426882"/>
+            <a:ext cx="2277839" cy="338554"/>
+          </a:xfrm>
+          <a:prstGeom prst="rect">
+            <a:avLst/>
+          </a:prstGeom>
+          <a:noFill/>
+        </p:spPr>
+        <p:txBody>
+          <a:bodyPr wrap="square" rtlCol="0">
+            <a:spAutoFit/>
+          </a:bodyPr>
+          <a:lstStyle/>
+          <a:p>
+            <a:r>
+              <a:rPr lang="en-US" sz="1600" b="0" i="0" dirty="0">
+                <a:solidFill>
+                  <a:srgbClr val="CCCCCC"/>
+                </a:solidFill>
+                <a:effectLst/>
+                <a:latin typeface="JetBrains Mono" panose="02000009000000000000" pitchFamily="49" charset="0"/>
+              </a:rPr>
+              <a:t>[20. 20. 20. 20.]</a:t>
+            </a:r>
+            <a:endParaRPr lang="en-US" sz="1600" dirty="0"/>
+          </a:p>
+        </p:txBody>
+      </p:sp>
+      <p:sp>
+        <p:nvSpPr>
+          <p:cNvPr id="3" name="TextBox 2">
+            <a:extLst>
+              <a:ext uri="{FF2B5EF4-FFF2-40B4-BE49-F238E27FC236}">
+                <a16:creationId xmlns:a16="http://schemas.microsoft.com/office/drawing/2014/main" id="{563FEA28-63FA-420C-91C3-109F74994775}"/>
+              </a:ext>
+            </a:extLst>
+          </p:cNvPr>
+          <p:cNvSpPr txBox="1"/>
+          <p:nvPr/>
+        </p:nvSpPr>
+        <p:spPr>
+          <a:xfrm rot="15856864">
+            <a:off x="2270666" y="3353022"/>
+            <a:ext cx="3543300" cy="323165"/>
+          </a:xfrm>
+          <a:prstGeom prst="rect">
+            <a:avLst/>
+          </a:prstGeom>
+          <a:noFill/>
+        </p:spPr>
+        <p:txBody>
+          <a:bodyPr wrap="square" rtlCol="0">
+            <a:spAutoFit/>
+          </a:bodyPr>
+          <a:lstStyle/>
+          <a:p>
+            <a:r>
+              <a:rPr lang="en-US" sz="1500" b="0" i="0" dirty="0">
+                <a:solidFill>
+                  <a:srgbClr val="CCCCCC"/>
+                </a:solidFill>
+                <a:effectLst/>
+                <a:latin typeface="JetBrains Mono" panose="02000009000000000000" pitchFamily="49" charset="0"/>
+              </a:rPr>
+              <a:t>[10. 10. 10. 10. 10.]</a:t>
+            </a:r>
+            <a:endParaRPr lang="en-US" sz="1500" dirty="0"/>
+          </a:p>
+        </p:txBody>
+      </p:sp>
+      <p:sp>
+        <p:nvSpPr>
+          <p:cNvPr id="32" name="TextBox 31">
+            <a:extLst>
+              <a:ext uri="{FF2B5EF4-FFF2-40B4-BE49-F238E27FC236}">
+                <a16:creationId xmlns:a16="http://schemas.microsoft.com/office/drawing/2014/main" id="{45712774-5A98-4ED7-A8FD-6AE3E72B928B}"/>
+              </a:ext>
+            </a:extLst>
+          </p:cNvPr>
+          <p:cNvSpPr txBox="1"/>
+          <p:nvPr/>
+        </p:nvSpPr>
+        <p:spPr>
+          <a:xfrm rot="20316604">
+            <a:off x="5376284" y="5485089"/>
+            <a:ext cx="1090611" cy="369332"/>
+          </a:xfrm>
+          <a:prstGeom prst="rect">
+            <a:avLst/>
+          </a:prstGeom>
+          <a:noFill/>
+        </p:spPr>
+        <p:txBody>
+          <a:bodyPr wrap="square" rtlCol="0">
+            <a:spAutoFit/>
+          </a:bodyPr>
+          <a:lstStyle/>
+          <a:p>
+            <a:r>
+              <a:rPr lang="en-US" dirty="0" err="1">
+                <a:solidFill>
+                  <a:srgbClr val="FF0000"/>
+                </a:solidFill>
+              </a:rPr>
+              <a:t>axis_u</a:t>
+            </a:r>
+            <a:r>
+              <a:rPr lang="en-US" dirty="0">
+                <a:solidFill>
+                  <a:srgbClr val="FF0000"/>
+                </a:solidFill>
+              </a:rPr>
+              <a:t> (x)</a:t>
+            </a:r>
+          </a:p>
+        </p:txBody>
+      </p:sp>
+      <p:sp>
+        <p:nvSpPr>
+          <p:cNvPr id="36" name="TextBox 35">
+            <a:extLst>
+              <a:ext uri="{FF2B5EF4-FFF2-40B4-BE49-F238E27FC236}">
+                <a16:creationId xmlns:a16="http://schemas.microsoft.com/office/drawing/2014/main" id="{CE13B5FF-4F91-47E8-8741-371BB0C2CF2D}"/>
+              </a:ext>
+            </a:extLst>
+          </p:cNvPr>
+          <p:cNvSpPr txBox="1"/>
+          <p:nvPr/>
+        </p:nvSpPr>
+        <p:spPr>
+          <a:xfrm rot="2723658">
+            <a:off x="3706405" y="5346920"/>
+            <a:ext cx="1090611" cy="369332"/>
+          </a:xfrm>
+          <a:prstGeom prst="rect">
+            <a:avLst/>
+          </a:prstGeom>
+          <a:noFill/>
+        </p:spPr>
+        <p:txBody>
+          <a:bodyPr wrap="square" rtlCol="0">
+            <a:spAutoFit/>
+          </a:bodyPr>
+          <a:lstStyle/>
+          <a:p>
+            <a:r>
+              <a:rPr lang="en-US" dirty="0" err="1">
+                <a:solidFill>
+                  <a:srgbClr val="92D050"/>
+                </a:solidFill>
+              </a:rPr>
+              <a:t>axis_v</a:t>
+            </a:r>
+            <a:r>
+              <a:rPr lang="en-US" dirty="0">
+                <a:solidFill>
+                  <a:srgbClr val="92D050"/>
+                </a:solidFill>
+              </a:rPr>
+              <a:t> (y)</a:t>
+            </a:r>
+          </a:p>
+        </p:txBody>
+      </p:sp>
+      <p:sp>
+        <p:nvSpPr>
+          <p:cNvPr id="38" name="TextBox 37">
+            <a:extLst>
+              <a:ext uri="{FF2B5EF4-FFF2-40B4-BE49-F238E27FC236}">
+                <a16:creationId xmlns:a16="http://schemas.microsoft.com/office/drawing/2014/main" id="{082C2713-F2A6-4764-8215-5DF9B9E13BCB}"/>
+              </a:ext>
+            </a:extLst>
+          </p:cNvPr>
+          <p:cNvSpPr txBox="1"/>
+          <p:nvPr/>
+        </p:nvSpPr>
+        <p:spPr>
+          <a:xfrm rot="19421805">
+            <a:off x="4703571" y="4796762"/>
+            <a:ext cx="1151548" cy="369332"/>
+          </a:xfrm>
+          <a:prstGeom prst="rect">
+            <a:avLst/>
+          </a:prstGeom>
+          <a:noFill/>
+        </p:spPr>
+        <p:txBody>
+          <a:bodyPr wrap="square" rtlCol="0">
+            <a:spAutoFit/>
+          </a:bodyPr>
+          <a:lstStyle/>
+          <a:p>
+            <a:r>
+              <a:rPr lang="en-US" dirty="0" err="1">
+                <a:solidFill>
+                  <a:srgbClr val="00B0F0"/>
+                </a:solidFill>
+              </a:rPr>
+              <a:t>axis_w</a:t>
+            </a:r>
+            <a:r>
+              <a:rPr lang="en-US" dirty="0">
+                <a:solidFill>
+                  <a:srgbClr val="00B0F0"/>
+                </a:solidFill>
+              </a:rPr>
+              <a:t> (z)</a:t>
+            </a:r>
+          </a:p>
+        </p:txBody>
+      </p:sp>
+    </p:spTree>
+    <p:extLst>
+      <p:ext uri="{BB962C8B-B14F-4D97-AF65-F5344CB8AC3E}">
+        <p14:creationId xmlns:p14="http://schemas.microsoft.com/office/powerpoint/2010/main" val="1644523415"/>
+      </p:ext>
+    </p:extLst>
+  </p:cSld>
+  <p:clrMapOvr>
+    <a:masterClrMapping/>
+  </p:clrMapOvr>
+</p:sld>
+</file>
+
+<file path=ppt/slides/slide8.xml><?xml version="1.0" encoding="utf-8"?>
+<p:sld xmlns:a="http://schemas.openxmlformats.org/drawingml/2006/main" xmlns:r="http://schemas.openxmlformats.org/officeDocument/2006/relationships" xmlns:p="http://schemas.openxmlformats.org/presentationml/2006/main">
+  <p:cSld>
+    <p:spTree>
+      <p:nvGrpSpPr>
+        <p:cNvPr id="1" name=""/>
+        <p:cNvGrpSpPr/>
+        <p:nvPr/>
+      </p:nvGrpSpPr>
+      <p:grpSpPr>
+        <a:xfrm>
+          <a:off x="0" y="0"/>
+          <a:ext cx="0" cy="0"/>
+          <a:chOff x="0" y="0"/>
+          <a:chExt cx="0" cy="0"/>
+        </a:xfrm>
+      </p:grpSpPr>
+      <p:pic>
+        <p:nvPicPr>
+          <p:cNvPr id="5" name="Picture 4">
+            <a:extLst>
+              <a:ext uri="{FF2B5EF4-FFF2-40B4-BE49-F238E27FC236}">
+                <a16:creationId xmlns:a16="http://schemas.microsoft.com/office/drawing/2014/main" id="{B227D5F8-CDE1-4839-A079-74D350FE0B11}"/>
+              </a:ext>
+            </a:extLst>
+          </p:cNvPr>
+          <p:cNvPicPr>
+            <a:picLocks noChangeAspect="1"/>
+          </p:cNvPicPr>
+          <p:nvPr/>
+        </p:nvPicPr>
+        <p:blipFill>
+          <a:blip r:embed="rId2"/>
+          <a:stretch>
+            <a:fillRect/>
+          </a:stretch>
+        </p:blipFill>
+        <p:spPr>
+          <a:xfrm>
+            <a:off x="2147336" y="613969"/>
+            <a:ext cx="7897327" cy="5630061"/>
+          </a:xfrm>
+          <a:prstGeom prst="rect">
+            <a:avLst/>
+          </a:prstGeom>
+        </p:spPr>
+      </p:pic>
+      <p:cxnSp>
+        <p:nvCxnSpPr>
+          <p:cNvPr id="23" name="Straight Arrow Connector 22">
+            <a:extLst>
+              <a:ext uri="{FF2B5EF4-FFF2-40B4-BE49-F238E27FC236}">
+                <a16:creationId xmlns:a16="http://schemas.microsoft.com/office/drawing/2014/main" id="{FD86620D-2364-4C77-823C-15AAA8F5A5ED}"/>
+              </a:ext>
+            </a:extLst>
+          </p:cNvPr>
+          <p:cNvCxnSpPr>
+            <a:cxnSpLocks/>
+          </p:cNvCxnSpPr>
+          <p:nvPr/>
+        </p:nvCxnSpPr>
+        <p:spPr>
+          <a:xfrm flipV="1">
+            <a:off x="4881563" y="5500688"/>
+            <a:ext cx="914400" cy="338137"/>
+          </a:xfrm>
+          <a:prstGeom prst="straightConnector1">
+            <a:avLst/>
+          </a:prstGeom>
+          <a:ln w="28575">
+            <a:solidFill>
+              <a:srgbClr val="FF0000"/>
+            </a:solidFill>
+            <a:tailEnd type="triangle"/>
+          </a:ln>
+        </p:spPr>
+        <p:style>
+          <a:lnRef idx="1">
+            <a:schemeClr val="accent1"/>
+          </a:lnRef>
+          <a:fillRef idx="0">
+            <a:schemeClr val="accent1"/>
+          </a:fillRef>
+          <a:effectRef idx="0">
+            <a:schemeClr val="accent1"/>
+          </a:effectRef>
+          <a:fontRef idx="minor">
+            <a:schemeClr val="tx1"/>
+          </a:fontRef>
+        </p:style>
+      </p:cxnSp>
+      <p:cxnSp>
+        <p:nvCxnSpPr>
+          <p:cNvPr id="24" name="Straight Arrow Connector 23">
+            <a:extLst>
+              <a:ext uri="{FF2B5EF4-FFF2-40B4-BE49-F238E27FC236}">
+                <a16:creationId xmlns:a16="http://schemas.microsoft.com/office/drawing/2014/main" id="{0D9D9FEE-8B0A-40A1-98CE-BF02D02C67D3}"/>
+              </a:ext>
+            </a:extLst>
+          </p:cNvPr>
+          <p:cNvCxnSpPr>
+            <a:cxnSpLocks/>
+          </p:cNvCxnSpPr>
+          <p:nvPr/>
+        </p:nvCxnSpPr>
+        <p:spPr>
+          <a:xfrm flipH="1" flipV="1">
+            <a:off x="4848225" y="5386388"/>
+            <a:ext cx="33338" cy="461962"/>
+          </a:xfrm>
+          <a:prstGeom prst="straightConnector1">
+            <a:avLst/>
+          </a:prstGeom>
+          <a:ln w="28575">
+            <a:solidFill>
+              <a:srgbClr val="92D050"/>
+            </a:solidFill>
+            <a:tailEnd type="triangle"/>
+          </a:ln>
+        </p:spPr>
+        <p:style>
+          <a:lnRef idx="1">
+            <a:schemeClr val="accent1"/>
+          </a:lnRef>
+          <a:fillRef idx="0">
+            <a:schemeClr val="accent1"/>
+          </a:fillRef>
+          <a:effectRef idx="0">
+            <a:schemeClr val="accent1"/>
+          </a:effectRef>
+          <a:fontRef idx="minor">
+            <a:schemeClr val="tx1"/>
+          </a:fontRef>
+        </p:style>
+      </p:cxnSp>
+      <p:cxnSp>
+        <p:nvCxnSpPr>
+          <p:cNvPr id="26" name="Straight Arrow Connector 25">
+            <a:extLst>
+              <a:ext uri="{FF2B5EF4-FFF2-40B4-BE49-F238E27FC236}">
+                <a16:creationId xmlns:a16="http://schemas.microsoft.com/office/drawing/2014/main" id="{0F8B483E-FBFD-4624-88E3-BCE991B4484B}"/>
+              </a:ext>
+            </a:extLst>
+          </p:cNvPr>
+          <p:cNvCxnSpPr>
+            <a:cxnSpLocks/>
+          </p:cNvCxnSpPr>
+          <p:nvPr/>
+        </p:nvCxnSpPr>
+        <p:spPr>
+          <a:xfrm flipH="1" flipV="1">
+            <a:off x="4434549" y="5386388"/>
+            <a:ext cx="447014" cy="442912"/>
+          </a:xfrm>
+          <a:prstGeom prst="straightConnector1">
+            <a:avLst/>
+          </a:prstGeom>
+          <a:ln w="28575">
+            <a:solidFill>
+              <a:srgbClr val="00B0F0"/>
+            </a:solidFill>
+            <a:tailEnd type="triangle"/>
+          </a:ln>
+        </p:spPr>
+        <p:style>
+          <a:lnRef idx="1">
+            <a:schemeClr val="accent1"/>
+          </a:lnRef>
+          <a:fillRef idx="0">
+            <a:schemeClr val="accent1"/>
+          </a:fillRef>
+          <a:effectRef idx="0">
+            <a:schemeClr val="accent1"/>
+          </a:effectRef>
+          <a:fontRef idx="minor">
+            <a:schemeClr val="tx1"/>
+          </a:fontRef>
+        </p:style>
+      </p:cxnSp>
+      <p:sp>
+        <p:nvSpPr>
+          <p:cNvPr id="34" name="Oval 33">
+            <a:extLst>
+              <a:ext uri="{FF2B5EF4-FFF2-40B4-BE49-F238E27FC236}">
+                <a16:creationId xmlns:a16="http://schemas.microsoft.com/office/drawing/2014/main" id="{60F706E3-0058-46B4-97B1-62446EAEADA5}"/>
+              </a:ext>
+            </a:extLst>
+          </p:cNvPr>
+          <p:cNvSpPr/>
+          <p:nvPr/>
+        </p:nvSpPr>
+        <p:spPr>
+          <a:xfrm>
+            <a:off x="4822032" y="5772150"/>
+            <a:ext cx="119062" cy="123825"/>
+          </a:xfrm>
+          <a:prstGeom prst="ellipse">
+            <a:avLst/>
+          </a:prstGeom>
+        </p:spPr>
+        <p:style>
+          <a:lnRef idx="2">
+            <a:schemeClr val="accent4">
+              <a:shade val="50000"/>
+            </a:schemeClr>
+          </a:lnRef>
+          <a:fillRef idx="1">
+            <a:schemeClr val="accent4"/>
+          </a:fillRef>
+          <a:effectRef idx="0">
+            <a:schemeClr val="accent4"/>
+          </a:effectRef>
+          <a:fontRef idx="minor">
+            <a:schemeClr val="lt1"/>
+          </a:fontRef>
+        </p:style>
+        <p:txBody>
+          <a:bodyPr rtlCol="0" anchor="ctr"/>
+          <a:lstStyle/>
+          <a:p>
+            <a:pPr algn="ctr"/>
+            <a:endParaRPr lang="en-US"/>
+          </a:p>
+        </p:txBody>
+      </p:sp>
+      <p:sp>
+        <p:nvSpPr>
+          <p:cNvPr id="4" name="TextBox 3">
+            <a:extLst>
+              <a:ext uri="{FF2B5EF4-FFF2-40B4-BE49-F238E27FC236}">
+                <a16:creationId xmlns:a16="http://schemas.microsoft.com/office/drawing/2014/main" id="{B413003B-2FD8-4F0A-AE6E-7D8744D2144D}"/>
+              </a:ext>
+            </a:extLst>
+          </p:cNvPr>
+          <p:cNvSpPr txBox="1"/>
+          <p:nvPr/>
+        </p:nvSpPr>
+        <p:spPr>
+          <a:xfrm rot="20446173">
+            <a:off x="4981068" y="5232901"/>
+            <a:ext cx="747320" cy="369332"/>
+          </a:xfrm>
+          <a:prstGeom prst="rect">
+            <a:avLst/>
+          </a:prstGeom>
+          <a:noFill/>
+        </p:spPr>
+        <p:txBody>
+          <a:bodyPr wrap="none" rtlCol="0">
+            <a:spAutoFit/>
+          </a:bodyPr>
+          <a:lstStyle/>
+          <a:p>
+            <a:r>
+              <a:rPr lang="en-US" dirty="0">
+                <a:solidFill>
+                  <a:srgbClr val="FF0000"/>
+                </a:solidFill>
+              </a:rPr>
+              <a:t>1</a:t>
+            </a:r>
+            <a:r>
+              <a:rPr lang="en-US" dirty="0"/>
+              <a:t>  </a:t>
+            </a:r>
+            <a:r>
+              <a:rPr lang="en-US" dirty="0">
+                <a:solidFill>
+                  <a:srgbClr val="00B0F0"/>
+                </a:solidFill>
+              </a:rPr>
+              <a:t>1</a:t>
+            </a:r>
+            <a:r>
+              <a:rPr lang="en-US" dirty="0"/>
+              <a:t>  </a:t>
+            </a:r>
+            <a:r>
+              <a:rPr lang="en-US" dirty="0">
+                <a:solidFill>
+                  <a:srgbClr val="92D050"/>
+                </a:solidFill>
+              </a:rPr>
+              <a:t>1</a:t>
+            </a:r>
+          </a:p>
+        </p:txBody>
+      </p:sp>
+      <p:sp>
+        <p:nvSpPr>
+          <p:cNvPr id="15" name="TextBox 14">
+            <a:extLst>
+              <a:ext uri="{FF2B5EF4-FFF2-40B4-BE49-F238E27FC236}">
+                <a16:creationId xmlns:a16="http://schemas.microsoft.com/office/drawing/2014/main" id="{1EDC2FF5-C293-44B1-B27D-C2C9F0562F15}"/>
+              </a:ext>
+            </a:extLst>
+          </p:cNvPr>
+          <p:cNvSpPr txBox="1"/>
+          <p:nvPr/>
+        </p:nvSpPr>
+        <p:spPr>
+          <a:xfrm rot="20446173">
+            <a:off x="5835937" y="4935468"/>
+            <a:ext cx="747320" cy="369332"/>
+          </a:xfrm>
+          <a:prstGeom prst="rect">
+            <a:avLst/>
+          </a:prstGeom>
+          <a:noFill/>
+        </p:spPr>
+        <p:txBody>
+          <a:bodyPr wrap="none" rtlCol="0">
+            <a:spAutoFit/>
+          </a:bodyPr>
+          <a:lstStyle/>
+          <a:p>
+            <a:r>
+              <a:rPr lang="en-US" dirty="0">
+                <a:solidFill>
+                  <a:srgbClr val="FF0000"/>
+                </a:solidFill>
+              </a:rPr>
+              <a:t>2</a:t>
+            </a:r>
+            <a:r>
+              <a:rPr lang="en-US" dirty="0"/>
+              <a:t>  </a:t>
+            </a:r>
+            <a:r>
+              <a:rPr lang="en-US" dirty="0">
+                <a:solidFill>
+                  <a:srgbClr val="00B0F0"/>
+                </a:solidFill>
+              </a:rPr>
+              <a:t>1</a:t>
+            </a:r>
+            <a:r>
+              <a:rPr lang="en-US" dirty="0"/>
+              <a:t>  </a:t>
+            </a:r>
+            <a:r>
+              <a:rPr lang="en-US" dirty="0">
+                <a:solidFill>
+                  <a:srgbClr val="92D050"/>
+                </a:solidFill>
+              </a:rPr>
+              <a:t>1</a:t>
+            </a:r>
+          </a:p>
+        </p:txBody>
+      </p:sp>
+      <p:sp>
+        <p:nvSpPr>
+          <p:cNvPr id="16" name="TextBox 15">
+            <a:extLst>
+              <a:ext uri="{FF2B5EF4-FFF2-40B4-BE49-F238E27FC236}">
+                <a16:creationId xmlns:a16="http://schemas.microsoft.com/office/drawing/2014/main" id="{953D4411-2FDD-4AD9-9E33-675DE687C9EE}"/>
+              </a:ext>
+            </a:extLst>
+          </p:cNvPr>
+          <p:cNvSpPr txBox="1"/>
+          <p:nvPr/>
+        </p:nvSpPr>
+        <p:spPr>
+          <a:xfrm rot="20446173">
+            <a:off x="6625104" y="4638033"/>
+            <a:ext cx="747320" cy="369332"/>
+          </a:xfrm>
+          <a:prstGeom prst="rect">
+            <a:avLst/>
+          </a:prstGeom>
+          <a:noFill/>
+        </p:spPr>
+        <p:txBody>
+          <a:bodyPr wrap="none" rtlCol="0">
+            <a:spAutoFit/>
+          </a:bodyPr>
+          <a:lstStyle/>
+          <a:p>
+            <a:r>
+              <a:rPr lang="en-US" dirty="0">
+                <a:solidFill>
+                  <a:srgbClr val="FF0000"/>
+                </a:solidFill>
+              </a:rPr>
+              <a:t>3</a:t>
+            </a:r>
+            <a:r>
+              <a:rPr lang="en-US" dirty="0"/>
+              <a:t>  </a:t>
+            </a:r>
+            <a:r>
+              <a:rPr lang="en-US" dirty="0">
+                <a:solidFill>
+                  <a:srgbClr val="00B0F0"/>
+                </a:solidFill>
+              </a:rPr>
+              <a:t>1</a:t>
+            </a:r>
+            <a:r>
+              <a:rPr lang="en-US" dirty="0"/>
+              <a:t>  </a:t>
+            </a:r>
+            <a:r>
+              <a:rPr lang="en-US" dirty="0">
+                <a:solidFill>
+                  <a:srgbClr val="92D050"/>
+                </a:solidFill>
+              </a:rPr>
+              <a:t>1</a:t>
+            </a:r>
+          </a:p>
+        </p:txBody>
+      </p:sp>
+      <p:sp>
+        <p:nvSpPr>
+          <p:cNvPr id="17" name="TextBox 16">
+            <a:extLst>
+              <a:ext uri="{FF2B5EF4-FFF2-40B4-BE49-F238E27FC236}">
+                <a16:creationId xmlns:a16="http://schemas.microsoft.com/office/drawing/2014/main" id="{D64DFCC6-13A5-4F4C-90FA-5EB31873FF24}"/>
+              </a:ext>
+            </a:extLst>
+          </p:cNvPr>
+          <p:cNvSpPr txBox="1"/>
+          <p:nvPr/>
+        </p:nvSpPr>
+        <p:spPr>
+          <a:xfrm rot="20446173">
+            <a:off x="7342174" y="4385886"/>
+            <a:ext cx="715260" cy="353943"/>
+          </a:xfrm>
+          <a:prstGeom prst="rect">
+            <a:avLst/>
+          </a:prstGeom>
+          <a:noFill/>
+        </p:spPr>
+        <p:txBody>
+          <a:bodyPr wrap="none" rtlCol="0">
+            <a:spAutoFit/>
+          </a:bodyPr>
+          <a:lstStyle/>
+          <a:p>
+            <a:r>
+              <a:rPr lang="en-US" sz="1700" dirty="0">
+                <a:solidFill>
+                  <a:srgbClr val="FF0000"/>
+                </a:solidFill>
+              </a:rPr>
+              <a:t>4</a:t>
+            </a:r>
+            <a:r>
+              <a:rPr lang="en-US" sz="1700" dirty="0"/>
+              <a:t>  </a:t>
+            </a:r>
+            <a:r>
+              <a:rPr lang="en-US" sz="1700" dirty="0">
+                <a:solidFill>
+                  <a:srgbClr val="00B0F0"/>
+                </a:solidFill>
+              </a:rPr>
+              <a:t>1</a:t>
+            </a:r>
+            <a:r>
+              <a:rPr lang="en-US" sz="1700" dirty="0"/>
+              <a:t>  </a:t>
+            </a:r>
+            <a:r>
+              <a:rPr lang="en-US" sz="1700" dirty="0">
+                <a:solidFill>
+                  <a:srgbClr val="92D050"/>
+                </a:solidFill>
+              </a:rPr>
+              <a:t>1</a:t>
+            </a:r>
+          </a:p>
+        </p:txBody>
+      </p:sp>
+      <p:sp>
+        <p:nvSpPr>
+          <p:cNvPr id="18" name="TextBox 17">
+            <a:extLst>
+              <a:ext uri="{FF2B5EF4-FFF2-40B4-BE49-F238E27FC236}">
+                <a16:creationId xmlns:a16="http://schemas.microsoft.com/office/drawing/2014/main" id="{023B90C5-1DE1-4BB1-AFE2-F415567E29E3}"/>
+              </a:ext>
+            </a:extLst>
+          </p:cNvPr>
+          <p:cNvSpPr txBox="1"/>
+          <p:nvPr/>
+        </p:nvSpPr>
+        <p:spPr>
+          <a:xfrm rot="20446173">
+            <a:off x="8023876" y="4187078"/>
+            <a:ext cx="683200" cy="338554"/>
+          </a:xfrm>
+          <a:prstGeom prst="rect">
+            <a:avLst/>
+          </a:prstGeom>
+          <a:noFill/>
+        </p:spPr>
+        <p:txBody>
+          <a:bodyPr wrap="none" rtlCol="0">
+            <a:spAutoFit/>
+          </a:bodyPr>
+          <a:lstStyle/>
+          <a:p>
+            <a:r>
+              <a:rPr lang="en-US" sz="1600" dirty="0">
+                <a:solidFill>
+                  <a:srgbClr val="FF0000"/>
+                </a:solidFill>
+              </a:rPr>
+              <a:t>5</a:t>
+            </a:r>
+            <a:r>
+              <a:rPr lang="en-US" sz="1600" dirty="0"/>
+              <a:t>  </a:t>
+            </a:r>
+            <a:r>
+              <a:rPr lang="en-US" sz="1600" dirty="0">
+                <a:solidFill>
+                  <a:srgbClr val="00B0F0"/>
+                </a:solidFill>
+              </a:rPr>
+              <a:t>1</a:t>
+            </a:r>
+            <a:r>
+              <a:rPr lang="en-US" sz="1600" dirty="0"/>
+              <a:t>  </a:t>
+            </a:r>
+            <a:r>
+              <a:rPr lang="en-US" sz="1600" dirty="0">
+                <a:solidFill>
+                  <a:srgbClr val="92D050"/>
+                </a:solidFill>
+              </a:rPr>
+              <a:t>1</a:t>
+            </a:r>
+          </a:p>
+        </p:txBody>
+      </p:sp>
+      <p:sp>
+        <p:nvSpPr>
+          <p:cNvPr id="19" name="TextBox 18">
+            <a:extLst>
+              <a:ext uri="{FF2B5EF4-FFF2-40B4-BE49-F238E27FC236}">
+                <a16:creationId xmlns:a16="http://schemas.microsoft.com/office/drawing/2014/main" id="{089DE98F-065D-48B2-A4FB-D39025DEFBF1}"/>
+              </a:ext>
+            </a:extLst>
+          </p:cNvPr>
+          <p:cNvSpPr txBox="1"/>
+          <p:nvPr/>
+        </p:nvSpPr>
+        <p:spPr>
+          <a:xfrm rot="20446173">
+            <a:off x="8630720" y="3983419"/>
+            <a:ext cx="619080" cy="307777"/>
+          </a:xfrm>
+          <a:prstGeom prst="rect">
+            <a:avLst/>
+          </a:prstGeom>
+          <a:noFill/>
+        </p:spPr>
+        <p:txBody>
+          <a:bodyPr wrap="none" rtlCol="0">
+            <a:spAutoFit/>
+          </a:bodyPr>
+          <a:lstStyle/>
+          <a:p>
+            <a:r>
+              <a:rPr lang="en-US" sz="1400" dirty="0">
+                <a:solidFill>
+                  <a:srgbClr val="FF0000"/>
+                </a:solidFill>
+              </a:rPr>
+              <a:t>6</a:t>
+            </a:r>
+            <a:r>
+              <a:rPr lang="en-US" sz="1400" dirty="0"/>
+              <a:t>  </a:t>
+            </a:r>
+            <a:r>
+              <a:rPr lang="en-US" sz="1400" dirty="0">
+                <a:solidFill>
+                  <a:srgbClr val="00B0F0"/>
+                </a:solidFill>
+              </a:rPr>
+              <a:t>1</a:t>
+            </a:r>
+            <a:r>
+              <a:rPr lang="en-US" sz="1400" dirty="0"/>
+              <a:t>  </a:t>
+            </a:r>
+            <a:r>
+              <a:rPr lang="en-US" sz="1400" dirty="0">
+                <a:solidFill>
+                  <a:srgbClr val="92D050"/>
+                </a:solidFill>
+              </a:rPr>
+              <a:t>1</a:t>
+            </a:r>
+          </a:p>
+        </p:txBody>
+      </p:sp>
+      <p:sp>
+        <p:nvSpPr>
+          <p:cNvPr id="20" name="TextBox 19">
+            <a:extLst>
+              <a:ext uri="{FF2B5EF4-FFF2-40B4-BE49-F238E27FC236}">
+                <a16:creationId xmlns:a16="http://schemas.microsoft.com/office/drawing/2014/main" id="{B794EF57-C076-4ED5-99B7-23654898E006}"/>
+              </a:ext>
+            </a:extLst>
+          </p:cNvPr>
+          <p:cNvSpPr txBox="1"/>
+          <p:nvPr/>
+        </p:nvSpPr>
+        <p:spPr>
+          <a:xfrm rot="20446173">
+            <a:off x="4942967" y="4811643"/>
+            <a:ext cx="747320" cy="369332"/>
+          </a:xfrm>
+          <a:prstGeom prst="rect">
+            <a:avLst/>
+          </a:prstGeom>
+          <a:noFill/>
+        </p:spPr>
+        <p:txBody>
+          <a:bodyPr wrap="none" rtlCol="0">
+            <a:spAutoFit/>
+          </a:bodyPr>
+          <a:lstStyle/>
+          <a:p>
+            <a:r>
+              <a:rPr lang="en-US" dirty="0">
+                <a:solidFill>
+                  <a:srgbClr val="FF0000"/>
+                </a:solidFill>
+              </a:rPr>
+              <a:t>1</a:t>
+            </a:r>
+            <a:r>
+              <a:rPr lang="en-US" dirty="0"/>
+              <a:t>  </a:t>
+            </a:r>
+            <a:r>
+              <a:rPr lang="en-US" dirty="0">
+                <a:solidFill>
+                  <a:srgbClr val="00B0F0"/>
+                </a:solidFill>
+              </a:rPr>
+              <a:t>1</a:t>
+            </a:r>
+            <a:r>
+              <a:rPr lang="en-US" dirty="0"/>
+              <a:t>  </a:t>
+            </a:r>
+            <a:r>
+              <a:rPr lang="en-US" dirty="0">
+                <a:solidFill>
+                  <a:srgbClr val="92D050"/>
+                </a:solidFill>
+              </a:rPr>
+              <a:t>2</a:t>
+            </a:r>
+          </a:p>
+        </p:txBody>
+      </p:sp>
+      <p:sp>
+        <p:nvSpPr>
+          <p:cNvPr id="21" name="TextBox 20">
+            <a:extLst>
+              <a:ext uri="{FF2B5EF4-FFF2-40B4-BE49-F238E27FC236}">
+                <a16:creationId xmlns:a16="http://schemas.microsoft.com/office/drawing/2014/main" id="{BD0F0C0C-1BBF-4F22-82B8-11CE06610140}"/>
+              </a:ext>
+            </a:extLst>
+          </p:cNvPr>
+          <p:cNvSpPr txBox="1"/>
+          <p:nvPr/>
+        </p:nvSpPr>
+        <p:spPr>
+          <a:xfrm rot="20446173">
+            <a:off x="5797836" y="4514210"/>
+            <a:ext cx="747320" cy="369332"/>
+          </a:xfrm>
+          <a:prstGeom prst="rect">
+            <a:avLst/>
+          </a:prstGeom>
+          <a:noFill/>
+        </p:spPr>
+        <p:txBody>
+          <a:bodyPr wrap="none" rtlCol="0">
+            <a:spAutoFit/>
+          </a:bodyPr>
+          <a:lstStyle/>
+          <a:p>
+            <a:r>
+              <a:rPr lang="en-US" dirty="0">
+                <a:solidFill>
+                  <a:srgbClr val="FF0000"/>
+                </a:solidFill>
+              </a:rPr>
+              <a:t>2</a:t>
+            </a:r>
+            <a:r>
+              <a:rPr lang="en-US" dirty="0"/>
+              <a:t>  </a:t>
+            </a:r>
+            <a:r>
+              <a:rPr lang="en-US" dirty="0">
+                <a:solidFill>
+                  <a:srgbClr val="00B0F0"/>
+                </a:solidFill>
+              </a:rPr>
+              <a:t>1</a:t>
+            </a:r>
+            <a:r>
+              <a:rPr lang="en-US" dirty="0"/>
+              <a:t>  </a:t>
+            </a:r>
+            <a:r>
+              <a:rPr lang="en-US" dirty="0">
+                <a:solidFill>
+                  <a:srgbClr val="92D050"/>
+                </a:solidFill>
+              </a:rPr>
+              <a:t>2</a:t>
+            </a:r>
+          </a:p>
+        </p:txBody>
+      </p:sp>
+      <p:sp>
+        <p:nvSpPr>
+          <p:cNvPr id="22" name="TextBox 21">
+            <a:extLst>
+              <a:ext uri="{FF2B5EF4-FFF2-40B4-BE49-F238E27FC236}">
+                <a16:creationId xmlns:a16="http://schemas.microsoft.com/office/drawing/2014/main" id="{0520C6C0-3E58-46B9-A3D4-9150A89C0CBD}"/>
+              </a:ext>
+            </a:extLst>
+          </p:cNvPr>
+          <p:cNvSpPr txBox="1"/>
+          <p:nvPr/>
+        </p:nvSpPr>
+        <p:spPr>
+          <a:xfrm rot="20446173">
+            <a:off x="6587003" y="4216775"/>
+            <a:ext cx="747320" cy="369332"/>
+          </a:xfrm>
+          <a:prstGeom prst="rect">
+            <a:avLst/>
+          </a:prstGeom>
+          <a:noFill/>
+        </p:spPr>
+        <p:txBody>
+          <a:bodyPr wrap="none" rtlCol="0">
+            <a:spAutoFit/>
+          </a:bodyPr>
+          <a:lstStyle/>
+          <a:p>
+            <a:r>
+              <a:rPr lang="en-US" dirty="0">
+                <a:solidFill>
+                  <a:srgbClr val="FF0000"/>
+                </a:solidFill>
+              </a:rPr>
+              <a:t>3</a:t>
+            </a:r>
+            <a:r>
+              <a:rPr lang="en-US" dirty="0"/>
+              <a:t>  </a:t>
+            </a:r>
+            <a:r>
+              <a:rPr lang="en-US" dirty="0">
+                <a:solidFill>
+                  <a:srgbClr val="00B0F0"/>
+                </a:solidFill>
+              </a:rPr>
+              <a:t>1</a:t>
+            </a:r>
+            <a:r>
+              <a:rPr lang="en-US" dirty="0"/>
+              <a:t>  </a:t>
+            </a:r>
+            <a:r>
+              <a:rPr lang="en-US" dirty="0">
+                <a:solidFill>
+                  <a:srgbClr val="92D050"/>
+                </a:solidFill>
+              </a:rPr>
+              <a:t>2</a:t>
+            </a:r>
+          </a:p>
+        </p:txBody>
+      </p:sp>
+      <p:sp>
+        <p:nvSpPr>
+          <p:cNvPr id="27" name="TextBox 26">
+            <a:extLst>
+              <a:ext uri="{FF2B5EF4-FFF2-40B4-BE49-F238E27FC236}">
+                <a16:creationId xmlns:a16="http://schemas.microsoft.com/office/drawing/2014/main" id="{3F9E48D4-D7A6-447B-9F16-8313218EBC77}"/>
+              </a:ext>
+            </a:extLst>
+          </p:cNvPr>
+          <p:cNvSpPr txBox="1"/>
+          <p:nvPr/>
+        </p:nvSpPr>
+        <p:spPr>
+          <a:xfrm rot="20446173">
+            <a:off x="7304073" y="3987488"/>
+            <a:ext cx="715260" cy="353943"/>
+          </a:xfrm>
+          <a:prstGeom prst="rect">
+            <a:avLst/>
+          </a:prstGeom>
+          <a:noFill/>
+        </p:spPr>
+        <p:txBody>
+          <a:bodyPr wrap="none" rtlCol="0">
+            <a:spAutoFit/>
+          </a:bodyPr>
+          <a:lstStyle/>
+          <a:p>
+            <a:r>
+              <a:rPr lang="en-US" sz="1700" dirty="0">
+                <a:solidFill>
+                  <a:srgbClr val="FF0000"/>
+                </a:solidFill>
+              </a:rPr>
+              <a:t>4</a:t>
+            </a:r>
+            <a:r>
+              <a:rPr lang="en-US" sz="1700" dirty="0"/>
+              <a:t>  </a:t>
+            </a:r>
+            <a:r>
+              <a:rPr lang="en-US" sz="1700" dirty="0">
+                <a:solidFill>
+                  <a:srgbClr val="00B0F0"/>
+                </a:solidFill>
+              </a:rPr>
+              <a:t>1</a:t>
+            </a:r>
+            <a:r>
+              <a:rPr lang="en-US" sz="1700" dirty="0"/>
+              <a:t>  </a:t>
+            </a:r>
+            <a:r>
+              <a:rPr lang="en-US" sz="1700" dirty="0">
+                <a:solidFill>
+                  <a:srgbClr val="92D050"/>
+                </a:solidFill>
+              </a:rPr>
+              <a:t>2</a:t>
+            </a:r>
+          </a:p>
+        </p:txBody>
+      </p:sp>
+      <p:sp>
+        <p:nvSpPr>
+          <p:cNvPr id="28" name="TextBox 27">
+            <a:extLst>
+              <a:ext uri="{FF2B5EF4-FFF2-40B4-BE49-F238E27FC236}">
+                <a16:creationId xmlns:a16="http://schemas.microsoft.com/office/drawing/2014/main" id="{32191314-B6FD-4E99-9E84-084B09097DE5}"/>
+              </a:ext>
+            </a:extLst>
+          </p:cNvPr>
+          <p:cNvSpPr txBox="1"/>
+          <p:nvPr/>
+        </p:nvSpPr>
+        <p:spPr>
+          <a:xfrm rot="20446173">
+            <a:off x="8001015" y="3819160"/>
+            <a:ext cx="683200" cy="338554"/>
+          </a:xfrm>
+          <a:prstGeom prst="rect">
+            <a:avLst/>
+          </a:prstGeom>
+          <a:noFill/>
+        </p:spPr>
+        <p:txBody>
+          <a:bodyPr wrap="none" rtlCol="0">
+            <a:spAutoFit/>
+          </a:bodyPr>
+          <a:lstStyle/>
+          <a:p>
+            <a:r>
+              <a:rPr lang="en-US" sz="1600" dirty="0">
+                <a:solidFill>
+                  <a:srgbClr val="FF0000"/>
+                </a:solidFill>
+              </a:rPr>
+              <a:t>5</a:t>
+            </a:r>
+            <a:r>
+              <a:rPr lang="en-US" sz="1600" dirty="0"/>
+              <a:t>  </a:t>
+            </a:r>
+            <a:r>
+              <a:rPr lang="en-US" sz="1600" dirty="0">
+                <a:solidFill>
+                  <a:srgbClr val="00B0F0"/>
+                </a:solidFill>
+              </a:rPr>
+              <a:t>1</a:t>
+            </a:r>
+            <a:r>
+              <a:rPr lang="en-US" sz="1600" dirty="0"/>
+              <a:t>  </a:t>
+            </a:r>
+            <a:r>
+              <a:rPr lang="en-US" sz="1600" dirty="0">
+                <a:solidFill>
+                  <a:srgbClr val="92D050"/>
+                </a:solidFill>
+              </a:rPr>
+              <a:t>2</a:t>
+            </a:r>
+          </a:p>
+        </p:txBody>
+      </p:sp>
+      <p:sp>
+        <p:nvSpPr>
+          <p:cNvPr id="29" name="TextBox 28">
+            <a:extLst>
+              <a:ext uri="{FF2B5EF4-FFF2-40B4-BE49-F238E27FC236}">
+                <a16:creationId xmlns:a16="http://schemas.microsoft.com/office/drawing/2014/main" id="{B3D8AF08-C7B1-4D08-BCDB-57F50B077855}"/>
+              </a:ext>
+            </a:extLst>
+          </p:cNvPr>
+          <p:cNvSpPr txBox="1"/>
+          <p:nvPr/>
+        </p:nvSpPr>
+        <p:spPr>
+          <a:xfrm rot="20446173">
+            <a:off x="8607859" y="3615501"/>
+            <a:ext cx="619080" cy="307777"/>
+          </a:xfrm>
+          <a:prstGeom prst="rect">
+            <a:avLst/>
+          </a:prstGeom>
+          <a:noFill/>
+        </p:spPr>
+        <p:txBody>
+          <a:bodyPr wrap="none" rtlCol="0">
+            <a:spAutoFit/>
+          </a:bodyPr>
+          <a:lstStyle/>
+          <a:p>
+            <a:r>
+              <a:rPr lang="en-US" sz="1400" dirty="0">
+                <a:solidFill>
+                  <a:srgbClr val="FF0000"/>
+                </a:solidFill>
+              </a:rPr>
+              <a:t>6</a:t>
+            </a:r>
+            <a:r>
+              <a:rPr lang="en-US" sz="1400" dirty="0"/>
+              <a:t>  </a:t>
+            </a:r>
+            <a:r>
+              <a:rPr lang="en-US" sz="1400" dirty="0">
+                <a:solidFill>
+                  <a:srgbClr val="00B0F0"/>
+                </a:solidFill>
+              </a:rPr>
+              <a:t>1</a:t>
+            </a:r>
+            <a:r>
+              <a:rPr lang="en-US" sz="1400" dirty="0"/>
+              <a:t>  </a:t>
+            </a:r>
+            <a:r>
+              <a:rPr lang="en-US" sz="1400" dirty="0">
+                <a:solidFill>
+                  <a:srgbClr val="92D050"/>
+                </a:solidFill>
+              </a:rPr>
+              <a:t>2</a:t>
+            </a:r>
+          </a:p>
+        </p:txBody>
+      </p:sp>
+      <p:sp>
+        <p:nvSpPr>
+          <p:cNvPr id="30" name="TextBox 29">
+            <a:extLst>
+              <a:ext uri="{FF2B5EF4-FFF2-40B4-BE49-F238E27FC236}">
+                <a16:creationId xmlns:a16="http://schemas.microsoft.com/office/drawing/2014/main" id="{505FB13A-C3A1-4A7C-97DC-DB783D896C6A}"/>
+              </a:ext>
+            </a:extLst>
+          </p:cNvPr>
+          <p:cNvSpPr txBox="1"/>
+          <p:nvPr/>
+        </p:nvSpPr>
+        <p:spPr>
+          <a:xfrm rot="20446173">
+            <a:off x="4955445" y="4311981"/>
+            <a:ext cx="747320" cy="369332"/>
+          </a:xfrm>
+          <a:prstGeom prst="rect">
+            <a:avLst/>
+          </a:prstGeom>
+          <a:noFill/>
+        </p:spPr>
+        <p:txBody>
+          <a:bodyPr wrap="none" rtlCol="0">
+            <a:spAutoFit/>
+          </a:bodyPr>
+          <a:lstStyle/>
+          <a:p>
+            <a:r>
+              <a:rPr lang="en-US" dirty="0">
+                <a:solidFill>
+                  <a:srgbClr val="FF0000"/>
+                </a:solidFill>
+              </a:rPr>
+              <a:t>1</a:t>
+            </a:r>
+            <a:r>
+              <a:rPr lang="en-US" dirty="0"/>
+              <a:t>  </a:t>
+            </a:r>
+            <a:r>
+              <a:rPr lang="en-US" dirty="0">
+                <a:solidFill>
+                  <a:srgbClr val="00B0F0"/>
+                </a:solidFill>
+              </a:rPr>
+              <a:t>1</a:t>
+            </a:r>
+            <a:r>
+              <a:rPr lang="en-US" dirty="0"/>
+              <a:t>  </a:t>
+            </a:r>
+            <a:r>
+              <a:rPr lang="en-US" dirty="0">
+                <a:solidFill>
+                  <a:srgbClr val="92D050"/>
+                </a:solidFill>
+              </a:rPr>
+              <a:t>3</a:t>
+            </a:r>
+          </a:p>
+        </p:txBody>
+      </p:sp>
+      <p:sp>
+        <p:nvSpPr>
+          <p:cNvPr id="31" name="TextBox 30">
+            <a:extLst>
+              <a:ext uri="{FF2B5EF4-FFF2-40B4-BE49-F238E27FC236}">
+                <a16:creationId xmlns:a16="http://schemas.microsoft.com/office/drawing/2014/main" id="{E167AF6D-1827-4C3B-80E5-97D1ACC9FB7A}"/>
+              </a:ext>
+            </a:extLst>
+          </p:cNvPr>
+          <p:cNvSpPr txBox="1"/>
+          <p:nvPr/>
+        </p:nvSpPr>
+        <p:spPr>
+          <a:xfrm rot="20446173">
+            <a:off x="5810314" y="4014548"/>
+            <a:ext cx="747320" cy="369332"/>
+          </a:xfrm>
+          <a:prstGeom prst="rect">
+            <a:avLst/>
+          </a:prstGeom>
+          <a:noFill/>
+        </p:spPr>
+        <p:txBody>
+          <a:bodyPr wrap="none" rtlCol="0">
+            <a:spAutoFit/>
+          </a:bodyPr>
+          <a:lstStyle/>
+          <a:p>
+            <a:r>
+              <a:rPr lang="en-US" dirty="0">
+                <a:solidFill>
+                  <a:srgbClr val="FF0000"/>
+                </a:solidFill>
+              </a:rPr>
+              <a:t>2</a:t>
+            </a:r>
+            <a:r>
+              <a:rPr lang="en-US" dirty="0"/>
+              <a:t>  </a:t>
+            </a:r>
+            <a:r>
+              <a:rPr lang="en-US" dirty="0">
+                <a:solidFill>
+                  <a:srgbClr val="00B0F0"/>
+                </a:solidFill>
+              </a:rPr>
+              <a:t>1</a:t>
+            </a:r>
+            <a:r>
+              <a:rPr lang="en-US" dirty="0"/>
+              <a:t>  </a:t>
+            </a:r>
+            <a:r>
+              <a:rPr lang="en-US" dirty="0">
+                <a:solidFill>
+                  <a:srgbClr val="92D050"/>
+                </a:solidFill>
+              </a:rPr>
+              <a:t>3</a:t>
+            </a:r>
+          </a:p>
+        </p:txBody>
+      </p:sp>
+      <p:sp>
+        <p:nvSpPr>
+          <p:cNvPr id="33" name="TextBox 32">
+            <a:extLst>
+              <a:ext uri="{FF2B5EF4-FFF2-40B4-BE49-F238E27FC236}">
+                <a16:creationId xmlns:a16="http://schemas.microsoft.com/office/drawing/2014/main" id="{C98CCA99-E022-4B15-A6E2-655F8258C5B9}"/>
+              </a:ext>
+            </a:extLst>
+          </p:cNvPr>
+          <p:cNvSpPr txBox="1"/>
+          <p:nvPr/>
+        </p:nvSpPr>
+        <p:spPr>
+          <a:xfrm rot="20446173">
+            <a:off x="6599481" y="3762833"/>
+            <a:ext cx="747320" cy="369332"/>
+          </a:xfrm>
+          <a:prstGeom prst="rect">
+            <a:avLst/>
+          </a:prstGeom>
+          <a:noFill/>
+        </p:spPr>
+        <p:txBody>
+          <a:bodyPr wrap="none" rtlCol="0">
+            <a:spAutoFit/>
+          </a:bodyPr>
+          <a:lstStyle/>
+          <a:p>
+            <a:r>
+              <a:rPr lang="en-US" dirty="0">
+                <a:solidFill>
+                  <a:srgbClr val="FF0000"/>
+                </a:solidFill>
+              </a:rPr>
+              <a:t>3</a:t>
+            </a:r>
+            <a:r>
+              <a:rPr lang="en-US" dirty="0"/>
+              <a:t>  </a:t>
+            </a:r>
+            <a:r>
+              <a:rPr lang="en-US" dirty="0">
+                <a:solidFill>
+                  <a:srgbClr val="00B0F0"/>
+                </a:solidFill>
+              </a:rPr>
+              <a:t>1</a:t>
+            </a:r>
+            <a:r>
+              <a:rPr lang="en-US" dirty="0"/>
+              <a:t>  </a:t>
+            </a:r>
+            <a:r>
+              <a:rPr lang="en-US" dirty="0">
+                <a:solidFill>
+                  <a:srgbClr val="92D050"/>
+                </a:solidFill>
+              </a:rPr>
+              <a:t>3</a:t>
+            </a:r>
+          </a:p>
+        </p:txBody>
+      </p:sp>
+      <p:sp>
+        <p:nvSpPr>
+          <p:cNvPr id="37" name="TextBox 36">
+            <a:extLst>
+              <a:ext uri="{FF2B5EF4-FFF2-40B4-BE49-F238E27FC236}">
+                <a16:creationId xmlns:a16="http://schemas.microsoft.com/office/drawing/2014/main" id="{6EDBDCAA-C7C4-47D4-9603-5F48105D1231}"/>
+              </a:ext>
+            </a:extLst>
+          </p:cNvPr>
+          <p:cNvSpPr txBox="1"/>
+          <p:nvPr/>
+        </p:nvSpPr>
+        <p:spPr>
+          <a:xfrm rot="20446173">
+            <a:off x="7316551" y="3548786"/>
+            <a:ext cx="715260" cy="353943"/>
+          </a:xfrm>
+          <a:prstGeom prst="rect">
+            <a:avLst/>
+          </a:prstGeom>
+          <a:noFill/>
+        </p:spPr>
+        <p:txBody>
+          <a:bodyPr wrap="none" rtlCol="0">
+            <a:spAutoFit/>
+          </a:bodyPr>
+          <a:lstStyle/>
+          <a:p>
+            <a:r>
+              <a:rPr lang="en-US" sz="1700" dirty="0">
+                <a:solidFill>
+                  <a:srgbClr val="FF0000"/>
+                </a:solidFill>
+              </a:rPr>
+              <a:t>4</a:t>
+            </a:r>
+            <a:r>
+              <a:rPr lang="en-US" sz="1700" dirty="0"/>
+              <a:t>  </a:t>
+            </a:r>
+            <a:r>
+              <a:rPr lang="en-US" sz="1700" dirty="0">
+                <a:solidFill>
+                  <a:srgbClr val="00B0F0"/>
+                </a:solidFill>
+              </a:rPr>
+              <a:t>1</a:t>
+            </a:r>
+            <a:r>
+              <a:rPr lang="en-US" sz="1700" dirty="0"/>
+              <a:t>  </a:t>
+            </a:r>
+            <a:r>
+              <a:rPr lang="en-US" sz="1700" dirty="0">
+                <a:solidFill>
+                  <a:srgbClr val="92D050"/>
+                </a:solidFill>
+              </a:rPr>
+              <a:t>3</a:t>
+            </a:r>
+          </a:p>
+        </p:txBody>
+      </p:sp>
+      <p:sp>
+        <p:nvSpPr>
+          <p:cNvPr id="39" name="TextBox 38">
+            <a:extLst>
+              <a:ext uri="{FF2B5EF4-FFF2-40B4-BE49-F238E27FC236}">
+                <a16:creationId xmlns:a16="http://schemas.microsoft.com/office/drawing/2014/main" id="{A8B90CDA-3C9C-4711-8465-3246AC947D18}"/>
+              </a:ext>
+            </a:extLst>
+          </p:cNvPr>
+          <p:cNvSpPr txBox="1"/>
+          <p:nvPr/>
+        </p:nvSpPr>
+        <p:spPr>
+          <a:xfrm rot="20446173">
+            <a:off x="8013493" y="3380458"/>
+            <a:ext cx="683200" cy="338554"/>
+          </a:xfrm>
+          <a:prstGeom prst="rect">
+            <a:avLst/>
+          </a:prstGeom>
+          <a:noFill/>
+        </p:spPr>
+        <p:txBody>
+          <a:bodyPr wrap="none" rtlCol="0">
+            <a:spAutoFit/>
+          </a:bodyPr>
+          <a:lstStyle/>
+          <a:p>
+            <a:r>
+              <a:rPr lang="en-US" sz="1600" dirty="0">
+                <a:solidFill>
+                  <a:srgbClr val="FF0000"/>
+                </a:solidFill>
+              </a:rPr>
+              <a:t>5</a:t>
+            </a:r>
+            <a:r>
+              <a:rPr lang="en-US" sz="1600" dirty="0"/>
+              <a:t>  </a:t>
+            </a:r>
+            <a:r>
+              <a:rPr lang="en-US" sz="1600" dirty="0">
+                <a:solidFill>
+                  <a:srgbClr val="00B0F0"/>
+                </a:solidFill>
+              </a:rPr>
+              <a:t>1</a:t>
+            </a:r>
+            <a:r>
+              <a:rPr lang="en-US" sz="1600" dirty="0"/>
+              <a:t>  </a:t>
+            </a:r>
+            <a:r>
+              <a:rPr lang="en-US" sz="1600" dirty="0">
+                <a:solidFill>
+                  <a:srgbClr val="92D050"/>
+                </a:solidFill>
+              </a:rPr>
+              <a:t>3</a:t>
+            </a:r>
+          </a:p>
+        </p:txBody>
+      </p:sp>
+      <p:sp>
+        <p:nvSpPr>
+          <p:cNvPr id="40" name="TextBox 39">
+            <a:extLst>
+              <a:ext uri="{FF2B5EF4-FFF2-40B4-BE49-F238E27FC236}">
+                <a16:creationId xmlns:a16="http://schemas.microsoft.com/office/drawing/2014/main" id="{968F2216-B27C-4327-AE97-3E87790BA30A}"/>
+              </a:ext>
+            </a:extLst>
+          </p:cNvPr>
+          <p:cNvSpPr txBox="1"/>
+          <p:nvPr/>
+        </p:nvSpPr>
+        <p:spPr>
+          <a:xfrm rot="20446173">
+            <a:off x="8658437" y="3214899"/>
+            <a:ext cx="619080" cy="307777"/>
+          </a:xfrm>
+          <a:prstGeom prst="rect">
+            <a:avLst/>
+          </a:prstGeom>
+          <a:noFill/>
+        </p:spPr>
+        <p:txBody>
+          <a:bodyPr wrap="none" rtlCol="0">
+            <a:spAutoFit/>
+          </a:bodyPr>
+          <a:lstStyle/>
+          <a:p>
+            <a:r>
+              <a:rPr lang="en-US" sz="1400" dirty="0">
+                <a:solidFill>
+                  <a:srgbClr val="FF0000"/>
+                </a:solidFill>
+              </a:rPr>
+              <a:t>6</a:t>
+            </a:r>
+            <a:r>
+              <a:rPr lang="en-US" sz="1400" dirty="0"/>
+              <a:t>  </a:t>
+            </a:r>
+            <a:r>
+              <a:rPr lang="en-US" sz="1400" dirty="0">
+                <a:solidFill>
+                  <a:srgbClr val="00B0F0"/>
+                </a:solidFill>
+              </a:rPr>
+              <a:t>1</a:t>
+            </a:r>
+            <a:r>
+              <a:rPr lang="en-US" sz="1400" dirty="0"/>
+              <a:t>  </a:t>
+            </a:r>
+            <a:r>
+              <a:rPr lang="en-US" sz="1400" dirty="0">
+                <a:solidFill>
+                  <a:srgbClr val="92D050"/>
+                </a:solidFill>
+              </a:rPr>
+              <a:t>3</a:t>
+            </a:r>
+          </a:p>
+        </p:txBody>
+      </p:sp>
+      <p:sp>
+        <p:nvSpPr>
+          <p:cNvPr id="41" name="TextBox 40">
+            <a:extLst>
+              <a:ext uri="{FF2B5EF4-FFF2-40B4-BE49-F238E27FC236}">
+                <a16:creationId xmlns:a16="http://schemas.microsoft.com/office/drawing/2014/main" id="{76459533-183C-4F40-A77C-BBDAD6224A76}"/>
+              </a:ext>
+            </a:extLst>
+          </p:cNvPr>
+          <p:cNvSpPr txBox="1"/>
+          <p:nvPr/>
+        </p:nvSpPr>
+        <p:spPr>
+          <a:xfrm rot="20757544">
+            <a:off x="4585104" y="2895776"/>
+            <a:ext cx="747320" cy="369332"/>
+          </a:xfrm>
+          <a:prstGeom prst="rect">
+            <a:avLst/>
+          </a:prstGeom>
+          <a:noFill/>
+        </p:spPr>
+        <p:txBody>
+          <a:bodyPr wrap="none" rtlCol="0">
+            <a:spAutoFit/>
+          </a:bodyPr>
+          <a:lstStyle/>
+          <a:p>
+            <a:r>
+              <a:rPr lang="en-US" dirty="0">
+                <a:solidFill>
+                  <a:srgbClr val="FF0000"/>
+                </a:solidFill>
+              </a:rPr>
+              <a:t>1</a:t>
+            </a:r>
+            <a:r>
+              <a:rPr lang="en-US" dirty="0"/>
+              <a:t>  </a:t>
+            </a:r>
+            <a:r>
+              <a:rPr lang="en-US" dirty="0">
+                <a:solidFill>
+                  <a:srgbClr val="00B0F0"/>
+                </a:solidFill>
+              </a:rPr>
+              <a:t>1</a:t>
+            </a:r>
+            <a:r>
+              <a:rPr lang="en-US" dirty="0"/>
+              <a:t>  </a:t>
+            </a:r>
+            <a:r>
+              <a:rPr lang="en-US" dirty="0">
+                <a:solidFill>
+                  <a:srgbClr val="92D050"/>
+                </a:solidFill>
+              </a:rPr>
+              <a:t>5</a:t>
+            </a:r>
+          </a:p>
+        </p:txBody>
+      </p:sp>
+      <p:sp>
+        <p:nvSpPr>
+          <p:cNvPr id="42" name="TextBox 41">
+            <a:extLst>
+              <a:ext uri="{FF2B5EF4-FFF2-40B4-BE49-F238E27FC236}">
+                <a16:creationId xmlns:a16="http://schemas.microsoft.com/office/drawing/2014/main" id="{C6B5B491-1FA9-4D3A-B15F-900CF1FF5115}"/>
+              </a:ext>
+            </a:extLst>
+          </p:cNvPr>
+          <p:cNvSpPr txBox="1"/>
+          <p:nvPr/>
+        </p:nvSpPr>
+        <p:spPr>
+          <a:xfrm rot="20803125">
+            <a:off x="5532215" y="2692498"/>
+            <a:ext cx="747320" cy="369332"/>
+          </a:xfrm>
+          <a:prstGeom prst="rect">
+            <a:avLst/>
+          </a:prstGeom>
+          <a:noFill/>
+        </p:spPr>
+        <p:txBody>
+          <a:bodyPr wrap="none" rtlCol="0">
+            <a:spAutoFit/>
+          </a:bodyPr>
+          <a:lstStyle/>
+          <a:p>
+            <a:r>
+              <a:rPr lang="en-US" dirty="0">
+                <a:solidFill>
+                  <a:srgbClr val="FF0000"/>
+                </a:solidFill>
+              </a:rPr>
+              <a:t>2</a:t>
+            </a:r>
+            <a:r>
+              <a:rPr lang="en-US" dirty="0"/>
+              <a:t>  </a:t>
+            </a:r>
+            <a:r>
+              <a:rPr lang="en-US" dirty="0">
+                <a:solidFill>
+                  <a:srgbClr val="00B0F0"/>
+                </a:solidFill>
+              </a:rPr>
+              <a:t>1</a:t>
+            </a:r>
+            <a:r>
+              <a:rPr lang="en-US" dirty="0"/>
+              <a:t>  </a:t>
+            </a:r>
+            <a:r>
+              <a:rPr lang="en-US" dirty="0">
+                <a:solidFill>
+                  <a:srgbClr val="92D050"/>
+                </a:solidFill>
+              </a:rPr>
+              <a:t>5</a:t>
+            </a:r>
+          </a:p>
+        </p:txBody>
+      </p:sp>
+      <p:sp>
+        <p:nvSpPr>
+          <p:cNvPr id="43" name="TextBox 42">
+            <a:extLst>
+              <a:ext uri="{FF2B5EF4-FFF2-40B4-BE49-F238E27FC236}">
+                <a16:creationId xmlns:a16="http://schemas.microsoft.com/office/drawing/2014/main" id="{FB0B5522-6CA0-419D-8A25-D8CA49EDB55A}"/>
+              </a:ext>
+            </a:extLst>
+          </p:cNvPr>
+          <p:cNvSpPr txBox="1"/>
+          <p:nvPr/>
+        </p:nvSpPr>
+        <p:spPr>
+          <a:xfrm rot="20446173">
+            <a:off x="6421729" y="2560383"/>
+            <a:ext cx="619080" cy="307777"/>
+          </a:xfrm>
+          <a:prstGeom prst="rect">
+            <a:avLst/>
+          </a:prstGeom>
+          <a:noFill/>
+        </p:spPr>
+        <p:txBody>
+          <a:bodyPr wrap="none" rtlCol="0">
+            <a:spAutoFit/>
+          </a:bodyPr>
+          <a:lstStyle/>
+          <a:p>
+            <a:r>
+              <a:rPr lang="en-US" sz="1400" dirty="0">
+                <a:solidFill>
+                  <a:srgbClr val="FF0000"/>
+                </a:solidFill>
+              </a:rPr>
+              <a:t>3</a:t>
+            </a:r>
+            <a:r>
+              <a:rPr lang="en-US" sz="1400" dirty="0"/>
+              <a:t>  </a:t>
+            </a:r>
+            <a:r>
+              <a:rPr lang="en-US" sz="1400" dirty="0">
+                <a:solidFill>
+                  <a:srgbClr val="00B0F0"/>
+                </a:solidFill>
+              </a:rPr>
+              <a:t>1</a:t>
+            </a:r>
+            <a:r>
+              <a:rPr lang="en-US" sz="1400" dirty="0"/>
+              <a:t>  </a:t>
+            </a:r>
+            <a:r>
+              <a:rPr lang="en-US" sz="1400" dirty="0">
+                <a:solidFill>
+                  <a:srgbClr val="92D050"/>
+                </a:solidFill>
+              </a:rPr>
+              <a:t>5</a:t>
+            </a:r>
+          </a:p>
+        </p:txBody>
+      </p:sp>
+      <p:sp>
+        <p:nvSpPr>
+          <p:cNvPr id="44" name="TextBox 43">
+            <a:extLst>
+              <a:ext uri="{FF2B5EF4-FFF2-40B4-BE49-F238E27FC236}">
+                <a16:creationId xmlns:a16="http://schemas.microsoft.com/office/drawing/2014/main" id="{82ECA919-97CB-46E9-80FA-6D5400444AF9}"/>
+              </a:ext>
+            </a:extLst>
+          </p:cNvPr>
+          <p:cNvSpPr txBox="1"/>
+          <p:nvPr/>
+        </p:nvSpPr>
+        <p:spPr>
+          <a:xfrm rot="20446173">
+            <a:off x="7151553" y="2400703"/>
+            <a:ext cx="619080" cy="307777"/>
+          </a:xfrm>
+          <a:prstGeom prst="rect">
+            <a:avLst/>
+          </a:prstGeom>
+          <a:noFill/>
+        </p:spPr>
+        <p:txBody>
+          <a:bodyPr wrap="none" rtlCol="0">
+            <a:spAutoFit/>
+          </a:bodyPr>
+          <a:lstStyle/>
+          <a:p>
+            <a:r>
+              <a:rPr lang="en-US" sz="1400" dirty="0">
+                <a:solidFill>
+                  <a:srgbClr val="FF0000"/>
+                </a:solidFill>
+              </a:rPr>
+              <a:t>4</a:t>
+            </a:r>
+            <a:r>
+              <a:rPr lang="en-US" sz="1400" dirty="0"/>
+              <a:t>  </a:t>
+            </a:r>
+            <a:r>
+              <a:rPr lang="en-US" sz="1400" dirty="0">
+                <a:solidFill>
+                  <a:srgbClr val="00B0F0"/>
+                </a:solidFill>
+              </a:rPr>
+              <a:t>1</a:t>
+            </a:r>
+            <a:r>
+              <a:rPr lang="en-US" sz="1400" dirty="0"/>
+              <a:t>  </a:t>
+            </a:r>
+            <a:r>
+              <a:rPr lang="en-US" sz="1400" dirty="0">
+                <a:solidFill>
+                  <a:srgbClr val="92D050"/>
+                </a:solidFill>
+              </a:rPr>
+              <a:t>5</a:t>
+            </a:r>
+          </a:p>
+        </p:txBody>
+      </p:sp>
+      <p:sp>
+        <p:nvSpPr>
+          <p:cNvPr id="45" name="TextBox 44">
+            <a:extLst>
+              <a:ext uri="{FF2B5EF4-FFF2-40B4-BE49-F238E27FC236}">
+                <a16:creationId xmlns:a16="http://schemas.microsoft.com/office/drawing/2014/main" id="{1DFB6502-82A3-47ED-9F39-5F101A7DFC8C}"/>
+              </a:ext>
+            </a:extLst>
+          </p:cNvPr>
+          <p:cNvSpPr txBox="1"/>
+          <p:nvPr/>
+        </p:nvSpPr>
+        <p:spPr>
+          <a:xfrm rot="20446173">
+            <a:off x="7887081" y="2274692"/>
+            <a:ext cx="561372" cy="276999"/>
+          </a:xfrm>
+          <a:prstGeom prst="rect">
+            <a:avLst/>
+          </a:prstGeom>
+          <a:noFill/>
+        </p:spPr>
+        <p:txBody>
+          <a:bodyPr wrap="none" rtlCol="0">
+            <a:spAutoFit/>
+          </a:bodyPr>
+          <a:lstStyle/>
+          <a:p>
+            <a:r>
+              <a:rPr lang="en-US" sz="1200" dirty="0">
+                <a:solidFill>
+                  <a:srgbClr val="FF0000"/>
+                </a:solidFill>
+              </a:rPr>
+              <a:t>5</a:t>
+            </a:r>
+            <a:r>
+              <a:rPr lang="en-US" sz="1200" dirty="0"/>
+              <a:t>  </a:t>
+            </a:r>
+            <a:r>
+              <a:rPr lang="en-US" sz="1200" dirty="0">
+                <a:solidFill>
+                  <a:srgbClr val="00B0F0"/>
+                </a:solidFill>
+              </a:rPr>
+              <a:t>1</a:t>
+            </a:r>
+            <a:r>
+              <a:rPr lang="en-US" sz="1200" dirty="0"/>
+              <a:t>  </a:t>
+            </a:r>
+            <a:r>
+              <a:rPr lang="en-US" sz="1200" dirty="0">
+                <a:solidFill>
+                  <a:srgbClr val="92D050"/>
+                </a:solidFill>
+              </a:rPr>
+              <a:t>5</a:t>
+            </a:r>
+          </a:p>
+        </p:txBody>
+      </p:sp>
+      <p:sp>
+        <p:nvSpPr>
+          <p:cNvPr id="46" name="TextBox 45">
+            <a:extLst>
+              <a:ext uri="{FF2B5EF4-FFF2-40B4-BE49-F238E27FC236}">
+                <a16:creationId xmlns:a16="http://schemas.microsoft.com/office/drawing/2014/main" id="{EF20157C-149E-4ED9-B5EE-32C11F1CA351}"/>
+              </a:ext>
+            </a:extLst>
+          </p:cNvPr>
+          <p:cNvSpPr txBox="1"/>
+          <p:nvPr/>
+        </p:nvSpPr>
+        <p:spPr>
+          <a:xfrm rot="20446173">
+            <a:off x="8540677" y="2112929"/>
+            <a:ext cx="561372" cy="276999"/>
+          </a:xfrm>
+          <a:prstGeom prst="rect">
+            <a:avLst/>
+          </a:prstGeom>
+          <a:noFill/>
+        </p:spPr>
+        <p:txBody>
+          <a:bodyPr wrap="none" rtlCol="0">
+            <a:spAutoFit/>
+          </a:bodyPr>
+          <a:lstStyle/>
+          <a:p>
+            <a:r>
+              <a:rPr lang="en-US" sz="1200" dirty="0">
+                <a:solidFill>
+                  <a:srgbClr val="FF0000"/>
+                </a:solidFill>
+              </a:rPr>
+              <a:t>6</a:t>
+            </a:r>
+            <a:r>
+              <a:rPr lang="en-US" sz="1200" dirty="0"/>
+              <a:t>  </a:t>
+            </a:r>
+            <a:r>
+              <a:rPr lang="en-US" sz="1200" dirty="0">
+                <a:solidFill>
+                  <a:srgbClr val="00B0F0"/>
+                </a:solidFill>
+              </a:rPr>
+              <a:t>1</a:t>
+            </a:r>
+            <a:r>
+              <a:rPr lang="en-US" sz="1200" dirty="0"/>
+              <a:t>  </a:t>
+            </a:r>
+            <a:r>
+              <a:rPr lang="en-US" sz="1200" dirty="0">
+                <a:solidFill>
+                  <a:srgbClr val="92D050"/>
+                </a:solidFill>
+              </a:rPr>
+              <a:t>5</a:t>
+            </a:r>
+          </a:p>
+        </p:txBody>
+      </p:sp>
+      <p:sp>
+        <p:nvSpPr>
+          <p:cNvPr id="47" name="TextBox 46">
+            <a:extLst>
+              <a:ext uri="{FF2B5EF4-FFF2-40B4-BE49-F238E27FC236}">
+                <a16:creationId xmlns:a16="http://schemas.microsoft.com/office/drawing/2014/main" id="{01E78D6A-CC60-451F-B188-D7921D48AD7A}"/>
+              </a:ext>
+            </a:extLst>
+          </p:cNvPr>
+          <p:cNvSpPr txBox="1"/>
+          <p:nvPr/>
+        </p:nvSpPr>
+        <p:spPr>
+          <a:xfrm rot="2485844">
+            <a:off x="4313863" y="5266345"/>
+            <a:ext cx="619080" cy="307777"/>
+          </a:xfrm>
+          <a:prstGeom prst="rect">
+            <a:avLst/>
+          </a:prstGeom>
+          <a:noFill/>
+        </p:spPr>
+        <p:txBody>
+          <a:bodyPr wrap="none" rtlCol="0">
+            <a:spAutoFit/>
+          </a:bodyPr>
+          <a:lstStyle/>
+          <a:p>
+            <a:r>
+              <a:rPr lang="en-US" sz="1400" dirty="0">
+                <a:solidFill>
+                  <a:srgbClr val="FF0000"/>
+                </a:solidFill>
+              </a:rPr>
+              <a:t>1</a:t>
+            </a:r>
+            <a:r>
+              <a:rPr lang="en-US" sz="1400" dirty="0"/>
+              <a:t>  </a:t>
+            </a:r>
+            <a:r>
+              <a:rPr lang="en-US" sz="1400" dirty="0">
+                <a:solidFill>
+                  <a:srgbClr val="00B0F0"/>
+                </a:solidFill>
+              </a:rPr>
+              <a:t>1</a:t>
+            </a:r>
+            <a:r>
+              <a:rPr lang="en-US" sz="1400" dirty="0"/>
+              <a:t>  </a:t>
+            </a:r>
+            <a:r>
+              <a:rPr lang="en-US" sz="1400" dirty="0">
+                <a:solidFill>
+                  <a:srgbClr val="92D050"/>
+                </a:solidFill>
+              </a:rPr>
+              <a:t>1</a:t>
+            </a:r>
+          </a:p>
+        </p:txBody>
+      </p:sp>
+      <p:sp>
+        <p:nvSpPr>
+          <p:cNvPr id="48" name="TextBox 47">
+            <a:extLst>
+              <a:ext uri="{FF2B5EF4-FFF2-40B4-BE49-F238E27FC236}">
+                <a16:creationId xmlns:a16="http://schemas.microsoft.com/office/drawing/2014/main" id="{91963EEE-4D28-4CE7-8C91-178E1B56641E}"/>
+              </a:ext>
+            </a:extLst>
+          </p:cNvPr>
+          <p:cNvSpPr txBox="1"/>
+          <p:nvPr/>
+        </p:nvSpPr>
+        <p:spPr>
+          <a:xfrm rot="2485844">
+            <a:off x="3939200" y="4895973"/>
+            <a:ext cx="561372" cy="276999"/>
+          </a:xfrm>
+          <a:prstGeom prst="rect">
+            <a:avLst/>
+          </a:prstGeom>
+          <a:noFill/>
+        </p:spPr>
+        <p:txBody>
+          <a:bodyPr wrap="none" rtlCol="0">
+            <a:spAutoFit/>
+          </a:bodyPr>
+          <a:lstStyle/>
+          <a:p>
+            <a:r>
+              <a:rPr lang="en-US" sz="1200" dirty="0">
+                <a:solidFill>
+                  <a:srgbClr val="FF0000"/>
+                </a:solidFill>
+              </a:rPr>
+              <a:t>1</a:t>
+            </a:r>
+            <a:r>
+              <a:rPr lang="en-US" sz="1200" dirty="0"/>
+              <a:t>  </a:t>
+            </a:r>
+            <a:r>
+              <a:rPr lang="en-US" sz="1200" dirty="0">
+                <a:solidFill>
+                  <a:srgbClr val="00B0F0"/>
+                </a:solidFill>
+              </a:rPr>
+              <a:t>2</a:t>
+            </a:r>
+            <a:r>
+              <a:rPr lang="en-US" sz="1200" dirty="0"/>
+              <a:t>  </a:t>
+            </a:r>
+            <a:r>
+              <a:rPr lang="en-US" sz="1200" dirty="0">
+                <a:solidFill>
+                  <a:srgbClr val="92D050"/>
+                </a:solidFill>
+              </a:rPr>
+              <a:t>1</a:t>
+            </a:r>
+          </a:p>
+        </p:txBody>
+      </p:sp>
+      <p:sp>
+        <p:nvSpPr>
+          <p:cNvPr id="49" name="TextBox 48">
+            <a:extLst>
+              <a:ext uri="{FF2B5EF4-FFF2-40B4-BE49-F238E27FC236}">
+                <a16:creationId xmlns:a16="http://schemas.microsoft.com/office/drawing/2014/main" id="{5F1D7BF0-9227-4512-910E-1D464A87EB43}"/>
+              </a:ext>
+            </a:extLst>
+          </p:cNvPr>
+          <p:cNvSpPr txBox="1"/>
+          <p:nvPr/>
+        </p:nvSpPr>
+        <p:spPr>
+          <a:xfrm rot="2485844">
+            <a:off x="3571244" y="4512271"/>
+            <a:ext cx="561372" cy="276999"/>
+          </a:xfrm>
+          <a:prstGeom prst="rect">
+            <a:avLst/>
+          </a:prstGeom>
+          <a:noFill/>
+        </p:spPr>
+        <p:txBody>
+          <a:bodyPr wrap="none" rtlCol="0">
+            <a:spAutoFit/>
+          </a:bodyPr>
+          <a:lstStyle/>
+          <a:p>
+            <a:r>
+              <a:rPr lang="en-US" sz="1200" dirty="0">
+                <a:solidFill>
+                  <a:srgbClr val="FF0000"/>
+                </a:solidFill>
+              </a:rPr>
+              <a:t>1</a:t>
+            </a:r>
+            <a:r>
+              <a:rPr lang="en-US" sz="1200" dirty="0"/>
+              <a:t>  </a:t>
+            </a:r>
+            <a:r>
+              <a:rPr lang="en-US" sz="1200" dirty="0">
+                <a:solidFill>
+                  <a:srgbClr val="00B0F0"/>
+                </a:solidFill>
+              </a:rPr>
+              <a:t>3</a:t>
+            </a:r>
+            <a:r>
+              <a:rPr lang="en-US" sz="1200" dirty="0"/>
+              <a:t>  </a:t>
+            </a:r>
+            <a:r>
+              <a:rPr lang="en-US" sz="1200" dirty="0">
+                <a:solidFill>
+                  <a:srgbClr val="92D050"/>
+                </a:solidFill>
+              </a:rPr>
+              <a:t>1</a:t>
+            </a:r>
+          </a:p>
+        </p:txBody>
+      </p:sp>
+      <p:sp>
+        <p:nvSpPr>
+          <p:cNvPr id="50" name="TextBox 49">
+            <a:extLst>
+              <a:ext uri="{FF2B5EF4-FFF2-40B4-BE49-F238E27FC236}">
+                <a16:creationId xmlns:a16="http://schemas.microsoft.com/office/drawing/2014/main" id="{442C25E7-A08A-41AC-B9F7-A2D886B3FAE0}"/>
+              </a:ext>
+            </a:extLst>
+          </p:cNvPr>
+          <p:cNvSpPr txBox="1"/>
+          <p:nvPr/>
+        </p:nvSpPr>
+        <p:spPr>
+          <a:xfrm rot="2485844">
+            <a:off x="3230793" y="4200624"/>
+            <a:ext cx="561372" cy="276999"/>
+          </a:xfrm>
+          <a:prstGeom prst="rect">
+            <a:avLst/>
+          </a:prstGeom>
+          <a:noFill/>
+        </p:spPr>
+        <p:txBody>
+          <a:bodyPr wrap="none" rtlCol="0">
+            <a:spAutoFit/>
+          </a:bodyPr>
+          <a:lstStyle/>
+          <a:p>
+            <a:r>
+              <a:rPr lang="en-US" sz="1200" dirty="0">
+                <a:solidFill>
+                  <a:srgbClr val="FF0000"/>
+                </a:solidFill>
+              </a:rPr>
+              <a:t>1</a:t>
+            </a:r>
+            <a:r>
+              <a:rPr lang="en-US" sz="1200" dirty="0"/>
+              <a:t>  </a:t>
+            </a:r>
+            <a:r>
+              <a:rPr lang="en-US" sz="1200" dirty="0">
+                <a:solidFill>
+                  <a:srgbClr val="00B0F0"/>
+                </a:solidFill>
+              </a:rPr>
+              <a:t>4</a:t>
+            </a:r>
+            <a:r>
+              <a:rPr lang="en-US" sz="1200" dirty="0"/>
+              <a:t>  </a:t>
+            </a:r>
+            <a:r>
+              <a:rPr lang="en-US" sz="1200" dirty="0">
+                <a:solidFill>
+                  <a:srgbClr val="92D050"/>
+                </a:solidFill>
+              </a:rPr>
+              <a:t>1</a:t>
+            </a:r>
+          </a:p>
+        </p:txBody>
+      </p:sp>
+      <p:sp>
+        <p:nvSpPr>
+          <p:cNvPr id="55" name="TextBox 54">
+            <a:extLst>
+              <a:ext uri="{FF2B5EF4-FFF2-40B4-BE49-F238E27FC236}">
+                <a16:creationId xmlns:a16="http://schemas.microsoft.com/office/drawing/2014/main" id="{90E31938-FB95-416D-A732-2DDFDB438C53}"/>
+              </a:ext>
+            </a:extLst>
+          </p:cNvPr>
+          <p:cNvSpPr txBox="1"/>
+          <p:nvPr/>
+        </p:nvSpPr>
+        <p:spPr>
+          <a:xfrm rot="2071819">
+            <a:off x="4214247" y="3842459"/>
+            <a:ext cx="619080" cy="307777"/>
+          </a:xfrm>
+          <a:prstGeom prst="rect">
+            <a:avLst/>
+          </a:prstGeom>
+          <a:noFill/>
+        </p:spPr>
+        <p:txBody>
+          <a:bodyPr wrap="none" rtlCol="0">
+            <a:spAutoFit/>
+          </a:bodyPr>
+          <a:lstStyle/>
+          <a:p>
+            <a:r>
+              <a:rPr lang="en-US" sz="1400" dirty="0">
+                <a:solidFill>
+                  <a:srgbClr val="FF0000"/>
+                </a:solidFill>
+              </a:rPr>
+              <a:t>1</a:t>
+            </a:r>
+            <a:r>
+              <a:rPr lang="en-US" sz="1400" dirty="0"/>
+              <a:t>  </a:t>
+            </a:r>
+            <a:r>
+              <a:rPr lang="en-US" sz="1400" dirty="0">
+                <a:solidFill>
+                  <a:srgbClr val="00B0F0"/>
+                </a:solidFill>
+              </a:rPr>
+              <a:t>1</a:t>
+            </a:r>
+            <a:r>
+              <a:rPr lang="en-US" sz="1400" dirty="0"/>
+              <a:t>  </a:t>
+            </a:r>
+            <a:r>
+              <a:rPr lang="en-US" sz="1400" dirty="0">
+                <a:solidFill>
+                  <a:srgbClr val="92D050"/>
+                </a:solidFill>
+              </a:rPr>
+              <a:t>4</a:t>
+            </a:r>
+          </a:p>
+        </p:txBody>
+      </p:sp>
+      <p:sp>
+        <p:nvSpPr>
+          <p:cNvPr id="56" name="TextBox 55">
+            <a:extLst>
+              <a:ext uri="{FF2B5EF4-FFF2-40B4-BE49-F238E27FC236}">
+                <a16:creationId xmlns:a16="http://schemas.microsoft.com/office/drawing/2014/main" id="{926FFDCF-CB4D-4FC5-AB85-C86D2CB206E4}"/>
+              </a:ext>
+            </a:extLst>
+          </p:cNvPr>
+          <p:cNvSpPr txBox="1"/>
+          <p:nvPr/>
+        </p:nvSpPr>
+        <p:spPr>
+          <a:xfrm rot="2109120">
+            <a:off x="3805694" y="3523899"/>
+            <a:ext cx="561372" cy="276999"/>
+          </a:xfrm>
+          <a:prstGeom prst="rect">
+            <a:avLst/>
+          </a:prstGeom>
+          <a:noFill/>
+        </p:spPr>
+        <p:txBody>
+          <a:bodyPr wrap="none" rtlCol="0">
+            <a:spAutoFit/>
+          </a:bodyPr>
+          <a:lstStyle/>
+          <a:p>
+            <a:r>
+              <a:rPr lang="en-US" sz="1200" dirty="0">
+                <a:solidFill>
+                  <a:srgbClr val="FF0000"/>
+                </a:solidFill>
+              </a:rPr>
+              <a:t>1</a:t>
+            </a:r>
+            <a:r>
+              <a:rPr lang="en-US" sz="1200" dirty="0"/>
+              <a:t>  </a:t>
+            </a:r>
+            <a:r>
+              <a:rPr lang="en-US" sz="1200" dirty="0">
+                <a:solidFill>
+                  <a:srgbClr val="00B0F0"/>
+                </a:solidFill>
+              </a:rPr>
+              <a:t>2</a:t>
+            </a:r>
+            <a:r>
+              <a:rPr lang="en-US" sz="1200" dirty="0"/>
+              <a:t>  </a:t>
+            </a:r>
+            <a:r>
+              <a:rPr lang="en-US" sz="1200" dirty="0">
+                <a:solidFill>
+                  <a:srgbClr val="92D050"/>
+                </a:solidFill>
+              </a:rPr>
+              <a:t>4</a:t>
+            </a:r>
+          </a:p>
+        </p:txBody>
+      </p:sp>
+      <p:sp>
+        <p:nvSpPr>
+          <p:cNvPr id="57" name="TextBox 56">
+            <a:extLst>
+              <a:ext uri="{FF2B5EF4-FFF2-40B4-BE49-F238E27FC236}">
+                <a16:creationId xmlns:a16="http://schemas.microsoft.com/office/drawing/2014/main" id="{D713AF42-C723-4EE3-8CCB-4F9F4EE3C67D}"/>
+              </a:ext>
+            </a:extLst>
+          </p:cNvPr>
+          <p:cNvSpPr txBox="1"/>
+          <p:nvPr/>
+        </p:nvSpPr>
+        <p:spPr>
+          <a:xfrm rot="2485844">
+            <a:off x="3405826" y="3211747"/>
+            <a:ext cx="561372" cy="276999"/>
+          </a:xfrm>
+          <a:prstGeom prst="rect">
+            <a:avLst/>
+          </a:prstGeom>
+          <a:noFill/>
+        </p:spPr>
+        <p:txBody>
+          <a:bodyPr wrap="none" rtlCol="0">
+            <a:spAutoFit/>
+          </a:bodyPr>
+          <a:lstStyle/>
+          <a:p>
+            <a:r>
+              <a:rPr lang="en-US" sz="1200" dirty="0">
+                <a:solidFill>
+                  <a:srgbClr val="FF0000"/>
+                </a:solidFill>
+              </a:rPr>
+              <a:t>1</a:t>
+            </a:r>
+            <a:r>
+              <a:rPr lang="en-US" sz="1200" dirty="0"/>
+              <a:t>  </a:t>
+            </a:r>
+            <a:r>
+              <a:rPr lang="en-US" sz="1200" dirty="0">
+                <a:solidFill>
+                  <a:srgbClr val="00B0F0"/>
+                </a:solidFill>
+              </a:rPr>
+              <a:t>3</a:t>
+            </a:r>
+            <a:r>
+              <a:rPr lang="en-US" sz="1200" dirty="0"/>
+              <a:t>  </a:t>
+            </a:r>
+            <a:r>
+              <a:rPr lang="en-US" sz="1200" dirty="0">
+                <a:solidFill>
+                  <a:srgbClr val="92D050"/>
+                </a:solidFill>
+              </a:rPr>
+              <a:t>4</a:t>
+            </a:r>
+          </a:p>
+        </p:txBody>
+      </p:sp>
+      <p:sp>
+        <p:nvSpPr>
+          <p:cNvPr id="58" name="TextBox 57">
+            <a:extLst>
+              <a:ext uri="{FF2B5EF4-FFF2-40B4-BE49-F238E27FC236}">
+                <a16:creationId xmlns:a16="http://schemas.microsoft.com/office/drawing/2014/main" id="{FDE069D8-973D-4594-BF11-33BF306B0FE6}"/>
+              </a:ext>
+            </a:extLst>
+          </p:cNvPr>
+          <p:cNvSpPr txBox="1"/>
+          <p:nvPr/>
+        </p:nvSpPr>
+        <p:spPr>
+          <a:xfrm rot="2485844">
+            <a:off x="3050655" y="2983034"/>
+            <a:ext cx="561372" cy="276999"/>
+          </a:xfrm>
+          <a:prstGeom prst="rect">
+            <a:avLst/>
+          </a:prstGeom>
+          <a:noFill/>
+        </p:spPr>
+        <p:txBody>
+          <a:bodyPr wrap="none" rtlCol="0">
+            <a:spAutoFit/>
+          </a:bodyPr>
+          <a:lstStyle/>
+          <a:p>
+            <a:r>
+              <a:rPr lang="en-US" sz="1200" dirty="0">
+                <a:solidFill>
+                  <a:srgbClr val="FF0000"/>
+                </a:solidFill>
+              </a:rPr>
+              <a:t>1</a:t>
+            </a:r>
+            <a:r>
+              <a:rPr lang="en-US" sz="1200" dirty="0"/>
+              <a:t>  </a:t>
+            </a:r>
+            <a:r>
+              <a:rPr lang="en-US" sz="1200" dirty="0">
+                <a:solidFill>
+                  <a:srgbClr val="00B0F0"/>
+                </a:solidFill>
+              </a:rPr>
+              <a:t>4</a:t>
+            </a:r>
+            <a:r>
+              <a:rPr lang="en-US" sz="1200" dirty="0"/>
+              <a:t>  </a:t>
+            </a:r>
+            <a:r>
+              <a:rPr lang="en-US" sz="1200" dirty="0">
+                <a:solidFill>
+                  <a:srgbClr val="92D050"/>
+                </a:solidFill>
+              </a:rPr>
+              <a:t>4</a:t>
+            </a:r>
+          </a:p>
+        </p:txBody>
+      </p:sp>
+      <p:sp>
+        <p:nvSpPr>
+          <p:cNvPr id="59" name="TextBox 58">
+            <a:extLst>
+              <a:ext uri="{FF2B5EF4-FFF2-40B4-BE49-F238E27FC236}">
+                <a16:creationId xmlns:a16="http://schemas.microsoft.com/office/drawing/2014/main" id="{D908B286-6B07-4213-86FE-A9B7E26A78F6}"/>
+              </a:ext>
+            </a:extLst>
+          </p:cNvPr>
+          <p:cNvSpPr txBox="1"/>
+          <p:nvPr/>
+        </p:nvSpPr>
+        <p:spPr>
+          <a:xfrm rot="21088069">
+            <a:off x="3310326" y="2247478"/>
+            <a:ext cx="747320" cy="369332"/>
+          </a:xfrm>
+          <a:prstGeom prst="rect">
+            <a:avLst/>
+          </a:prstGeom>
+          <a:noFill/>
+        </p:spPr>
+        <p:txBody>
+          <a:bodyPr wrap="none" rtlCol="0">
+            <a:spAutoFit/>
+          </a:bodyPr>
+          <a:lstStyle/>
+          <a:p>
+            <a:r>
+              <a:rPr lang="en-US" dirty="0">
+                <a:solidFill>
+                  <a:srgbClr val="FF0000"/>
+                </a:solidFill>
+              </a:rPr>
+              <a:t>1</a:t>
+            </a:r>
+            <a:r>
+              <a:rPr lang="en-US" dirty="0"/>
+              <a:t>  </a:t>
+            </a:r>
+            <a:r>
+              <a:rPr lang="en-US" dirty="0">
+                <a:solidFill>
+                  <a:srgbClr val="00B0F0"/>
+                </a:solidFill>
+              </a:rPr>
+              <a:t>4</a:t>
+            </a:r>
+            <a:r>
+              <a:rPr lang="en-US" dirty="0"/>
+              <a:t>  </a:t>
+            </a:r>
+            <a:r>
+              <a:rPr lang="en-US" dirty="0">
+                <a:solidFill>
+                  <a:srgbClr val="92D050"/>
+                </a:solidFill>
+              </a:rPr>
+              <a:t>5</a:t>
+            </a:r>
+          </a:p>
+        </p:txBody>
+      </p:sp>
+      <p:sp>
+        <p:nvSpPr>
+          <p:cNvPr id="60" name="TextBox 59">
+            <a:extLst>
+              <a:ext uri="{FF2B5EF4-FFF2-40B4-BE49-F238E27FC236}">
+                <a16:creationId xmlns:a16="http://schemas.microsoft.com/office/drawing/2014/main" id="{13648044-0E80-499D-8AAD-502450F3BFB8}"/>
+              </a:ext>
+            </a:extLst>
+          </p:cNvPr>
+          <p:cNvSpPr txBox="1"/>
+          <p:nvPr/>
+        </p:nvSpPr>
+        <p:spPr>
+          <a:xfrm rot="21076802">
+            <a:off x="4181840" y="2103417"/>
+            <a:ext cx="747320" cy="369332"/>
+          </a:xfrm>
+          <a:prstGeom prst="rect">
+            <a:avLst/>
+          </a:prstGeom>
+          <a:noFill/>
+        </p:spPr>
+        <p:txBody>
+          <a:bodyPr wrap="none" rtlCol="0">
+            <a:spAutoFit/>
+          </a:bodyPr>
+          <a:lstStyle/>
+          <a:p>
+            <a:r>
+              <a:rPr lang="en-US" dirty="0">
+                <a:solidFill>
+                  <a:srgbClr val="FF0000"/>
+                </a:solidFill>
+              </a:rPr>
+              <a:t>2</a:t>
+            </a:r>
+            <a:r>
+              <a:rPr lang="en-US" dirty="0"/>
+              <a:t>  </a:t>
+            </a:r>
+            <a:r>
+              <a:rPr lang="en-US" dirty="0">
+                <a:solidFill>
+                  <a:srgbClr val="00B0F0"/>
+                </a:solidFill>
+              </a:rPr>
+              <a:t>4</a:t>
+            </a:r>
+            <a:r>
+              <a:rPr lang="en-US" dirty="0"/>
+              <a:t>  </a:t>
+            </a:r>
+            <a:r>
+              <a:rPr lang="en-US" dirty="0">
+                <a:solidFill>
+                  <a:srgbClr val="92D050"/>
+                </a:solidFill>
+              </a:rPr>
+              <a:t>5</a:t>
+            </a:r>
+          </a:p>
+        </p:txBody>
+      </p:sp>
+      <p:sp>
+        <p:nvSpPr>
+          <p:cNvPr id="61" name="TextBox 60">
+            <a:extLst>
+              <a:ext uri="{FF2B5EF4-FFF2-40B4-BE49-F238E27FC236}">
+                <a16:creationId xmlns:a16="http://schemas.microsoft.com/office/drawing/2014/main" id="{2E667975-92AB-4CF9-8E74-339CD8420638}"/>
+              </a:ext>
+            </a:extLst>
+          </p:cNvPr>
+          <p:cNvSpPr txBox="1"/>
+          <p:nvPr/>
+        </p:nvSpPr>
+        <p:spPr>
+          <a:xfrm rot="21150543">
+            <a:off x="4998860" y="2012048"/>
+            <a:ext cx="619080" cy="307777"/>
+          </a:xfrm>
+          <a:prstGeom prst="rect">
+            <a:avLst/>
+          </a:prstGeom>
+          <a:noFill/>
+        </p:spPr>
+        <p:txBody>
+          <a:bodyPr wrap="none" rtlCol="0">
+            <a:spAutoFit/>
+          </a:bodyPr>
+          <a:lstStyle/>
+          <a:p>
+            <a:r>
+              <a:rPr lang="en-US" sz="1400" dirty="0">
+                <a:solidFill>
+                  <a:srgbClr val="FF0000"/>
+                </a:solidFill>
+              </a:rPr>
+              <a:t>3</a:t>
+            </a:r>
+            <a:r>
+              <a:rPr lang="en-US" sz="1400" dirty="0"/>
+              <a:t>  </a:t>
+            </a:r>
+            <a:r>
+              <a:rPr lang="en-US" sz="1400" dirty="0">
+                <a:solidFill>
+                  <a:srgbClr val="00B0F0"/>
+                </a:solidFill>
+              </a:rPr>
+              <a:t>4</a:t>
+            </a:r>
+            <a:r>
+              <a:rPr lang="en-US" sz="1400" dirty="0"/>
+              <a:t>  </a:t>
+            </a:r>
+            <a:r>
+              <a:rPr lang="en-US" sz="1400" dirty="0">
+                <a:solidFill>
+                  <a:srgbClr val="92D050"/>
+                </a:solidFill>
+              </a:rPr>
+              <a:t>5</a:t>
+            </a:r>
+          </a:p>
+        </p:txBody>
+      </p:sp>
+      <p:sp>
+        <p:nvSpPr>
+          <p:cNvPr id="62" name="TextBox 61">
+            <a:extLst>
+              <a:ext uri="{FF2B5EF4-FFF2-40B4-BE49-F238E27FC236}">
+                <a16:creationId xmlns:a16="http://schemas.microsoft.com/office/drawing/2014/main" id="{66BE771E-83D5-4006-BD29-EEAFF928BE7F}"/>
+              </a:ext>
+            </a:extLst>
+          </p:cNvPr>
+          <p:cNvSpPr txBox="1"/>
+          <p:nvPr/>
+        </p:nvSpPr>
+        <p:spPr>
+          <a:xfrm rot="21171033">
+            <a:off x="5666847" y="1906322"/>
+            <a:ext cx="619080" cy="307777"/>
+          </a:xfrm>
+          <a:prstGeom prst="rect">
+            <a:avLst/>
+          </a:prstGeom>
+          <a:noFill/>
+        </p:spPr>
+        <p:txBody>
+          <a:bodyPr wrap="none" rtlCol="0">
+            <a:spAutoFit/>
+          </a:bodyPr>
+          <a:lstStyle/>
+          <a:p>
+            <a:r>
+              <a:rPr lang="en-US" sz="1400" dirty="0">
+                <a:solidFill>
+                  <a:srgbClr val="FF0000"/>
+                </a:solidFill>
+              </a:rPr>
+              <a:t>4</a:t>
+            </a:r>
+            <a:r>
+              <a:rPr lang="en-US" sz="1400" dirty="0"/>
+              <a:t>  </a:t>
+            </a:r>
+            <a:r>
+              <a:rPr lang="en-US" sz="1400" dirty="0">
+                <a:solidFill>
+                  <a:srgbClr val="00B0F0"/>
+                </a:solidFill>
+              </a:rPr>
+              <a:t>4</a:t>
+            </a:r>
+            <a:r>
+              <a:rPr lang="en-US" sz="1400" dirty="0"/>
+              <a:t>  </a:t>
+            </a:r>
+            <a:r>
+              <a:rPr lang="en-US" sz="1400" dirty="0">
+                <a:solidFill>
+                  <a:srgbClr val="92D050"/>
+                </a:solidFill>
+              </a:rPr>
+              <a:t>5</a:t>
+            </a:r>
+          </a:p>
+        </p:txBody>
+      </p:sp>
+      <p:sp>
+        <p:nvSpPr>
+          <p:cNvPr id="63" name="TextBox 62">
+            <a:extLst>
+              <a:ext uri="{FF2B5EF4-FFF2-40B4-BE49-F238E27FC236}">
+                <a16:creationId xmlns:a16="http://schemas.microsoft.com/office/drawing/2014/main" id="{05B32665-9A47-41C6-9AA6-6C0F00B207B3}"/>
+              </a:ext>
+            </a:extLst>
+          </p:cNvPr>
+          <p:cNvSpPr txBox="1"/>
+          <p:nvPr/>
+        </p:nvSpPr>
+        <p:spPr>
+          <a:xfrm rot="21164648">
+            <a:off x="6338530" y="1819474"/>
+            <a:ext cx="561372" cy="276999"/>
+          </a:xfrm>
+          <a:prstGeom prst="rect">
+            <a:avLst/>
+          </a:prstGeom>
+          <a:noFill/>
+        </p:spPr>
+        <p:txBody>
+          <a:bodyPr wrap="none" rtlCol="0">
+            <a:spAutoFit/>
+          </a:bodyPr>
+          <a:lstStyle/>
+          <a:p>
+            <a:r>
+              <a:rPr lang="en-US" sz="1200" dirty="0">
+                <a:solidFill>
+                  <a:srgbClr val="FF0000"/>
+                </a:solidFill>
+              </a:rPr>
+              <a:t>5</a:t>
+            </a:r>
+            <a:r>
+              <a:rPr lang="en-US" sz="1200" dirty="0"/>
+              <a:t>  </a:t>
+            </a:r>
+            <a:r>
+              <a:rPr lang="en-US" sz="1200" dirty="0">
+                <a:solidFill>
+                  <a:srgbClr val="00B0F0"/>
+                </a:solidFill>
+              </a:rPr>
+              <a:t>4</a:t>
+            </a:r>
+            <a:r>
+              <a:rPr lang="en-US" sz="1200" dirty="0"/>
+              <a:t>  </a:t>
+            </a:r>
+            <a:r>
+              <a:rPr lang="en-US" sz="1200" dirty="0">
+                <a:solidFill>
+                  <a:srgbClr val="92D050"/>
+                </a:solidFill>
+              </a:rPr>
+              <a:t>5</a:t>
+            </a:r>
+          </a:p>
+        </p:txBody>
+      </p:sp>
+      <p:sp>
+        <p:nvSpPr>
+          <p:cNvPr id="64" name="TextBox 63">
+            <a:extLst>
+              <a:ext uri="{FF2B5EF4-FFF2-40B4-BE49-F238E27FC236}">
+                <a16:creationId xmlns:a16="http://schemas.microsoft.com/office/drawing/2014/main" id="{B2F4C4A7-08AE-4521-B894-737031F998EC}"/>
+              </a:ext>
+            </a:extLst>
+          </p:cNvPr>
+          <p:cNvSpPr txBox="1"/>
+          <p:nvPr/>
+        </p:nvSpPr>
+        <p:spPr>
+          <a:xfrm rot="21437253">
+            <a:off x="6966903" y="1714984"/>
+            <a:ext cx="561372" cy="276999"/>
+          </a:xfrm>
+          <a:prstGeom prst="rect">
+            <a:avLst/>
+          </a:prstGeom>
+          <a:noFill/>
+        </p:spPr>
+        <p:txBody>
+          <a:bodyPr wrap="none" rtlCol="0">
+            <a:spAutoFit/>
+          </a:bodyPr>
+          <a:lstStyle/>
+          <a:p>
+            <a:r>
+              <a:rPr lang="en-US" sz="1200" dirty="0">
+                <a:solidFill>
+                  <a:srgbClr val="FF0000"/>
+                </a:solidFill>
+              </a:rPr>
+              <a:t>6</a:t>
+            </a:r>
+            <a:r>
+              <a:rPr lang="en-US" sz="1200" dirty="0"/>
+              <a:t>  </a:t>
+            </a:r>
+            <a:r>
+              <a:rPr lang="en-US" sz="1200" dirty="0">
+                <a:solidFill>
+                  <a:srgbClr val="00B0F0"/>
+                </a:solidFill>
+              </a:rPr>
+              <a:t>4</a:t>
+            </a:r>
+            <a:r>
+              <a:rPr lang="en-US" sz="1200" dirty="0"/>
+              <a:t>  </a:t>
+            </a:r>
+            <a:r>
+              <a:rPr lang="en-US" sz="1200" dirty="0">
+                <a:solidFill>
+                  <a:srgbClr val="92D050"/>
+                </a:solidFill>
+              </a:rPr>
+              <a:t>5</a:t>
+            </a:r>
+          </a:p>
+        </p:txBody>
+      </p:sp>
+    </p:spTree>
+    <p:extLst>
+      <p:ext uri="{BB962C8B-B14F-4D97-AF65-F5344CB8AC3E}">
+        <p14:creationId xmlns:p14="http://schemas.microsoft.com/office/powerpoint/2010/main" val="242352128"/>
+      </p:ext>
+    </p:extLst>
+  </p:cSld>
+  <p:clrMapOvr>
+    <a:masterClrMapping/>
+  </p:clrMapOvr>
+</p:sld>
+</file>
+
+<file path=ppt/slides/slide9.xml><?xml version="1.0" encoding="utf-8"?>
+<p:sld xmlns:a="http://schemas.openxmlformats.org/drawingml/2006/main" xmlns:r="http://schemas.openxmlformats.org/officeDocument/2006/relationships" xmlns:p="http://schemas.openxmlformats.org/presentationml/2006/main">
+  <p:cSld>
+    <p:spTree>
+      <p:nvGrpSpPr>
+        <p:cNvPr id="1" name=""/>
+        <p:cNvGrpSpPr/>
+        <p:nvPr/>
+      </p:nvGrpSpPr>
+      <p:grpSpPr>
+        <a:xfrm>
+          <a:off x="0" y="0"/>
+          <a:ext cx="0" cy="0"/>
+          <a:chOff x="0" y="0"/>
+          <a:chExt cx="0" cy="0"/>
+        </a:xfrm>
+      </p:grpSpPr>
+      <p:pic>
+        <p:nvPicPr>
+          <p:cNvPr id="5" name="Picture 4">
+            <a:extLst>
+              <a:ext uri="{FF2B5EF4-FFF2-40B4-BE49-F238E27FC236}">
+                <a16:creationId xmlns:a16="http://schemas.microsoft.com/office/drawing/2014/main" id="{3D3C2D96-1669-4D88-98AD-A730BFFF0D88}"/>
+              </a:ext>
+            </a:extLst>
+          </p:cNvPr>
+          <p:cNvPicPr>
+            <a:picLocks noChangeAspect="1"/>
+          </p:cNvPicPr>
+          <p:nvPr/>
+        </p:nvPicPr>
+        <p:blipFill>
+          <a:blip r:embed="rId2"/>
+          <a:stretch>
+            <a:fillRect/>
+          </a:stretch>
+        </p:blipFill>
+        <p:spPr>
+          <a:xfrm>
+            <a:off x="934774" y="663464"/>
+            <a:ext cx="3332426" cy="2280080"/>
+          </a:xfrm>
+          <a:prstGeom prst="rect">
+            <a:avLst/>
+          </a:prstGeom>
+        </p:spPr>
+      </p:pic>
+      <p:sp>
+        <p:nvSpPr>
+          <p:cNvPr id="7" name="TextBox 6">
+            <a:extLst>
+              <a:ext uri="{FF2B5EF4-FFF2-40B4-BE49-F238E27FC236}">
+                <a16:creationId xmlns:a16="http://schemas.microsoft.com/office/drawing/2014/main" id="{FF7F9F33-4FD5-42F7-9B4B-44B273630795}"/>
+              </a:ext>
+            </a:extLst>
+          </p:cNvPr>
+          <p:cNvSpPr txBox="1"/>
+          <p:nvPr/>
+        </p:nvSpPr>
+        <p:spPr>
+          <a:xfrm flipH="1">
+            <a:off x="4500621" y="2230655"/>
+            <a:ext cx="716012" cy="369332"/>
+          </a:xfrm>
+          <a:prstGeom prst="rect">
+            <a:avLst/>
+          </a:prstGeom>
+          <a:noFill/>
+          <a:ln>
+            <a:solidFill>
+              <a:schemeClr val="tx1">
+                <a:lumMod val="95000"/>
+                <a:lumOff val="5000"/>
+              </a:schemeClr>
+            </a:solidFill>
+          </a:ln>
+        </p:spPr>
+        <p:txBody>
+          <a:bodyPr wrap="square" rtlCol="0">
+            <a:spAutoFit/>
+          </a:bodyPr>
+          <a:lstStyle/>
+          <a:p>
+            <a:pPr algn="ctr"/>
+            <a:r>
+              <a:rPr lang="en-US" dirty="0"/>
+              <a:t>1-1-1</a:t>
+            </a:r>
+          </a:p>
+        </p:txBody>
+      </p:sp>
+      <p:sp>
+        <p:nvSpPr>
+          <p:cNvPr id="8" name="TextBox 7">
+            <a:extLst>
+              <a:ext uri="{FF2B5EF4-FFF2-40B4-BE49-F238E27FC236}">
+                <a16:creationId xmlns:a16="http://schemas.microsoft.com/office/drawing/2014/main" id="{7DBD50D2-720B-47F1-96EC-CC9E05EC0930}"/>
+              </a:ext>
+            </a:extLst>
+          </p:cNvPr>
+          <p:cNvSpPr txBox="1"/>
+          <p:nvPr/>
+        </p:nvSpPr>
+        <p:spPr>
+          <a:xfrm flipH="1">
+            <a:off x="4500621" y="2599987"/>
+            <a:ext cx="716012" cy="338554"/>
+          </a:xfrm>
+          <a:prstGeom prst="rect">
+            <a:avLst/>
+          </a:prstGeom>
+          <a:noFill/>
+          <a:ln>
+            <a:solidFill>
+              <a:schemeClr val="tx1">
+                <a:lumMod val="95000"/>
+                <a:lumOff val="5000"/>
+              </a:schemeClr>
+            </a:solidFill>
+          </a:ln>
+        </p:spPr>
+        <p:txBody>
+          <a:bodyPr wrap="square" rtlCol="0">
+            <a:spAutoFit/>
+          </a:bodyPr>
+          <a:lstStyle/>
+          <a:p>
+            <a:pPr algn="ctr"/>
+            <a:r>
+              <a:rPr lang="en-US" sz="1600" dirty="0" err="1"/>
+              <a:t>Arr</a:t>
+            </a:r>
+            <a:r>
+              <a:rPr lang="en-US" sz="1600" dirty="0"/>
+              <a:t>[0]</a:t>
+            </a:r>
+          </a:p>
+        </p:txBody>
+      </p:sp>
+      <p:sp>
+        <p:nvSpPr>
+          <p:cNvPr id="25" name="TextBox 24">
+            <a:extLst>
+              <a:ext uri="{FF2B5EF4-FFF2-40B4-BE49-F238E27FC236}">
+                <a16:creationId xmlns:a16="http://schemas.microsoft.com/office/drawing/2014/main" id="{D802C73F-78ED-4DEE-9D0E-0E9E04BE0BF5}"/>
+              </a:ext>
+            </a:extLst>
+          </p:cNvPr>
+          <p:cNvSpPr txBox="1"/>
+          <p:nvPr/>
+        </p:nvSpPr>
+        <p:spPr>
+          <a:xfrm flipH="1">
+            <a:off x="5216633" y="2230655"/>
+            <a:ext cx="716012" cy="369332"/>
+          </a:xfrm>
+          <a:prstGeom prst="rect">
+            <a:avLst/>
+          </a:prstGeom>
+          <a:noFill/>
+          <a:ln>
+            <a:solidFill>
+              <a:schemeClr val="tx1">
+                <a:lumMod val="95000"/>
+                <a:lumOff val="5000"/>
+              </a:schemeClr>
+            </a:solidFill>
+          </a:ln>
+        </p:spPr>
+        <p:txBody>
+          <a:bodyPr wrap="square" rtlCol="0">
+            <a:spAutoFit/>
+          </a:bodyPr>
+          <a:lstStyle/>
+          <a:p>
+            <a:pPr algn="ctr"/>
+            <a:r>
+              <a:rPr lang="en-US" dirty="0"/>
+              <a:t>1-1-2</a:t>
+            </a:r>
+          </a:p>
+        </p:txBody>
+      </p:sp>
+      <p:sp>
+        <p:nvSpPr>
+          <p:cNvPr id="26" name="TextBox 25">
+            <a:extLst>
+              <a:ext uri="{FF2B5EF4-FFF2-40B4-BE49-F238E27FC236}">
+                <a16:creationId xmlns:a16="http://schemas.microsoft.com/office/drawing/2014/main" id="{EE7EF07D-53A6-4371-AFE2-0120D0806092}"/>
+              </a:ext>
+            </a:extLst>
+          </p:cNvPr>
+          <p:cNvSpPr txBox="1"/>
+          <p:nvPr/>
+        </p:nvSpPr>
+        <p:spPr>
+          <a:xfrm flipH="1">
+            <a:off x="5216633" y="2599987"/>
+            <a:ext cx="716012" cy="338554"/>
+          </a:xfrm>
+          <a:prstGeom prst="rect">
+            <a:avLst/>
+          </a:prstGeom>
+          <a:noFill/>
+          <a:ln>
+            <a:solidFill>
+              <a:schemeClr val="tx1">
+                <a:lumMod val="95000"/>
+                <a:lumOff val="5000"/>
+              </a:schemeClr>
+            </a:solidFill>
+          </a:ln>
+        </p:spPr>
+        <p:txBody>
+          <a:bodyPr wrap="square" rtlCol="0">
+            <a:spAutoFit/>
+          </a:bodyPr>
+          <a:lstStyle/>
+          <a:p>
+            <a:pPr algn="ctr"/>
+            <a:r>
+              <a:rPr lang="en-US" sz="1600" dirty="0" err="1"/>
+              <a:t>Arr</a:t>
+            </a:r>
+            <a:r>
+              <a:rPr lang="en-US" sz="1600" dirty="0"/>
+              <a:t>[1]</a:t>
+            </a:r>
+          </a:p>
+        </p:txBody>
+      </p:sp>
+      <p:sp>
+        <p:nvSpPr>
+          <p:cNvPr id="27" name="TextBox 26">
+            <a:extLst>
+              <a:ext uri="{FF2B5EF4-FFF2-40B4-BE49-F238E27FC236}">
+                <a16:creationId xmlns:a16="http://schemas.microsoft.com/office/drawing/2014/main" id="{91321882-C0DF-4AD7-9318-F513EAFB2885}"/>
+              </a:ext>
+            </a:extLst>
+          </p:cNvPr>
+          <p:cNvSpPr txBox="1"/>
+          <p:nvPr/>
+        </p:nvSpPr>
+        <p:spPr>
+          <a:xfrm flipH="1">
+            <a:off x="5932645" y="2230655"/>
+            <a:ext cx="716012" cy="369332"/>
+          </a:xfrm>
+          <a:prstGeom prst="rect">
+            <a:avLst/>
+          </a:prstGeom>
+          <a:noFill/>
+          <a:ln>
+            <a:solidFill>
+              <a:schemeClr val="tx1">
+                <a:lumMod val="95000"/>
+                <a:lumOff val="5000"/>
+              </a:schemeClr>
+            </a:solidFill>
+          </a:ln>
+        </p:spPr>
+        <p:txBody>
+          <a:bodyPr wrap="square" rtlCol="0">
+            <a:spAutoFit/>
+          </a:bodyPr>
+          <a:lstStyle/>
+          <a:p>
+            <a:pPr algn="ctr"/>
+            <a:r>
+              <a:rPr lang="en-US" dirty="0"/>
+              <a:t>1-1-3</a:t>
+            </a:r>
+          </a:p>
+        </p:txBody>
+      </p:sp>
+      <p:sp>
+        <p:nvSpPr>
+          <p:cNvPr id="28" name="TextBox 27">
+            <a:extLst>
+              <a:ext uri="{FF2B5EF4-FFF2-40B4-BE49-F238E27FC236}">
+                <a16:creationId xmlns:a16="http://schemas.microsoft.com/office/drawing/2014/main" id="{36FD795C-9511-4FC7-9DD9-0B423B84A573}"/>
+              </a:ext>
+            </a:extLst>
+          </p:cNvPr>
+          <p:cNvSpPr txBox="1"/>
+          <p:nvPr/>
+        </p:nvSpPr>
+        <p:spPr>
+          <a:xfrm flipH="1">
+            <a:off x="5932645" y="2599987"/>
+            <a:ext cx="716012" cy="338554"/>
+          </a:xfrm>
+          <a:prstGeom prst="rect">
+            <a:avLst/>
+          </a:prstGeom>
+          <a:noFill/>
+          <a:ln>
+            <a:solidFill>
+              <a:schemeClr val="tx1">
+                <a:lumMod val="95000"/>
+                <a:lumOff val="5000"/>
+              </a:schemeClr>
+            </a:solidFill>
+          </a:ln>
+        </p:spPr>
+        <p:txBody>
+          <a:bodyPr wrap="square" rtlCol="0">
+            <a:spAutoFit/>
+          </a:bodyPr>
+          <a:lstStyle/>
+          <a:p>
+            <a:pPr algn="ctr"/>
+            <a:r>
+              <a:rPr lang="en-US" sz="1600" dirty="0" err="1"/>
+              <a:t>Arr</a:t>
+            </a:r>
+            <a:r>
+              <a:rPr lang="en-US" sz="1600" dirty="0"/>
+              <a:t>[2]</a:t>
+            </a:r>
+          </a:p>
+        </p:txBody>
+      </p:sp>
+      <p:sp>
+        <p:nvSpPr>
+          <p:cNvPr id="29" name="TextBox 28">
+            <a:extLst>
+              <a:ext uri="{FF2B5EF4-FFF2-40B4-BE49-F238E27FC236}">
+                <a16:creationId xmlns:a16="http://schemas.microsoft.com/office/drawing/2014/main" id="{E322A460-847A-4DCF-8EA2-66955D22765E}"/>
+              </a:ext>
+            </a:extLst>
+          </p:cNvPr>
+          <p:cNvSpPr txBox="1"/>
+          <p:nvPr/>
+        </p:nvSpPr>
+        <p:spPr>
+          <a:xfrm flipH="1">
+            <a:off x="6648657" y="2233891"/>
+            <a:ext cx="716012" cy="369332"/>
+          </a:xfrm>
+          <a:prstGeom prst="rect">
+            <a:avLst/>
+          </a:prstGeom>
+          <a:noFill/>
+          <a:ln>
+            <a:solidFill>
+              <a:schemeClr val="tx1">
+                <a:lumMod val="95000"/>
+                <a:lumOff val="5000"/>
+              </a:schemeClr>
+            </a:solidFill>
+          </a:ln>
+        </p:spPr>
+        <p:txBody>
+          <a:bodyPr wrap="square" rtlCol="0">
+            <a:spAutoFit/>
+          </a:bodyPr>
+          <a:lstStyle/>
+          <a:p>
+            <a:pPr algn="ctr"/>
+            <a:r>
+              <a:rPr lang="en-US" dirty="0"/>
+              <a:t>1-1-4</a:t>
+            </a:r>
+          </a:p>
+        </p:txBody>
+      </p:sp>
+      <p:sp>
+        <p:nvSpPr>
+          <p:cNvPr id="30" name="TextBox 29">
+            <a:extLst>
+              <a:ext uri="{FF2B5EF4-FFF2-40B4-BE49-F238E27FC236}">
+                <a16:creationId xmlns:a16="http://schemas.microsoft.com/office/drawing/2014/main" id="{55FE621C-F244-4CD2-AF93-78C41B10B68F}"/>
+              </a:ext>
+            </a:extLst>
+          </p:cNvPr>
+          <p:cNvSpPr txBox="1"/>
+          <p:nvPr/>
+        </p:nvSpPr>
+        <p:spPr>
+          <a:xfrm flipH="1">
+            <a:off x="6648657" y="2603223"/>
+            <a:ext cx="716012" cy="338554"/>
+          </a:xfrm>
+          <a:prstGeom prst="rect">
+            <a:avLst/>
+          </a:prstGeom>
+          <a:noFill/>
+          <a:ln>
+            <a:solidFill>
+              <a:schemeClr val="tx1">
+                <a:lumMod val="95000"/>
+                <a:lumOff val="5000"/>
+              </a:schemeClr>
+            </a:solidFill>
+          </a:ln>
+        </p:spPr>
+        <p:txBody>
+          <a:bodyPr wrap="square" rtlCol="0">
+            <a:spAutoFit/>
+          </a:bodyPr>
+          <a:lstStyle/>
+          <a:p>
+            <a:pPr algn="ctr"/>
+            <a:r>
+              <a:rPr lang="en-US" sz="1600" dirty="0" err="1"/>
+              <a:t>Arr</a:t>
+            </a:r>
+            <a:r>
+              <a:rPr lang="en-US" sz="1600" dirty="0"/>
+              <a:t>[3]</a:t>
+            </a:r>
+          </a:p>
+        </p:txBody>
+      </p:sp>
+      <p:sp>
+        <p:nvSpPr>
+          <p:cNvPr id="31" name="TextBox 30">
+            <a:extLst>
+              <a:ext uri="{FF2B5EF4-FFF2-40B4-BE49-F238E27FC236}">
+                <a16:creationId xmlns:a16="http://schemas.microsoft.com/office/drawing/2014/main" id="{193FC762-1438-4F63-8E76-9BFD1E8D1FA0}"/>
+              </a:ext>
+            </a:extLst>
+          </p:cNvPr>
+          <p:cNvSpPr txBox="1"/>
+          <p:nvPr/>
+        </p:nvSpPr>
+        <p:spPr>
+          <a:xfrm flipH="1">
+            <a:off x="7364669" y="2230655"/>
+            <a:ext cx="716012" cy="369332"/>
+          </a:xfrm>
+          <a:prstGeom prst="rect">
+            <a:avLst/>
+          </a:prstGeom>
+          <a:noFill/>
+          <a:ln>
+            <a:solidFill>
+              <a:schemeClr val="tx1">
+                <a:lumMod val="95000"/>
+                <a:lumOff val="5000"/>
+              </a:schemeClr>
+            </a:solidFill>
+          </a:ln>
+        </p:spPr>
+        <p:txBody>
+          <a:bodyPr wrap="square" rtlCol="0">
+            <a:spAutoFit/>
+          </a:bodyPr>
+          <a:lstStyle/>
+          <a:p>
+            <a:pPr algn="ctr"/>
+            <a:r>
+              <a:rPr lang="en-US" dirty="0"/>
+              <a:t>1-1-5</a:t>
+            </a:r>
+          </a:p>
+        </p:txBody>
+      </p:sp>
+      <p:sp>
+        <p:nvSpPr>
+          <p:cNvPr id="32" name="TextBox 31">
+            <a:extLst>
+              <a:ext uri="{FF2B5EF4-FFF2-40B4-BE49-F238E27FC236}">
+                <a16:creationId xmlns:a16="http://schemas.microsoft.com/office/drawing/2014/main" id="{58843D20-F1BB-4E2F-AE30-1A0607B38904}"/>
+              </a:ext>
+            </a:extLst>
+          </p:cNvPr>
+          <p:cNvSpPr txBox="1"/>
+          <p:nvPr/>
+        </p:nvSpPr>
+        <p:spPr>
+          <a:xfrm flipH="1">
+            <a:off x="7364669" y="2599987"/>
+            <a:ext cx="716012" cy="338554"/>
+          </a:xfrm>
+          <a:prstGeom prst="rect">
+            <a:avLst/>
+          </a:prstGeom>
+          <a:noFill/>
+          <a:ln>
+            <a:solidFill>
+              <a:schemeClr val="tx1">
+                <a:lumMod val="95000"/>
+                <a:lumOff val="5000"/>
+              </a:schemeClr>
+            </a:solidFill>
+          </a:ln>
+        </p:spPr>
+        <p:txBody>
+          <a:bodyPr wrap="square" rtlCol="0">
+            <a:spAutoFit/>
+          </a:bodyPr>
+          <a:lstStyle/>
+          <a:p>
+            <a:pPr algn="ctr"/>
+            <a:r>
+              <a:rPr lang="en-US" sz="1600" dirty="0" err="1"/>
+              <a:t>Arr</a:t>
+            </a:r>
+            <a:r>
+              <a:rPr lang="en-US" sz="1600" dirty="0"/>
+              <a:t>[4]</a:t>
+            </a:r>
+          </a:p>
+        </p:txBody>
+      </p:sp>
+      <p:sp>
+        <p:nvSpPr>
+          <p:cNvPr id="33" name="TextBox 32">
+            <a:extLst>
+              <a:ext uri="{FF2B5EF4-FFF2-40B4-BE49-F238E27FC236}">
+                <a16:creationId xmlns:a16="http://schemas.microsoft.com/office/drawing/2014/main" id="{05CE9510-5FFD-4DBA-ACDB-0BEEC6DD74C1}"/>
+              </a:ext>
+            </a:extLst>
+          </p:cNvPr>
+          <p:cNvSpPr txBox="1"/>
+          <p:nvPr/>
+        </p:nvSpPr>
+        <p:spPr>
+          <a:xfrm flipH="1">
+            <a:off x="8080681" y="2231864"/>
+            <a:ext cx="716012" cy="369332"/>
+          </a:xfrm>
+          <a:prstGeom prst="rect">
+            <a:avLst/>
+          </a:prstGeom>
+          <a:noFill/>
+          <a:ln>
+            <a:solidFill>
+              <a:schemeClr val="tx1">
+                <a:lumMod val="95000"/>
+                <a:lumOff val="5000"/>
+              </a:schemeClr>
+            </a:solidFill>
+          </a:ln>
+        </p:spPr>
+        <p:txBody>
+          <a:bodyPr wrap="square" rtlCol="0">
+            <a:spAutoFit/>
+          </a:bodyPr>
+          <a:lstStyle/>
+          <a:p>
+            <a:pPr algn="ctr"/>
+            <a:r>
+              <a:rPr lang="en-US" dirty="0"/>
+              <a:t>1-2-1</a:t>
+            </a:r>
+          </a:p>
+        </p:txBody>
+      </p:sp>
+      <p:sp>
+        <p:nvSpPr>
+          <p:cNvPr id="34" name="TextBox 33">
+            <a:extLst>
+              <a:ext uri="{FF2B5EF4-FFF2-40B4-BE49-F238E27FC236}">
+                <a16:creationId xmlns:a16="http://schemas.microsoft.com/office/drawing/2014/main" id="{20229399-F167-41DF-AF40-A3FDEDE47A83}"/>
+              </a:ext>
+            </a:extLst>
+          </p:cNvPr>
+          <p:cNvSpPr txBox="1"/>
+          <p:nvPr/>
+        </p:nvSpPr>
+        <p:spPr>
+          <a:xfrm flipH="1">
+            <a:off x="8080681" y="2599926"/>
+            <a:ext cx="716012" cy="338554"/>
+          </a:xfrm>
+          <a:prstGeom prst="rect">
+            <a:avLst/>
+          </a:prstGeom>
+          <a:noFill/>
+          <a:ln>
+            <a:solidFill>
+              <a:schemeClr val="tx1">
+                <a:lumMod val="95000"/>
+                <a:lumOff val="5000"/>
+              </a:schemeClr>
+            </a:solidFill>
+          </a:ln>
+        </p:spPr>
+        <p:txBody>
+          <a:bodyPr wrap="square" rtlCol="0">
+            <a:spAutoFit/>
+          </a:bodyPr>
+          <a:lstStyle/>
+          <a:p>
+            <a:pPr algn="ctr"/>
+            <a:r>
+              <a:rPr lang="en-US" sz="1600" dirty="0" err="1"/>
+              <a:t>Arr</a:t>
+            </a:r>
+            <a:r>
+              <a:rPr lang="en-US" sz="1600" dirty="0"/>
+              <a:t>[5]</a:t>
+            </a:r>
+          </a:p>
+        </p:txBody>
+      </p:sp>
+      <p:sp>
+        <p:nvSpPr>
+          <p:cNvPr id="35" name="TextBox 34">
+            <a:extLst>
+              <a:ext uri="{FF2B5EF4-FFF2-40B4-BE49-F238E27FC236}">
+                <a16:creationId xmlns:a16="http://schemas.microsoft.com/office/drawing/2014/main" id="{78591F47-258D-4A2C-93E5-DB5548AD435F}"/>
+              </a:ext>
+            </a:extLst>
+          </p:cNvPr>
+          <p:cNvSpPr txBox="1"/>
+          <p:nvPr/>
+        </p:nvSpPr>
+        <p:spPr>
+          <a:xfrm flipH="1">
+            <a:off x="8796693" y="2235658"/>
+            <a:ext cx="716012" cy="369332"/>
+          </a:xfrm>
+          <a:prstGeom prst="rect">
+            <a:avLst/>
+          </a:prstGeom>
+          <a:noFill/>
+          <a:ln>
+            <a:solidFill>
+              <a:schemeClr val="tx1">
+                <a:lumMod val="95000"/>
+                <a:lumOff val="5000"/>
+              </a:schemeClr>
+            </a:solidFill>
+          </a:ln>
+        </p:spPr>
+        <p:txBody>
+          <a:bodyPr wrap="square" rtlCol="0">
+            <a:spAutoFit/>
+          </a:bodyPr>
+          <a:lstStyle/>
+          <a:p>
+            <a:pPr algn="ctr"/>
+            <a:r>
+              <a:rPr lang="en-US" dirty="0"/>
+              <a:t>1-2-2</a:t>
+            </a:r>
+          </a:p>
+        </p:txBody>
+      </p:sp>
+      <p:sp>
+        <p:nvSpPr>
+          <p:cNvPr id="36" name="TextBox 35">
+            <a:extLst>
+              <a:ext uri="{FF2B5EF4-FFF2-40B4-BE49-F238E27FC236}">
+                <a16:creationId xmlns:a16="http://schemas.microsoft.com/office/drawing/2014/main" id="{8F41BEE7-54E6-44E1-B11C-32DCCA78985D}"/>
+              </a:ext>
+            </a:extLst>
+          </p:cNvPr>
+          <p:cNvSpPr txBox="1"/>
+          <p:nvPr/>
+        </p:nvSpPr>
+        <p:spPr>
+          <a:xfrm flipH="1">
+            <a:off x="8796693" y="2604990"/>
+            <a:ext cx="716012" cy="338554"/>
+          </a:xfrm>
+          <a:prstGeom prst="rect">
+            <a:avLst/>
+          </a:prstGeom>
+          <a:noFill/>
+          <a:ln>
+            <a:solidFill>
+              <a:schemeClr val="tx1">
+                <a:lumMod val="95000"/>
+                <a:lumOff val="5000"/>
+              </a:schemeClr>
+            </a:solidFill>
+          </a:ln>
+        </p:spPr>
+        <p:txBody>
+          <a:bodyPr wrap="square" rtlCol="0">
+            <a:spAutoFit/>
+          </a:bodyPr>
+          <a:lstStyle/>
+          <a:p>
+            <a:pPr algn="ctr"/>
+            <a:r>
+              <a:rPr lang="en-US" sz="1600" dirty="0" err="1"/>
+              <a:t>Arr</a:t>
+            </a:r>
+            <a:r>
+              <a:rPr lang="en-US" sz="1600" dirty="0"/>
+              <a:t>[6]</a:t>
+            </a:r>
+          </a:p>
+        </p:txBody>
+      </p:sp>
+      <p:sp>
+        <p:nvSpPr>
+          <p:cNvPr id="37" name="TextBox 36">
+            <a:extLst>
+              <a:ext uri="{FF2B5EF4-FFF2-40B4-BE49-F238E27FC236}">
+                <a16:creationId xmlns:a16="http://schemas.microsoft.com/office/drawing/2014/main" id="{B1087B27-C72A-4481-92AA-8BA7B462C8EE}"/>
+              </a:ext>
+            </a:extLst>
+          </p:cNvPr>
+          <p:cNvSpPr txBox="1"/>
+          <p:nvPr/>
+        </p:nvSpPr>
+        <p:spPr>
+          <a:xfrm flipH="1">
+            <a:off x="9512705" y="2233272"/>
+            <a:ext cx="716012" cy="369332"/>
+          </a:xfrm>
+          <a:prstGeom prst="rect">
+            <a:avLst/>
+          </a:prstGeom>
+          <a:noFill/>
+          <a:ln>
+            <a:solidFill>
+              <a:schemeClr val="tx1">
+                <a:lumMod val="95000"/>
+                <a:lumOff val="5000"/>
+              </a:schemeClr>
+            </a:solidFill>
+          </a:ln>
+        </p:spPr>
+        <p:txBody>
+          <a:bodyPr wrap="square" rtlCol="0">
+            <a:spAutoFit/>
+          </a:bodyPr>
+          <a:lstStyle/>
+          <a:p>
+            <a:pPr algn="ctr"/>
+            <a:r>
+              <a:rPr lang="en-US" dirty="0"/>
+              <a:t>1-2-3</a:t>
+            </a:r>
+          </a:p>
+        </p:txBody>
+      </p:sp>
+      <p:sp>
+        <p:nvSpPr>
+          <p:cNvPr id="38" name="TextBox 37">
+            <a:extLst>
+              <a:ext uri="{FF2B5EF4-FFF2-40B4-BE49-F238E27FC236}">
+                <a16:creationId xmlns:a16="http://schemas.microsoft.com/office/drawing/2014/main" id="{9C8FC21E-00FD-41DF-9028-E007D5B3FB90}"/>
+              </a:ext>
+            </a:extLst>
+          </p:cNvPr>
+          <p:cNvSpPr txBox="1"/>
+          <p:nvPr/>
+        </p:nvSpPr>
+        <p:spPr>
+          <a:xfrm flipH="1">
+            <a:off x="9512705" y="2604508"/>
+            <a:ext cx="716012" cy="338554"/>
+          </a:xfrm>
+          <a:prstGeom prst="rect">
+            <a:avLst/>
+          </a:prstGeom>
+          <a:noFill/>
+          <a:ln>
+            <a:solidFill>
+              <a:schemeClr val="tx1">
+                <a:lumMod val="95000"/>
+                <a:lumOff val="5000"/>
+              </a:schemeClr>
+            </a:solidFill>
+          </a:ln>
+        </p:spPr>
+        <p:txBody>
+          <a:bodyPr wrap="square" rtlCol="0">
+            <a:spAutoFit/>
+          </a:bodyPr>
+          <a:lstStyle/>
+          <a:p>
+            <a:pPr algn="ctr"/>
+            <a:r>
+              <a:rPr lang="en-US" sz="1600" dirty="0" err="1"/>
+              <a:t>Arr</a:t>
+            </a:r>
+            <a:r>
+              <a:rPr lang="en-US" sz="1600" dirty="0"/>
+              <a:t>[7]</a:t>
+            </a:r>
+          </a:p>
+        </p:txBody>
+      </p:sp>
+      <p:sp>
+        <p:nvSpPr>
+          <p:cNvPr id="39" name="TextBox 38">
+            <a:extLst>
+              <a:ext uri="{FF2B5EF4-FFF2-40B4-BE49-F238E27FC236}">
+                <a16:creationId xmlns:a16="http://schemas.microsoft.com/office/drawing/2014/main" id="{1728677E-DFA0-47D9-B0CB-F42D07B77290}"/>
+              </a:ext>
+            </a:extLst>
+          </p:cNvPr>
+          <p:cNvSpPr txBox="1"/>
+          <p:nvPr/>
+        </p:nvSpPr>
+        <p:spPr>
+          <a:xfrm flipH="1">
+            <a:off x="10228717" y="2233891"/>
+            <a:ext cx="716012" cy="369332"/>
+          </a:xfrm>
+          <a:prstGeom prst="rect">
+            <a:avLst/>
+          </a:prstGeom>
+          <a:noFill/>
+          <a:ln>
+            <a:solidFill>
+              <a:schemeClr val="tx1">
+                <a:lumMod val="95000"/>
+                <a:lumOff val="5000"/>
+              </a:schemeClr>
+            </a:solidFill>
+          </a:ln>
+        </p:spPr>
+        <p:txBody>
+          <a:bodyPr wrap="square" rtlCol="0">
+            <a:spAutoFit/>
+          </a:bodyPr>
+          <a:lstStyle/>
+          <a:p>
+            <a:pPr algn="ctr"/>
+            <a:r>
+              <a:rPr lang="en-US" dirty="0"/>
+              <a:t>1-2-4</a:t>
+            </a:r>
+          </a:p>
+        </p:txBody>
+      </p:sp>
+      <p:sp>
+        <p:nvSpPr>
+          <p:cNvPr id="40" name="TextBox 39">
+            <a:extLst>
+              <a:ext uri="{FF2B5EF4-FFF2-40B4-BE49-F238E27FC236}">
+                <a16:creationId xmlns:a16="http://schemas.microsoft.com/office/drawing/2014/main" id="{92C7DC98-A81D-4CF6-B043-6000A3B63E2C}"/>
+              </a:ext>
+            </a:extLst>
+          </p:cNvPr>
+          <p:cNvSpPr txBox="1"/>
+          <p:nvPr/>
+        </p:nvSpPr>
+        <p:spPr>
+          <a:xfrm flipH="1">
+            <a:off x="10228717" y="2603223"/>
+            <a:ext cx="716012" cy="338554"/>
+          </a:xfrm>
+          <a:prstGeom prst="rect">
+            <a:avLst/>
+          </a:prstGeom>
+          <a:noFill/>
+          <a:ln>
+            <a:solidFill>
+              <a:schemeClr val="tx1">
+                <a:lumMod val="95000"/>
+                <a:lumOff val="5000"/>
+              </a:schemeClr>
+            </a:solidFill>
+          </a:ln>
+        </p:spPr>
+        <p:txBody>
+          <a:bodyPr wrap="square" rtlCol="0">
+            <a:spAutoFit/>
+          </a:bodyPr>
+          <a:lstStyle/>
+          <a:p>
+            <a:pPr algn="ctr"/>
+            <a:r>
+              <a:rPr lang="en-US" sz="1600" dirty="0" err="1"/>
+              <a:t>Arr</a:t>
+            </a:r>
+            <a:r>
+              <a:rPr lang="en-US" sz="1600" dirty="0"/>
+              <a:t>[8]</a:t>
+            </a:r>
+          </a:p>
+        </p:txBody>
+      </p:sp>
+      <p:sp>
+        <p:nvSpPr>
+          <p:cNvPr id="41" name="TextBox 40">
+            <a:extLst>
+              <a:ext uri="{FF2B5EF4-FFF2-40B4-BE49-F238E27FC236}">
+                <a16:creationId xmlns:a16="http://schemas.microsoft.com/office/drawing/2014/main" id="{F4224677-69F4-4D81-BAA7-21993A9C9BF9}"/>
+              </a:ext>
+            </a:extLst>
+          </p:cNvPr>
+          <p:cNvSpPr txBox="1"/>
+          <p:nvPr/>
+        </p:nvSpPr>
+        <p:spPr>
+          <a:xfrm>
+            <a:off x="11059029" y="2683907"/>
+            <a:ext cx="949433" cy="369332"/>
+          </a:xfrm>
+          <a:prstGeom prst="rect">
+            <a:avLst/>
+          </a:prstGeom>
+          <a:noFill/>
+        </p:spPr>
+        <p:txBody>
+          <a:bodyPr wrap="square" rtlCol="0">
+            <a:spAutoFit/>
+          </a:bodyPr>
+          <a:lstStyle/>
+          <a:p>
+            <a:r>
+              <a:rPr lang="en-US" dirty="0"/>
+              <a:t>…</a:t>
+            </a:r>
+          </a:p>
+        </p:txBody>
+      </p:sp>
+    </p:spTree>
+    <p:extLst>
+      <p:ext uri="{BB962C8B-B14F-4D97-AF65-F5344CB8AC3E}">
+        <p14:creationId xmlns:p14="http://schemas.microsoft.com/office/powerpoint/2010/main" val="955187499"/>
+      </p:ext>
+    </p:extLst>
+  </p:cSld>
+  <p:clrMapOvr>
+    <a:masterClrMapping/>
+  </p:clrMapOvr>
+</p:sld>
+</file>
+
 <file path=ppt/theme/theme1.xml><?xml version="1.0" encoding="utf-8"?>
 <a:theme xmlns:a="http://schemas.openxmlformats.org/drawingml/2006/main" name="Office Theme">
   <a:themeElements>

--- a/descriptions/pit_design_no_ramps_upd.pptx
+++ b/descriptions/pit_design_no_ramps_upd.pptx
@@ -14,6 +14,7 @@
     <p:sldId id="262" r:id="rId8"/>
     <p:sldId id="263" r:id="rId9"/>
     <p:sldId id="264" r:id="rId10"/>
+    <p:sldId id="265" r:id="rId11"/>
   </p:sldIdLst>
   <p:sldSz cx="12192000" cy="6858000"/>
   <p:notesSz cx="6858000" cy="9144000"/>
@@ -19112,6 +19113,383 @@
 </p:sld>
 </file>
 
+<file path=ppt/slides/slide10.xml><?xml version="1.0" encoding="utf-8"?>
+<p:sld xmlns:a="http://schemas.openxmlformats.org/drawingml/2006/main" xmlns:r="http://schemas.openxmlformats.org/officeDocument/2006/relationships" xmlns:p="http://schemas.openxmlformats.org/presentationml/2006/main">
+  <p:cSld>
+    <p:spTree>
+      <p:nvGrpSpPr>
+        <p:cNvPr id="1" name=""/>
+        <p:cNvGrpSpPr/>
+        <p:nvPr/>
+      </p:nvGrpSpPr>
+      <p:grpSpPr>
+        <a:xfrm>
+          <a:off x="0" y="0"/>
+          <a:ext cx="0" cy="0"/>
+          <a:chOff x="0" y="0"/>
+          <a:chExt cx="0" cy="0"/>
+        </a:xfrm>
+      </p:grpSpPr>
+      <p:grpSp>
+        <p:nvGrpSpPr>
+          <p:cNvPr id="22" name="Group 21">
+            <a:extLst>
+              <a:ext uri="{FF2B5EF4-FFF2-40B4-BE49-F238E27FC236}">
+                <a16:creationId xmlns:a16="http://schemas.microsoft.com/office/drawing/2014/main" id="{0C56B781-8E71-41F6-9DD3-B8129F6CE1A1}"/>
+              </a:ext>
+            </a:extLst>
+          </p:cNvPr>
+          <p:cNvGrpSpPr/>
+          <p:nvPr/>
+        </p:nvGrpSpPr>
+        <p:grpSpPr>
+          <a:xfrm>
+            <a:off x="499533" y="226778"/>
+            <a:ext cx="6714067" cy="2760250"/>
+            <a:chOff x="499533" y="226778"/>
+            <a:chExt cx="9696009" cy="3826411"/>
+          </a:xfrm>
+        </p:grpSpPr>
+        <p:pic>
+          <p:nvPicPr>
+            <p:cNvPr id="5" name="Picture 4">
+              <a:extLst>
+                <a:ext uri="{FF2B5EF4-FFF2-40B4-BE49-F238E27FC236}">
+                  <a16:creationId xmlns:a16="http://schemas.microsoft.com/office/drawing/2014/main" id="{322E3CE7-705C-4040-A0C9-6B95B8F231A3}"/>
+                </a:ext>
+              </a:extLst>
+            </p:cNvPr>
+            <p:cNvPicPr>
+              <a:picLocks noChangeAspect="1"/>
+            </p:cNvPicPr>
+            <p:nvPr/>
+          </p:nvPicPr>
+          <p:blipFill>
+            <a:blip r:embed="rId2"/>
+            <a:stretch>
+              <a:fillRect/>
+            </a:stretch>
+          </p:blipFill>
+          <p:spPr>
+            <a:xfrm>
+              <a:off x="1778000" y="882334"/>
+              <a:ext cx="6614143" cy="2723889"/>
+            </a:xfrm>
+            <a:prstGeom prst="rect">
+              <a:avLst/>
+            </a:prstGeom>
+          </p:spPr>
+        </p:pic>
+        <p:cxnSp>
+          <p:nvCxnSpPr>
+            <p:cNvPr id="7" name="Straight Connector 6">
+              <a:extLst>
+                <a:ext uri="{FF2B5EF4-FFF2-40B4-BE49-F238E27FC236}">
+                  <a16:creationId xmlns:a16="http://schemas.microsoft.com/office/drawing/2014/main" id="{22F353BE-72C1-4A55-A808-011F5F883172}"/>
+                </a:ext>
+              </a:extLst>
+            </p:cNvPr>
+            <p:cNvCxnSpPr>
+              <a:cxnSpLocks/>
+            </p:cNvCxnSpPr>
+            <p:nvPr/>
+          </p:nvCxnSpPr>
+          <p:spPr>
+            <a:xfrm flipV="1">
+              <a:off x="3920067" y="1011467"/>
+              <a:ext cx="1363134" cy="2400600"/>
+            </a:xfrm>
+            <a:prstGeom prst="line">
+              <a:avLst/>
+            </a:prstGeom>
+            <a:ln w="38100">
+              <a:prstDash val="dash"/>
+            </a:ln>
+          </p:spPr>
+          <p:style>
+            <a:lnRef idx="1">
+              <a:schemeClr val="accent1"/>
+            </a:lnRef>
+            <a:fillRef idx="0">
+              <a:schemeClr val="accent1"/>
+            </a:fillRef>
+            <a:effectRef idx="0">
+              <a:schemeClr val="accent1"/>
+            </a:effectRef>
+            <a:fontRef idx="minor">
+              <a:schemeClr val="tx1"/>
+            </a:fontRef>
+          </p:style>
+        </p:cxnSp>
+        <p:sp>
+          <p:nvSpPr>
+            <p:cNvPr id="8" name="TextBox 7">
+              <a:extLst>
+                <a:ext uri="{FF2B5EF4-FFF2-40B4-BE49-F238E27FC236}">
+                  <a16:creationId xmlns:a16="http://schemas.microsoft.com/office/drawing/2014/main" id="{A68464E4-F209-4105-82AD-CB1C28C5250E}"/>
+                </a:ext>
+              </a:extLst>
+            </p:cNvPr>
+            <p:cNvSpPr txBox="1"/>
+            <p:nvPr/>
+          </p:nvSpPr>
+          <p:spPr>
+            <a:xfrm>
+              <a:off x="3547534" y="3541200"/>
+              <a:ext cx="1278467" cy="511989"/>
+            </a:xfrm>
+            <a:prstGeom prst="rect">
+              <a:avLst/>
+            </a:prstGeom>
+            <a:noFill/>
+          </p:spPr>
+          <p:txBody>
+            <a:bodyPr wrap="square" rtlCol="0">
+              <a:spAutoFit/>
+            </a:bodyPr>
+            <a:lstStyle/>
+            <a:p>
+              <a:r>
+                <a:rPr lang="en-US" b="1" dirty="0">
+                  <a:solidFill>
+                    <a:srgbClr val="0070C0"/>
+                  </a:solidFill>
+                </a:rPr>
+                <a:t>0, 0, 0</a:t>
+              </a:r>
+            </a:p>
+          </p:txBody>
+        </p:sp>
+        <p:sp>
+          <p:nvSpPr>
+            <p:cNvPr id="9" name="TextBox 8">
+              <a:extLst>
+                <a:ext uri="{FF2B5EF4-FFF2-40B4-BE49-F238E27FC236}">
+                  <a16:creationId xmlns:a16="http://schemas.microsoft.com/office/drawing/2014/main" id="{DE622457-08FA-4C90-BE9D-6524F9BC1D5D}"/>
+                </a:ext>
+              </a:extLst>
+            </p:cNvPr>
+            <p:cNvSpPr txBox="1"/>
+            <p:nvPr/>
+          </p:nvSpPr>
+          <p:spPr>
+            <a:xfrm>
+              <a:off x="499533" y="1146959"/>
+              <a:ext cx="1278467" cy="511988"/>
+            </a:xfrm>
+            <a:prstGeom prst="rect">
+              <a:avLst/>
+            </a:prstGeom>
+            <a:noFill/>
+          </p:spPr>
+          <p:txBody>
+            <a:bodyPr wrap="square" rtlCol="0">
+              <a:spAutoFit/>
+            </a:bodyPr>
+            <a:lstStyle/>
+            <a:p>
+              <a:r>
+                <a:rPr lang="en-US" b="1" dirty="0">
+                  <a:solidFill>
+                    <a:srgbClr val="0070C0"/>
+                  </a:solidFill>
+                </a:rPr>
+                <a:t>0, 1, 0</a:t>
+              </a:r>
+            </a:p>
+          </p:txBody>
+        </p:sp>
+        <p:sp>
+          <p:nvSpPr>
+            <p:cNvPr id="12" name="TextBox 11">
+              <a:extLst>
+                <a:ext uri="{FF2B5EF4-FFF2-40B4-BE49-F238E27FC236}">
+                  <a16:creationId xmlns:a16="http://schemas.microsoft.com/office/drawing/2014/main" id="{D63932BB-9F9A-4C77-93AF-542295B50ED5}"/>
+                </a:ext>
+              </a:extLst>
+            </p:cNvPr>
+            <p:cNvSpPr txBox="1"/>
+            <p:nvPr/>
+          </p:nvSpPr>
+          <p:spPr>
+            <a:xfrm>
+              <a:off x="4707468" y="226778"/>
+              <a:ext cx="1278467" cy="511989"/>
+            </a:xfrm>
+            <a:prstGeom prst="rect">
+              <a:avLst/>
+            </a:prstGeom>
+            <a:noFill/>
+          </p:spPr>
+          <p:txBody>
+            <a:bodyPr wrap="square" rtlCol="0">
+              <a:spAutoFit/>
+            </a:bodyPr>
+            <a:lstStyle/>
+            <a:p>
+              <a:r>
+                <a:rPr lang="en-US" b="1" dirty="0">
+                  <a:solidFill>
+                    <a:srgbClr val="0070C0"/>
+                  </a:solidFill>
+                </a:rPr>
+                <a:t>1, 1, 0</a:t>
+              </a:r>
+            </a:p>
+          </p:txBody>
+        </p:sp>
+        <p:cxnSp>
+          <p:nvCxnSpPr>
+            <p:cNvPr id="14" name="Straight Arrow Connector 13">
+              <a:extLst>
+                <a:ext uri="{FF2B5EF4-FFF2-40B4-BE49-F238E27FC236}">
+                  <a16:creationId xmlns:a16="http://schemas.microsoft.com/office/drawing/2014/main" id="{804891E7-9837-48C7-BA73-550CC0DCFC7F}"/>
+                </a:ext>
+              </a:extLst>
+            </p:cNvPr>
+            <p:cNvCxnSpPr/>
+            <p:nvPr/>
+          </p:nvCxnSpPr>
+          <p:spPr>
+            <a:xfrm>
+              <a:off x="5283201" y="1888067"/>
+              <a:ext cx="1803399" cy="194733"/>
+            </a:xfrm>
+            <a:prstGeom prst="straightConnector1">
+              <a:avLst/>
+            </a:prstGeom>
+            <a:ln>
+              <a:tailEnd type="triangle"/>
+            </a:ln>
+          </p:spPr>
+          <p:style>
+            <a:lnRef idx="1">
+              <a:schemeClr val="accent1"/>
+            </a:lnRef>
+            <a:fillRef idx="0">
+              <a:schemeClr val="accent1"/>
+            </a:fillRef>
+            <a:effectRef idx="0">
+              <a:schemeClr val="accent1"/>
+            </a:effectRef>
+            <a:fontRef idx="minor">
+              <a:schemeClr val="tx1"/>
+            </a:fontRef>
+          </p:style>
+        </p:cxnSp>
+        <p:sp>
+          <p:nvSpPr>
+            <p:cNvPr id="15" name="TextBox 14">
+              <a:extLst>
+                <a:ext uri="{FF2B5EF4-FFF2-40B4-BE49-F238E27FC236}">
+                  <a16:creationId xmlns:a16="http://schemas.microsoft.com/office/drawing/2014/main" id="{DFD52ED1-EEB6-4D5F-A1F5-AC9F51109B7D}"/>
+                </a:ext>
+              </a:extLst>
+            </p:cNvPr>
+            <p:cNvSpPr txBox="1"/>
+            <p:nvPr/>
+          </p:nvSpPr>
+          <p:spPr>
+            <a:xfrm>
+              <a:off x="8392143" y="1790412"/>
+              <a:ext cx="1803399" cy="511989"/>
+            </a:xfrm>
+            <a:prstGeom prst="rect">
+              <a:avLst/>
+            </a:prstGeom>
+            <a:noFill/>
+          </p:spPr>
+          <p:txBody>
+            <a:bodyPr wrap="square" rtlCol="0">
+              <a:spAutoFit/>
+            </a:bodyPr>
+            <a:lstStyle/>
+            <a:p>
+              <a:r>
+                <a:rPr lang="en-US" b="1" dirty="0">
+                  <a:solidFill>
+                    <a:srgbClr val="0070C0"/>
+                  </a:solidFill>
+                </a:rPr>
+                <a:t>1, 0, -0.1</a:t>
+              </a:r>
+            </a:p>
+          </p:txBody>
+        </p:sp>
+      </p:grpSp>
+      <p:pic>
+        <p:nvPicPr>
+          <p:cNvPr id="19" name="Picture 18">
+            <a:extLst>
+              <a:ext uri="{FF2B5EF4-FFF2-40B4-BE49-F238E27FC236}">
+                <a16:creationId xmlns:a16="http://schemas.microsoft.com/office/drawing/2014/main" id="{1815AA05-D67D-44D9-A8B3-89F7EB68F6EF}"/>
+              </a:ext>
+            </a:extLst>
+          </p:cNvPr>
+          <p:cNvPicPr>
+            <a:picLocks noChangeAspect="1"/>
+          </p:cNvPicPr>
+          <p:nvPr/>
+        </p:nvPicPr>
+        <p:blipFill>
+          <a:blip r:embed="rId3"/>
+          <a:stretch>
+            <a:fillRect/>
+          </a:stretch>
+        </p:blipFill>
+        <p:spPr>
+          <a:xfrm>
+            <a:off x="5060792" y="2018421"/>
+            <a:ext cx="6614143" cy="2251251"/>
+          </a:xfrm>
+          <a:prstGeom prst="rect">
+            <a:avLst/>
+          </a:prstGeom>
+        </p:spPr>
+      </p:pic>
+      <p:pic>
+        <p:nvPicPr>
+          <p:cNvPr id="21" name="Picture 20">
+            <a:extLst>
+              <a:ext uri="{FF2B5EF4-FFF2-40B4-BE49-F238E27FC236}">
+                <a16:creationId xmlns:a16="http://schemas.microsoft.com/office/drawing/2014/main" id="{FD69FA17-96CA-45B7-AFB5-446A804AC83E}"/>
+              </a:ext>
+            </a:extLst>
+          </p:cNvPr>
+          <p:cNvPicPr>
+            <a:picLocks noChangeAspect="1"/>
+          </p:cNvPicPr>
+          <p:nvPr/>
+        </p:nvPicPr>
+        <p:blipFill>
+          <a:blip r:embed="rId4"/>
+          <a:stretch>
+            <a:fillRect/>
+          </a:stretch>
+        </p:blipFill>
+        <p:spPr>
+          <a:xfrm>
+            <a:off x="1384816" y="3117369"/>
+            <a:ext cx="5011808" cy="2957662"/>
+          </a:xfrm>
+          <a:prstGeom prst="rect">
+            <a:avLst/>
+          </a:prstGeom>
+        </p:spPr>
+      </p:pic>
+    </p:spTree>
+    <p:extLst>
+      <p:ext uri="{BB962C8B-B14F-4D97-AF65-F5344CB8AC3E}">
+        <p14:creationId xmlns:p14="http://schemas.microsoft.com/office/powerpoint/2010/main" val="608663891"/>
+      </p:ext>
+    </p:extLst>
+  </p:cSld>
+  <p:clrMapOvr>
+    <a:masterClrMapping/>
+  </p:clrMapOvr>
+</p:sld>
+</file>
+
 <file path=ppt/slides/slide2.xml><?xml version="1.0" encoding="utf-8"?>
 <p:sld xmlns:a="http://schemas.openxmlformats.org/drawingml/2006/main" xmlns:r="http://schemas.openxmlformats.org/officeDocument/2006/relationships" xmlns:p="http://schemas.openxmlformats.org/presentationml/2006/main">
   <p:cSld>

--- a/descriptions/pit_design_no_ramps_upd.pptx
+++ b/descriptions/pit_design_no_ramps_upd.pptx
@@ -15,6 +15,9 @@
     <p:sldId id="263" r:id="rId9"/>
     <p:sldId id="264" r:id="rId10"/>
     <p:sldId id="265" r:id="rId11"/>
+    <p:sldId id="266" r:id="rId12"/>
+    <p:sldId id="267" r:id="rId13"/>
+    <p:sldId id="268" r:id="rId14"/>
   </p:sldIdLst>
   <p:sldSz cx="12192000" cy="6858000"/>
   <p:notesSz cx="6858000" cy="9144000"/>
@@ -268,7 +271,7 @@
           <a:p>
             <a:fld id="{9F6432DB-EEB4-40F5-A2A5-0368495C4F38}" type="datetimeFigureOut">
               <a:rPr lang="en-US" smtClean="0"/>
-              <a:t>12/10/2024</a:t>
+              <a:t>12/11/2024</a:t>
             </a:fld>
             <a:endParaRPr lang="en-US"/>
           </a:p>
@@ -466,7 +469,7 @@
           <a:p>
             <a:fld id="{9F6432DB-EEB4-40F5-A2A5-0368495C4F38}" type="datetimeFigureOut">
               <a:rPr lang="en-US" smtClean="0"/>
-              <a:t>12/10/2024</a:t>
+              <a:t>12/11/2024</a:t>
             </a:fld>
             <a:endParaRPr lang="en-US"/>
           </a:p>
@@ -674,7 +677,7 @@
           <a:p>
             <a:fld id="{9F6432DB-EEB4-40F5-A2A5-0368495C4F38}" type="datetimeFigureOut">
               <a:rPr lang="en-US" smtClean="0"/>
-              <a:t>12/10/2024</a:t>
+              <a:t>12/11/2024</a:t>
             </a:fld>
             <a:endParaRPr lang="en-US"/>
           </a:p>
@@ -872,7 +875,7 @@
           <a:p>
             <a:fld id="{9F6432DB-EEB4-40F5-A2A5-0368495C4F38}" type="datetimeFigureOut">
               <a:rPr lang="en-US" smtClean="0"/>
-              <a:t>12/10/2024</a:t>
+              <a:t>12/11/2024</a:t>
             </a:fld>
             <a:endParaRPr lang="en-US"/>
           </a:p>
@@ -1147,7 +1150,7 @@
           <a:p>
             <a:fld id="{9F6432DB-EEB4-40F5-A2A5-0368495C4F38}" type="datetimeFigureOut">
               <a:rPr lang="en-US" smtClean="0"/>
-              <a:t>12/10/2024</a:t>
+              <a:t>12/11/2024</a:t>
             </a:fld>
             <a:endParaRPr lang="en-US"/>
           </a:p>
@@ -1412,7 +1415,7 @@
           <a:p>
             <a:fld id="{9F6432DB-EEB4-40F5-A2A5-0368495C4F38}" type="datetimeFigureOut">
               <a:rPr lang="en-US" smtClean="0"/>
-              <a:t>12/10/2024</a:t>
+              <a:t>12/11/2024</a:t>
             </a:fld>
             <a:endParaRPr lang="en-US"/>
           </a:p>
@@ -1824,7 +1827,7 @@
           <a:p>
             <a:fld id="{9F6432DB-EEB4-40F5-A2A5-0368495C4F38}" type="datetimeFigureOut">
               <a:rPr lang="en-US" smtClean="0"/>
-              <a:t>12/10/2024</a:t>
+              <a:t>12/11/2024</a:t>
             </a:fld>
             <a:endParaRPr lang="en-US"/>
           </a:p>
@@ -1965,7 +1968,7 @@
           <a:p>
             <a:fld id="{9F6432DB-EEB4-40F5-A2A5-0368495C4F38}" type="datetimeFigureOut">
               <a:rPr lang="en-US" smtClean="0"/>
-              <a:t>12/10/2024</a:t>
+              <a:t>12/11/2024</a:t>
             </a:fld>
             <a:endParaRPr lang="en-US"/>
           </a:p>
@@ -2078,7 +2081,7 @@
           <a:p>
             <a:fld id="{9F6432DB-EEB4-40F5-A2A5-0368495C4F38}" type="datetimeFigureOut">
               <a:rPr lang="en-US" smtClean="0"/>
-              <a:t>12/10/2024</a:t>
+              <a:t>12/11/2024</a:t>
             </a:fld>
             <a:endParaRPr lang="en-US"/>
           </a:p>
@@ -2389,7 +2392,7 @@
           <a:p>
             <a:fld id="{9F6432DB-EEB4-40F5-A2A5-0368495C4F38}" type="datetimeFigureOut">
               <a:rPr lang="en-US" smtClean="0"/>
-              <a:t>12/10/2024</a:t>
+              <a:t>12/11/2024</a:t>
             </a:fld>
             <a:endParaRPr lang="en-US"/>
           </a:p>
@@ -2677,7 +2680,7 @@
           <a:p>
             <a:fld id="{9F6432DB-EEB4-40F5-A2A5-0368495C4F38}" type="datetimeFigureOut">
               <a:rPr lang="en-US" smtClean="0"/>
-              <a:t>12/10/2024</a:t>
+              <a:t>12/11/2024</a:t>
             </a:fld>
             <a:endParaRPr lang="en-US"/>
           </a:p>
@@ -2918,7 +2921,7 @@
           <a:p>
             <a:fld id="{9F6432DB-EEB4-40F5-A2A5-0368495C4F38}" type="datetimeFigureOut">
               <a:rPr lang="en-US" smtClean="0"/>
-              <a:t>12/10/2024</a:t>
+              <a:t>12/11/2024</a:t>
             </a:fld>
             <a:endParaRPr lang="en-US"/>
           </a:p>
@@ -19490,6 +19493,1297 @@
 </p:sld>
 </file>
 
+<file path=ppt/slides/slide11.xml><?xml version="1.0" encoding="utf-8"?>
+<p:sld xmlns:a="http://schemas.openxmlformats.org/drawingml/2006/main" xmlns:r="http://schemas.openxmlformats.org/officeDocument/2006/relationships" xmlns:p="http://schemas.openxmlformats.org/presentationml/2006/main">
+  <p:cSld>
+    <p:spTree>
+      <p:nvGrpSpPr>
+        <p:cNvPr id="1" name=""/>
+        <p:cNvGrpSpPr/>
+        <p:nvPr/>
+      </p:nvGrpSpPr>
+      <p:grpSpPr>
+        <a:xfrm>
+          <a:off x="0" y="0"/>
+          <a:ext cx="0" cy="0"/>
+          <a:chOff x="0" y="0"/>
+          <a:chExt cx="0" cy="0"/>
+        </a:xfrm>
+      </p:grpSpPr>
+      <p:pic>
+        <p:nvPicPr>
+          <p:cNvPr id="5" name="Picture 4">
+            <a:extLst>
+              <a:ext uri="{FF2B5EF4-FFF2-40B4-BE49-F238E27FC236}">
+                <a16:creationId xmlns:a16="http://schemas.microsoft.com/office/drawing/2014/main" id="{6238534B-F1B2-4245-AA45-A19C6FBEAF25}"/>
+              </a:ext>
+            </a:extLst>
+          </p:cNvPr>
+          <p:cNvPicPr>
+            <a:picLocks noChangeAspect="1"/>
+          </p:cNvPicPr>
+          <p:nvPr/>
+        </p:nvPicPr>
+        <p:blipFill>
+          <a:blip r:embed="rId2"/>
+          <a:stretch>
+            <a:fillRect/>
+          </a:stretch>
+        </p:blipFill>
+        <p:spPr>
+          <a:xfrm>
+            <a:off x="355600" y="592665"/>
+            <a:ext cx="5054673" cy="5749208"/>
+          </a:xfrm>
+          <a:prstGeom prst="rect">
+            <a:avLst/>
+          </a:prstGeom>
+        </p:spPr>
+      </p:pic>
+      <p:pic>
+        <p:nvPicPr>
+          <p:cNvPr id="7" name="Picture 6">
+            <a:extLst>
+              <a:ext uri="{FF2B5EF4-FFF2-40B4-BE49-F238E27FC236}">
+                <a16:creationId xmlns:a16="http://schemas.microsoft.com/office/drawing/2014/main" id="{BC9869FF-C496-4F66-B244-FFB8E0013907}"/>
+              </a:ext>
+            </a:extLst>
+          </p:cNvPr>
+          <p:cNvPicPr>
+            <a:picLocks noChangeAspect="1"/>
+          </p:cNvPicPr>
+          <p:nvPr/>
+        </p:nvPicPr>
+        <p:blipFill>
+          <a:blip r:embed="rId3"/>
+          <a:stretch>
+            <a:fillRect/>
+          </a:stretch>
+        </p:blipFill>
+        <p:spPr>
+          <a:xfrm>
+            <a:off x="5833535" y="2965038"/>
+            <a:ext cx="5873622" cy="3376835"/>
+          </a:xfrm>
+          <a:prstGeom prst="rect">
+            <a:avLst/>
+          </a:prstGeom>
+        </p:spPr>
+      </p:pic>
+      <p:grpSp>
+        <p:nvGrpSpPr>
+          <p:cNvPr id="24" name="Group 23">
+            <a:extLst>
+              <a:ext uri="{FF2B5EF4-FFF2-40B4-BE49-F238E27FC236}">
+                <a16:creationId xmlns:a16="http://schemas.microsoft.com/office/drawing/2014/main" id="{53B494E7-92D3-44D5-AB8E-DF8B518234B3}"/>
+              </a:ext>
+            </a:extLst>
+          </p:cNvPr>
+          <p:cNvGrpSpPr/>
+          <p:nvPr/>
+        </p:nvGrpSpPr>
+        <p:grpSpPr>
+          <a:xfrm>
+            <a:off x="5757334" y="720663"/>
+            <a:ext cx="5799666" cy="1887071"/>
+            <a:chOff x="5833534" y="348129"/>
+            <a:chExt cx="4733890" cy="1541463"/>
+          </a:xfrm>
+        </p:grpSpPr>
+        <p:pic>
+          <p:nvPicPr>
+            <p:cNvPr id="9" name="Picture 8">
+              <a:extLst>
+                <a:ext uri="{FF2B5EF4-FFF2-40B4-BE49-F238E27FC236}">
+                  <a16:creationId xmlns:a16="http://schemas.microsoft.com/office/drawing/2014/main" id="{04740BE2-55AC-481A-ACBA-3736CDC63E5F}"/>
+                </a:ext>
+              </a:extLst>
+            </p:cNvPr>
+            <p:cNvPicPr>
+              <a:picLocks noChangeAspect="1"/>
+            </p:cNvPicPr>
+            <p:nvPr/>
+          </p:nvPicPr>
+          <p:blipFill>
+            <a:blip r:embed="rId4"/>
+            <a:stretch>
+              <a:fillRect/>
+            </a:stretch>
+          </p:blipFill>
+          <p:spPr>
+            <a:xfrm>
+              <a:off x="7744166" y="806313"/>
+              <a:ext cx="1796327" cy="556006"/>
+            </a:xfrm>
+            <a:prstGeom prst="rect">
+              <a:avLst/>
+            </a:prstGeom>
+          </p:spPr>
+        </p:pic>
+        <p:pic>
+          <p:nvPicPr>
+            <p:cNvPr id="10" name="Picture 9">
+              <a:extLst>
+                <a:ext uri="{FF2B5EF4-FFF2-40B4-BE49-F238E27FC236}">
+                  <a16:creationId xmlns:a16="http://schemas.microsoft.com/office/drawing/2014/main" id="{9CA35568-87CB-4E9B-87F9-1B0267713114}"/>
+                </a:ext>
+              </a:extLst>
+            </p:cNvPr>
+            <p:cNvPicPr>
+              <a:picLocks noChangeAspect="1"/>
+            </p:cNvPicPr>
+            <p:nvPr/>
+          </p:nvPicPr>
+          <p:blipFill>
+            <a:blip r:embed="rId5"/>
+            <a:stretch>
+              <a:fillRect/>
+            </a:stretch>
+          </p:blipFill>
+          <p:spPr>
+            <a:xfrm>
+              <a:off x="9697694" y="717618"/>
+              <a:ext cx="869730" cy="799347"/>
+            </a:xfrm>
+            <a:prstGeom prst="rect">
+              <a:avLst/>
+            </a:prstGeom>
+          </p:spPr>
+        </p:pic>
+        <p:grpSp>
+          <p:nvGrpSpPr>
+            <p:cNvPr id="15" name="Group 14">
+              <a:extLst>
+                <a:ext uri="{FF2B5EF4-FFF2-40B4-BE49-F238E27FC236}">
+                  <a16:creationId xmlns:a16="http://schemas.microsoft.com/office/drawing/2014/main" id="{7E7CD05E-F115-4906-89D4-D46AB081144D}"/>
+                </a:ext>
+              </a:extLst>
+            </p:cNvPr>
+            <p:cNvGrpSpPr/>
+            <p:nvPr/>
+          </p:nvGrpSpPr>
+          <p:grpSpPr>
+            <a:xfrm>
+              <a:off x="5833534" y="674334"/>
+              <a:ext cx="1995086" cy="866896"/>
+              <a:chOff x="7885513" y="201509"/>
+              <a:chExt cx="2485270" cy="1131037"/>
+            </a:xfrm>
+          </p:grpSpPr>
+          <p:pic>
+            <p:nvPicPr>
+              <p:cNvPr id="12" name="Picture 11">
+                <a:extLst>
+                  <a:ext uri="{FF2B5EF4-FFF2-40B4-BE49-F238E27FC236}">
+                    <a16:creationId xmlns:a16="http://schemas.microsoft.com/office/drawing/2014/main" id="{144E0353-6093-45E3-A466-7C2D41F33FF6}"/>
+                  </a:ext>
+                </a:extLst>
+              </p:cNvPr>
+              <p:cNvPicPr>
+                <a:picLocks noChangeAspect="1"/>
+              </p:cNvPicPr>
+              <p:nvPr/>
+            </p:nvPicPr>
+            <p:blipFill rotWithShape="1">
+              <a:blip r:embed="rId6"/>
+              <a:srcRect b="37334"/>
+              <a:stretch/>
+            </p:blipFill>
+            <p:spPr>
+              <a:xfrm>
+                <a:off x="7885513" y="835814"/>
+                <a:ext cx="2485270" cy="496732"/>
+              </a:xfrm>
+              <a:prstGeom prst="rect">
+                <a:avLst/>
+              </a:prstGeom>
+            </p:spPr>
+          </p:pic>
+          <p:pic>
+            <p:nvPicPr>
+              <p:cNvPr id="14" name="Picture 13">
+                <a:extLst>
+                  <a:ext uri="{FF2B5EF4-FFF2-40B4-BE49-F238E27FC236}">
+                    <a16:creationId xmlns:a16="http://schemas.microsoft.com/office/drawing/2014/main" id="{DF62C69E-791A-4C03-BF21-59AA37F878AA}"/>
+                  </a:ext>
+                </a:extLst>
+              </p:cNvPr>
+              <p:cNvPicPr>
+                <a:picLocks noChangeAspect="1"/>
+              </p:cNvPicPr>
+              <p:nvPr/>
+            </p:nvPicPr>
+            <p:blipFill>
+              <a:blip r:embed="rId7"/>
+              <a:stretch>
+                <a:fillRect/>
+              </a:stretch>
+            </p:blipFill>
+            <p:spPr>
+              <a:xfrm>
+                <a:off x="8346781" y="201509"/>
+                <a:ext cx="1181265" cy="714475"/>
+              </a:xfrm>
+              <a:prstGeom prst="rect">
+                <a:avLst/>
+              </a:prstGeom>
+            </p:spPr>
+          </p:pic>
+        </p:grpSp>
+        <p:sp>
+          <p:nvSpPr>
+            <p:cNvPr id="20" name="Arrow: Curved Up 19">
+              <a:extLst>
+                <a:ext uri="{FF2B5EF4-FFF2-40B4-BE49-F238E27FC236}">
+                  <a16:creationId xmlns:a16="http://schemas.microsoft.com/office/drawing/2014/main" id="{D43A94BD-7B7A-4556-84A7-E0DB404E92A2}"/>
+                </a:ext>
+              </a:extLst>
+            </p:cNvPr>
+            <p:cNvSpPr/>
+            <p:nvPr/>
+          </p:nvSpPr>
+          <p:spPr>
+            <a:xfrm rot="10800000" flipH="1">
+              <a:off x="6797221" y="348129"/>
+              <a:ext cx="1397021" cy="316831"/>
+            </a:xfrm>
+            <a:prstGeom prst="curvedUpArrow">
+              <a:avLst/>
+            </a:prstGeom>
+          </p:spPr>
+          <p:style>
+            <a:lnRef idx="2">
+              <a:schemeClr val="accent1">
+                <a:shade val="50000"/>
+              </a:schemeClr>
+            </a:lnRef>
+            <a:fillRef idx="1">
+              <a:schemeClr val="accent1"/>
+            </a:fillRef>
+            <a:effectRef idx="0">
+              <a:schemeClr val="accent1"/>
+            </a:effectRef>
+            <a:fontRef idx="minor">
+              <a:schemeClr val="lt1"/>
+            </a:fontRef>
+          </p:style>
+          <p:txBody>
+            <a:bodyPr rtlCol="0" anchor="ctr"/>
+            <a:lstStyle/>
+            <a:p>
+              <a:pPr algn="ctr"/>
+              <a:endParaRPr lang="en-US">
+                <a:solidFill>
+                  <a:schemeClr val="tx1"/>
+                </a:solidFill>
+              </a:endParaRPr>
+            </a:p>
+          </p:txBody>
+        </p:sp>
+        <p:sp>
+          <p:nvSpPr>
+            <p:cNvPr id="21" name="Arrow: Curved Up 20">
+              <a:extLst>
+                <a:ext uri="{FF2B5EF4-FFF2-40B4-BE49-F238E27FC236}">
+                  <a16:creationId xmlns:a16="http://schemas.microsoft.com/office/drawing/2014/main" id="{514A3664-7C21-4D2E-A52E-08854234A79F}"/>
+                </a:ext>
+              </a:extLst>
+            </p:cNvPr>
+            <p:cNvSpPr/>
+            <p:nvPr/>
+          </p:nvSpPr>
+          <p:spPr>
+            <a:xfrm rot="10800000" flipH="1">
+              <a:off x="8735538" y="348129"/>
+              <a:ext cx="1397021" cy="316831"/>
+            </a:xfrm>
+            <a:prstGeom prst="curvedUpArrow">
+              <a:avLst/>
+            </a:prstGeom>
+          </p:spPr>
+          <p:style>
+            <a:lnRef idx="2">
+              <a:schemeClr val="accent1">
+                <a:shade val="50000"/>
+              </a:schemeClr>
+            </a:lnRef>
+            <a:fillRef idx="1">
+              <a:schemeClr val="accent1"/>
+            </a:fillRef>
+            <a:effectRef idx="0">
+              <a:schemeClr val="accent1"/>
+            </a:effectRef>
+            <a:fontRef idx="minor">
+              <a:schemeClr val="lt1"/>
+            </a:fontRef>
+          </p:style>
+          <p:txBody>
+            <a:bodyPr rtlCol="0" anchor="ctr"/>
+            <a:lstStyle/>
+            <a:p>
+              <a:pPr algn="ctr"/>
+              <a:endParaRPr lang="en-US">
+                <a:solidFill>
+                  <a:schemeClr val="tx1"/>
+                </a:solidFill>
+              </a:endParaRPr>
+            </a:p>
+          </p:txBody>
+        </p:sp>
+        <p:sp>
+          <p:nvSpPr>
+            <p:cNvPr id="22" name="Arrow: Curved Up 21">
+              <a:extLst>
+                <a:ext uri="{FF2B5EF4-FFF2-40B4-BE49-F238E27FC236}">
+                  <a16:creationId xmlns:a16="http://schemas.microsoft.com/office/drawing/2014/main" id="{1BB410D9-DB1A-4B49-88F1-DBC2426AA776}"/>
+                </a:ext>
+              </a:extLst>
+            </p:cNvPr>
+            <p:cNvSpPr/>
+            <p:nvPr/>
+          </p:nvSpPr>
+          <p:spPr>
+            <a:xfrm flipH="1">
+              <a:off x="8735537" y="1530193"/>
+              <a:ext cx="1397021" cy="316831"/>
+            </a:xfrm>
+            <a:prstGeom prst="curvedUpArrow">
+              <a:avLst/>
+            </a:prstGeom>
+          </p:spPr>
+          <p:style>
+            <a:lnRef idx="2">
+              <a:schemeClr val="accent4">
+                <a:shade val="50000"/>
+              </a:schemeClr>
+            </a:lnRef>
+            <a:fillRef idx="1">
+              <a:schemeClr val="accent4"/>
+            </a:fillRef>
+            <a:effectRef idx="0">
+              <a:schemeClr val="accent4"/>
+            </a:effectRef>
+            <a:fontRef idx="minor">
+              <a:schemeClr val="lt1"/>
+            </a:fontRef>
+          </p:style>
+          <p:txBody>
+            <a:bodyPr rtlCol="0" anchor="ctr"/>
+            <a:lstStyle/>
+            <a:p>
+              <a:pPr algn="ctr"/>
+              <a:endParaRPr lang="en-US">
+                <a:solidFill>
+                  <a:schemeClr val="tx1"/>
+                </a:solidFill>
+              </a:endParaRPr>
+            </a:p>
+          </p:txBody>
+        </p:sp>
+        <p:sp>
+          <p:nvSpPr>
+            <p:cNvPr id="23" name="Arrow: Curved Up 22">
+              <a:extLst>
+                <a:ext uri="{FF2B5EF4-FFF2-40B4-BE49-F238E27FC236}">
+                  <a16:creationId xmlns:a16="http://schemas.microsoft.com/office/drawing/2014/main" id="{FC6CC95B-560B-4498-A943-E35A161D64D8}"/>
+                </a:ext>
+              </a:extLst>
+            </p:cNvPr>
+            <p:cNvSpPr/>
+            <p:nvPr/>
+          </p:nvSpPr>
+          <p:spPr>
+            <a:xfrm flipH="1">
+              <a:off x="6700527" y="1572761"/>
+              <a:ext cx="1397021" cy="316831"/>
+            </a:xfrm>
+            <a:prstGeom prst="curvedUpArrow">
+              <a:avLst/>
+            </a:prstGeom>
+          </p:spPr>
+          <p:style>
+            <a:lnRef idx="2">
+              <a:schemeClr val="accent4">
+                <a:shade val="50000"/>
+              </a:schemeClr>
+            </a:lnRef>
+            <a:fillRef idx="1">
+              <a:schemeClr val="accent4"/>
+            </a:fillRef>
+            <a:effectRef idx="0">
+              <a:schemeClr val="accent4"/>
+            </a:effectRef>
+            <a:fontRef idx="minor">
+              <a:schemeClr val="lt1"/>
+            </a:fontRef>
+          </p:style>
+          <p:txBody>
+            <a:bodyPr rtlCol="0" anchor="ctr"/>
+            <a:lstStyle/>
+            <a:p>
+              <a:pPr algn="ctr"/>
+              <a:endParaRPr lang="en-US">
+                <a:solidFill>
+                  <a:schemeClr val="tx1"/>
+                </a:solidFill>
+              </a:endParaRPr>
+            </a:p>
+          </p:txBody>
+        </p:sp>
+      </p:grpSp>
+    </p:spTree>
+    <p:extLst>
+      <p:ext uri="{BB962C8B-B14F-4D97-AF65-F5344CB8AC3E}">
+        <p14:creationId xmlns:p14="http://schemas.microsoft.com/office/powerpoint/2010/main" val="1325452619"/>
+      </p:ext>
+    </p:extLst>
+  </p:cSld>
+  <p:clrMapOvr>
+    <a:masterClrMapping/>
+  </p:clrMapOvr>
+</p:sld>
+</file>
+
+<file path=ppt/slides/slide12.xml><?xml version="1.0" encoding="utf-8"?>
+<p:sld xmlns:a="http://schemas.openxmlformats.org/drawingml/2006/main" xmlns:r="http://schemas.openxmlformats.org/officeDocument/2006/relationships" xmlns:p="http://schemas.openxmlformats.org/presentationml/2006/main">
+  <p:cSld>
+    <p:spTree>
+      <p:nvGrpSpPr>
+        <p:cNvPr id="1" name=""/>
+        <p:cNvGrpSpPr/>
+        <p:nvPr/>
+      </p:nvGrpSpPr>
+      <p:grpSpPr>
+        <a:xfrm>
+          <a:off x="0" y="0"/>
+          <a:ext cx="0" cy="0"/>
+          <a:chOff x="0" y="0"/>
+          <a:chExt cx="0" cy="0"/>
+        </a:xfrm>
+      </p:grpSpPr>
+      <p:cxnSp>
+        <p:nvCxnSpPr>
+          <p:cNvPr id="5" name="Straight Connector 4">
+            <a:extLst>
+              <a:ext uri="{FF2B5EF4-FFF2-40B4-BE49-F238E27FC236}">
+                <a16:creationId xmlns:a16="http://schemas.microsoft.com/office/drawing/2014/main" id="{28D319FE-2D81-4F8F-B63F-F93BFDB0F0ED}"/>
+              </a:ext>
+            </a:extLst>
+          </p:cNvPr>
+          <p:cNvCxnSpPr/>
+          <p:nvPr/>
+        </p:nvCxnSpPr>
+        <p:spPr>
+          <a:xfrm flipV="1">
+            <a:off x="2226733" y="2760133"/>
+            <a:ext cx="1329267" cy="1413934"/>
+          </a:xfrm>
+          <a:prstGeom prst="line">
+            <a:avLst/>
+          </a:prstGeom>
+        </p:spPr>
+        <p:style>
+          <a:lnRef idx="1">
+            <a:schemeClr val="accent1"/>
+          </a:lnRef>
+          <a:fillRef idx="0">
+            <a:schemeClr val="accent1"/>
+          </a:fillRef>
+          <a:effectRef idx="0">
+            <a:schemeClr val="accent1"/>
+          </a:effectRef>
+          <a:fontRef idx="minor">
+            <a:schemeClr val="tx1"/>
+          </a:fontRef>
+        </p:style>
+      </p:cxnSp>
+      <p:cxnSp>
+        <p:nvCxnSpPr>
+          <p:cNvPr id="6" name="Straight Connector 5">
+            <a:extLst>
+              <a:ext uri="{FF2B5EF4-FFF2-40B4-BE49-F238E27FC236}">
+                <a16:creationId xmlns:a16="http://schemas.microsoft.com/office/drawing/2014/main" id="{2DC41A8C-3068-41C8-B463-849A8D850147}"/>
+              </a:ext>
+            </a:extLst>
+          </p:cNvPr>
+          <p:cNvCxnSpPr>
+            <a:cxnSpLocks/>
+          </p:cNvCxnSpPr>
+          <p:nvPr/>
+        </p:nvCxnSpPr>
+        <p:spPr>
+          <a:xfrm flipH="1" flipV="1">
+            <a:off x="3556000" y="2760133"/>
+            <a:ext cx="2192868" cy="990600"/>
+          </a:xfrm>
+          <a:prstGeom prst="line">
+            <a:avLst/>
+          </a:prstGeom>
+        </p:spPr>
+        <p:style>
+          <a:lnRef idx="1">
+            <a:schemeClr val="accent1"/>
+          </a:lnRef>
+          <a:fillRef idx="0">
+            <a:schemeClr val="accent1"/>
+          </a:fillRef>
+          <a:effectRef idx="0">
+            <a:schemeClr val="accent1"/>
+          </a:effectRef>
+          <a:fontRef idx="minor">
+            <a:schemeClr val="tx1"/>
+          </a:fontRef>
+        </p:style>
+      </p:cxnSp>
+      <p:cxnSp>
+        <p:nvCxnSpPr>
+          <p:cNvPr id="10" name="Straight Connector 9">
+            <a:extLst>
+              <a:ext uri="{FF2B5EF4-FFF2-40B4-BE49-F238E27FC236}">
+                <a16:creationId xmlns:a16="http://schemas.microsoft.com/office/drawing/2014/main" id="{81E2CC63-1C3D-4EC0-A28F-23E8943B8264}"/>
+              </a:ext>
+            </a:extLst>
+          </p:cNvPr>
+          <p:cNvCxnSpPr>
+            <a:cxnSpLocks/>
+            <a:endCxn id="22" idx="7"/>
+          </p:cNvCxnSpPr>
+          <p:nvPr/>
+        </p:nvCxnSpPr>
+        <p:spPr>
+          <a:xfrm flipH="1">
+            <a:off x="3673970" y="3750733"/>
+            <a:ext cx="2074900" cy="888591"/>
+          </a:xfrm>
+          <a:prstGeom prst="line">
+            <a:avLst/>
+          </a:prstGeom>
+        </p:spPr>
+        <p:style>
+          <a:lnRef idx="1">
+            <a:schemeClr val="accent1"/>
+          </a:lnRef>
+          <a:fillRef idx="0">
+            <a:schemeClr val="accent1"/>
+          </a:fillRef>
+          <a:effectRef idx="0">
+            <a:schemeClr val="accent1"/>
+          </a:effectRef>
+          <a:fontRef idx="minor">
+            <a:schemeClr val="tx1"/>
+          </a:fontRef>
+        </p:style>
+      </p:cxnSp>
+      <p:cxnSp>
+        <p:nvCxnSpPr>
+          <p:cNvPr id="11" name="Straight Connector 10">
+            <a:extLst>
+              <a:ext uri="{FF2B5EF4-FFF2-40B4-BE49-F238E27FC236}">
+                <a16:creationId xmlns:a16="http://schemas.microsoft.com/office/drawing/2014/main" id="{113EC09F-608E-43CA-AFEC-939AC3064F52}"/>
+              </a:ext>
+            </a:extLst>
+          </p:cNvPr>
+          <p:cNvCxnSpPr>
+            <a:cxnSpLocks/>
+          </p:cNvCxnSpPr>
+          <p:nvPr/>
+        </p:nvCxnSpPr>
+        <p:spPr>
+          <a:xfrm>
+            <a:off x="2226733" y="4174067"/>
+            <a:ext cx="1380067" cy="478350"/>
+          </a:xfrm>
+          <a:prstGeom prst="line">
+            <a:avLst/>
+          </a:prstGeom>
+        </p:spPr>
+        <p:style>
+          <a:lnRef idx="1">
+            <a:schemeClr val="accent1"/>
+          </a:lnRef>
+          <a:fillRef idx="0">
+            <a:schemeClr val="accent1"/>
+          </a:fillRef>
+          <a:effectRef idx="0">
+            <a:schemeClr val="accent1"/>
+          </a:effectRef>
+          <a:fontRef idx="minor">
+            <a:schemeClr val="tx1"/>
+          </a:fontRef>
+        </p:style>
+      </p:cxnSp>
+      <p:sp>
+        <p:nvSpPr>
+          <p:cNvPr id="14" name="TextBox 13">
+            <a:extLst>
+              <a:ext uri="{FF2B5EF4-FFF2-40B4-BE49-F238E27FC236}">
+                <a16:creationId xmlns:a16="http://schemas.microsoft.com/office/drawing/2014/main" id="{B1345638-D8EA-4FF5-A60A-FA6AD5FD9CEC}"/>
+              </a:ext>
+            </a:extLst>
+          </p:cNvPr>
+          <p:cNvSpPr txBox="1"/>
+          <p:nvPr/>
+        </p:nvSpPr>
+        <p:spPr>
+          <a:xfrm>
+            <a:off x="1786466" y="3989401"/>
+            <a:ext cx="880533" cy="369332"/>
+          </a:xfrm>
+          <a:prstGeom prst="rect">
+            <a:avLst/>
+          </a:prstGeom>
+          <a:noFill/>
+        </p:spPr>
+        <p:txBody>
+          <a:bodyPr wrap="square" rtlCol="0">
+            <a:spAutoFit/>
+          </a:bodyPr>
+          <a:lstStyle/>
+          <a:p>
+            <a:r>
+              <a:rPr lang="en-US" dirty="0"/>
+              <a:t>v1</a:t>
+            </a:r>
+          </a:p>
+        </p:txBody>
+      </p:sp>
+      <p:sp>
+        <p:nvSpPr>
+          <p:cNvPr id="15" name="TextBox 14">
+            <a:extLst>
+              <a:ext uri="{FF2B5EF4-FFF2-40B4-BE49-F238E27FC236}">
+                <a16:creationId xmlns:a16="http://schemas.microsoft.com/office/drawing/2014/main" id="{BF623275-243B-432C-BD6B-453E6BB2D36F}"/>
+              </a:ext>
+            </a:extLst>
+          </p:cNvPr>
+          <p:cNvSpPr txBox="1"/>
+          <p:nvPr/>
+        </p:nvSpPr>
+        <p:spPr>
+          <a:xfrm>
+            <a:off x="3348567" y="2400868"/>
+            <a:ext cx="880533" cy="369332"/>
+          </a:xfrm>
+          <a:prstGeom prst="rect">
+            <a:avLst/>
+          </a:prstGeom>
+          <a:noFill/>
+        </p:spPr>
+        <p:txBody>
+          <a:bodyPr wrap="square" rtlCol="0">
+            <a:spAutoFit/>
+          </a:bodyPr>
+          <a:lstStyle/>
+          <a:p>
+            <a:r>
+              <a:rPr lang="en-US" dirty="0"/>
+              <a:t>v2</a:t>
+            </a:r>
+          </a:p>
+        </p:txBody>
+      </p:sp>
+      <p:sp>
+        <p:nvSpPr>
+          <p:cNvPr id="16" name="TextBox 15">
+            <a:extLst>
+              <a:ext uri="{FF2B5EF4-FFF2-40B4-BE49-F238E27FC236}">
+                <a16:creationId xmlns:a16="http://schemas.microsoft.com/office/drawing/2014/main" id="{9E81860E-7E5F-416F-8446-05B3648EDF0F}"/>
+              </a:ext>
+            </a:extLst>
+          </p:cNvPr>
+          <p:cNvSpPr txBox="1"/>
+          <p:nvPr/>
+        </p:nvSpPr>
+        <p:spPr>
+          <a:xfrm>
+            <a:off x="5748868" y="3467100"/>
+            <a:ext cx="880533" cy="369332"/>
+          </a:xfrm>
+          <a:prstGeom prst="rect">
+            <a:avLst/>
+          </a:prstGeom>
+          <a:noFill/>
+        </p:spPr>
+        <p:txBody>
+          <a:bodyPr wrap="square" rtlCol="0">
+            <a:spAutoFit/>
+          </a:bodyPr>
+          <a:lstStyle/>
+          <a:p>
+            <a:r>
+              <a:rPr lang="en-US" dirty="0"/>
+              <a:t>v3</a:t>
+            </a:r>
+          </a:p>
+        </p:txBody>
+      </p:sp>
+      <p:sp>
+        <p:nvSpPr>
+          <p:cNvPr id="17" name="TextBox 16">
+            <a:extLst>
+              <a:ext uri="{FF2B5EF4-FFF2-40B4-BE49-F238E27FC236}">
+                <a16:creationId xmlns:a16="http://schemas.microsoft.com/office/drawing/2014/main" id="{B3E4CB3B-3E28-43E9-A38E-D4B624C2C3F0}"/>
+              </a:ext>
+            </a:extLst>
+          </p:cNvPr>
+          <p:cNvSpPr txBox="1"/>
+          <p:nvPr/>
+        </p:nvSpPr>
+        <p:spPr>
+          <a:xfrm>
+            <a:off x="3454029" y="4708743"/>
+            <a:ext cx="880533" cy="369332"/>
+          </a:xfrm>
+          <a:prstGeom prst="rect">
+            <a:avLst/>
+          </a:prstGeom>
+          <a:noFill/>
+        </p:spPr>
+        <p:txBody>
+          <a:bodyPr wrap="square" rtlCol="0">
+            <a:spAutoFit/>
+          </a:bodyPr>
+          <a:lstStyle/>
+          <a:p>
+            <a:r>
+              <a:rPr lang="en-US" dirty="0"/>
+              <a:t>v4</a:t>
+            </a:r>
+          </a:p>
+        </p:txBody>
+      </p:sp>
+      <p:sp>
+        <p:nvSpPr>
+          <p:cNvPr id="18" name="TextBox 17">
+            <a:extLst>
+              <a:ext uri="{FF2B5EF4-FFF2-40B4-BE49-F238E27FC236}">
+                <a16:creationId xmlns:a16="http://schemas.microsoft.com/office/drawing/2014/main" id="{F5EAF334-6768-46DF-9694-168244E33AB5}"/>
+              </a:ext>
+            </a:extLst>
+          </p:cNvPr>
+          <p:cNvSpPr txBox="1"/>
+          <p:nvPr/>
+        </p:nvSpPr>
+        <p:spPr>
+          <a:xfrm>
+            <a:off x="1556859" y="1621334"/>
+            <a:ext cx="5916830" cy="646331"/>
+          </a:xfrm>
+          <a:prstGeom prst="rect">
+            <a:avLst/>
+          </a:prstGeom>
+          <a:noFill/>
+        </p:spPr>
+        <p:txBody>
+          <a:bodyPr wrap="square" rtlCol="0">
+            <a:spAutoFit/>
+          </a:bodyPr>
+          <a:lstStyle/>
+          <a:p>
+            <a:r>
+              <a:rPr lang="en-US" dirty="0"/>
+              <a:t>Vertices = [[x1, y1, z1], [x2, y2, z2], [x3, y3, z3], [x4, y4, z4]]</a:t>
+            </a:r>
+          </a:p>
+          <a:p>
+            <a:r>
+              <a:rPr lang="en-US" dirty="0"/>
+              <a:t>Segments = [[</a:t>
+            </a:r>
+            <a:r>
+              <a:rPr lang="en-US" dirty="0">
+                <a:solidFill>
+                  <a:srgbClr val="FF0000"/>
+                </a:solidFill>
+              </a:rPr>
+              <a:t>0,1</a:t>
+            </a:r>
+            <a:r>
+              <a:rPr lang="en-US" dirty="0"/>
+              <a:t>], [</a:t>
+            </a:r>
+            <a:r>
+              <a:rPr lang="en-US" dirty="0">
+                <a:solidFill>
+                  <a:srgbClr val="FF0000"/>
+                </a:solidFill>
+              </a:rPr>
+              <a:t>1,2</a:t>
+            </a:r>
+            <a:r>
+              <a:rPr lang="en-US" dirty="0"/>
+              <a:t>], [</a:t>
+            </a:r>
+            <a:r>
+              <a:rPr lang="en-US" dirty="0">
+                <a:solidFill>
+                  <a:srgbClr val="FF0000"/>
+                </a:solidFill>
+              </a:rPr>
+              <a:t>2,3</a:t>
+            </a:r>
+            <a:r>
+              <a:rPr lang="en-US" dirty="0"/>
+              <a:t>], [</a:t>
+            </a:r>
+            <a:r>
+              <a:rPr lang="en-US" dirty="0">
+                <a:solidFill>
+                  <a:srgbClr val="FF0000"/>
+                </a:solidFill>
+              </a:rPr>
+              <a:t>3,0</a:t>
+            </a:r>
+            <a:r>
+              <a:rPr lang="en-US" dirty="0"/>
+              <a:t>]]</a:t>
+            </a:r>
+          </a:p>
+        </p:txBody>
+      </p:sp>
+      <p:sp>
+        <p:nvSpPr>
+          <p:cNvPr id="19" name="Oval 18">
+            <a:extLst>
+              <a:ext uri="{FF2B5EF4-FFF2-40B4-BE49-F238E27FC236}">
+                <a16:creationId xmlns:a16="http://schemas.microsoft.com/office/drawing/2014/main" id="{558959FA-0E5A-422A-A514-F6C315A81E62}"/>
+              </a:ext>
+            </a:extLst>
+          </p:cNvPr>
+          <p:cNvSpPr/>
+          <p:nvPr/>
+        </p:nvSpPr>
+        <p:spPr>
+          <a:xfrm>
+            <a:off x="2188632" y="4121836"/>
+            <a:ext cx="110068" cy="102231"/>
+          </a:xfrm>
+          <a:prstGeom prst="ellipse">
+            <a:avLst/>
+          </a:prstGeom>
+        </p:spPr>
+        <p:style>
+          <a:lnRef idx="2">
+            <a:schemeClr val="accent1">
+              <a:shade val="50000"/>
+            </a:schemeClr>
+          </a:lnRef>
+          <a:fillRef idx="1">
+            <a:schemeClr val="accent1"/>
+          </a:fillRef>
+          <a:effectRef idx="0">
+            <a:schemeClr val="accent1"/>
+          </a:effectRef>
+          <a:fontRef idx="minor">
+            <a:schemeClr val="lt1"/>
+          </a:fontRef>
+        </p:style>
+        <p:txBody>
+          <a:bodyPr rtlCol="0" anchor="ctr"/>
+          <a:lstStyle/>
+          <a:p>
+            <a:pPr algn="ctr"/>
+            <a:endParaRPr lang="en-US"/>
+          </a:p>
+        </p:txBody>
+      </p:sp>
+      <p:sp>
+        <p:nvSpPr>
+          <p:cNvPr id="20" name="Oval 19">
+            <a:extLst>
+              <a:ext uri="{FF2B5EF4-FFF2-40B4-BE49-F238E27FC236}">
+                <a16:creationId xmlns:a16="http://schemas.microsoft.com/office/drawing/2014/main" id="{793CAB20-56D2-4E2A-B5AE-0CA44509F57B}"/>
+              </a:ext>
+            </a:extLst>
+          </p:cNvPr>
+          <p:cNvSpPr/>
+          <p:nvPr/>
+        </p:nvSpPr>
+        <p:spPr>
+          <a:xfrm>
+            <a:off x="3496732" y="2710133"/>
+            <a:ext cx="110068" cy="102231"/>
+          </a:xfrm>
+          <a:prstGeom prst="ellipse">
+            <a:avLst/>
+          </a:prstGeom>
+        </p:spPr>
+        <p:style>
+          <a:lnRef idx="2">
+            <a:schemeClr val="accent1">
+              <a:shade val="50000"/>
+            </a:schemeClr>
+          </a:lnRef>
+          <a:fillRef idx="1">
+            <a:schemeClr val="accent1"/>
+          </a:fillRef>
+          <a:effectRef idx="0">
+            <a:schemeClr val="accent1"/>
+          </a:effectRef>
+          <a:fontRef idx="minor">
+            <a:schemeClr val="lt1"/>
+          </a:fontRef>
+        </p:style>
+        <p:txBody>
+          <a:bodyPr rtlCol="0" anchor="ctr"/>
+          <a:lstStyle/>
+          <a:p>
+            <a:pPr algn="ctr"/>
+            <a:endParaRPr lang="en-US"/>
+          </a:p>
+        </p:txBody>
+      </p:sp>
+      <p:sp>
+        <p:nvSpPr>
+          <p:cNvPr id="21" name="Oval 20">
+            <a:extLst>
+              <a:ext uri="{FF2B5EF4-FFF2-40B4-BE49-F238E27FC236}">
+                <a16:creationId xmlns:a16="http://schemas.microsoft.com/office/drawing/2014/main" id="{90A6200B-727D-4FC0-9339-8F620E6EF05C}"/>
+              </a:ext>
+            </a:extLst>
+          </p:cNvPr>
+          <p:cNvSpPr/>
+          <p:nvPr/>
+        </p:nvSpPr>
+        <p:spPr>
+          <a:xfrm>
+            <a:off x="5647268" y="3699617"/>
+            <a:ext cx="110068" cy="102231"/>
+          </a:xfrm>
+          <a:prstGeom prst="ellipse">
+            <a:avLst/>
+          </a:prstGeom>
+        </p:spPr>
+        <p:style>
+          <a:lnRef idx="2">
+            <a:schemeClr val="accent1">
+              <a:shade val="50000"/>
+            </a:schemeClr>
+          </a:lnRef>
+          <a:fillRef idx="1">
+            <a:schemeClr val="accent1"/>
+          </a:fillRef>
+          <a:effectRef idx="0">
+            <a:schemeClr val="accent1"/>
+          </a:effectRef>
+          <a:fontRef idx="minor">
+            <a:schemeClr val="lt1"/>
+          </a:fontRef>
+        </p:style>
+        <p:txBody>
+          <a:bodyPr rtlCol="0" anchor="ctr"/>
+          <a:lstStyle/>
+          <a:p>
+            <a:pPr algn="ctr"/>
+            <a:endParaRPr lang="en-US"/>
+          </a:p>
+        </p:txBody>
+      </p:sp>
+      <p:sp>
+        <p:nvSpPr>
+          <p:cNvPr id="22" name="Oval 21">
+            <a:extLst>
+              <a:ext uri="{FF2B5EF4-FFF2-40B4-BE49-F238E27FC236}">
+                <a16:creationId xmlns:a16="http://schemas.microsoft.com/office/drawing/2014/main" id="{2FFECD4A-8089-47A4-8538-919FBCDCDCC2}"/>
+              </a:ext>
+            </a:extLst>
+          </p:cNvPr>
+          <p:cNvSpPr/>
+          <p:nvPr/>
+        </p:nvSpPr>
+        <p:spPr>
+          <a:xfrm>
+            <a:off x="3580021" y="4624353"/>
+            <a:ext cx="110068" cy="102231"/>
+          </a:xfrm>
+          <a:prstGeom prst="ellipse">
+            <a:avLst/>
+          </a:prstGeom>
+        </p:spPr>
+        <p:style>
+          <a:lnRef idx="2">
+            <a:schemeClr val="accent1">
+              <a:shade val="50000"/>
+            </a:schemeClr>
+          </a:lnRef>
+          <a:fillRef idx="1">
+            <a:schemeClr val="accent1"/>
+          </a:fillRef>
+          <a:effectRef idx="0">
+            <a:schemeClr val="accent1"/>
+          </a:effectRef>
+          <a:fontRef idx="minor">
+            <a:schemeClr val="lt1"/>
+          </a:fontRef>
+        </p:style>
+        <p:txBody>
+          <a:bodyPr rtlCol="0" anchor="ctr"/>
+          <a:lstStyle/>
+          <a:p>
+            <a:pPr algn="ctr"/>
+            <a:endParaRPr lang="en-US"/>
+          </a:p>
+        </p:txBody>
+      </p:sp>
+      <p:sp>
+        <p:nvSpPr>
+          <p:cNvPr id="24" name="TextBox 23">
+            <a:extLst>
+              <a:ext uri="{FF2B5EF4-FFF2-40B4-BE49-F238E27FC236}">
+                <a16:creationId xmlns:a16="http://schemas.microsoft.com/office/drawing/2014/main" id="{0AE712C3-4BD6-4B04-AADA-7BCDDF99F4FA}"/>
+              </a:ext>
+            </a:extLst>
+          </p:cNvPr>
+          <p:cNvSpPr txBox="1"/>
+          <p:nvPr/>
+        </p:nvSpPr>
+        <p:spPr>
+          <a:xfrm>
+            <a:off x="2359662" y="3962995"/>
+            <a:ext cx="473393" cy="369332"/>
+          </a:xfrm>
+          <a:prstGeom prst="rect">
+            <a:avLst/>
+          </a:prstGeom>
+          <a:noFill/>
+        </p:spPr>
+        <p:txBody>
+          <a:bodyPr wrap="square">
+            <a:spAutoFit/>
+          </a:bodyPr>
+          <a:lstStyle/>
+          <a:p>
+            <a:r>
+              <a:rPr lang="en-US" dirty="0">
+                <a:solidFill>
+                  <a:srgbClr val="FF0000"/>
+                </a:solidFill>
+              </a:rPr>
+              <a:t>0</a:t>
+            </a:r>
+          </a:p>
+        </p:txBody>
+      </p:sp>
+      <p:sp>
+        <p:nvSpPr>
+          <p:cNvPr id="25" name="TextBox 24">
+            <a:extLst>
+              <a:ext uri="{FF2B5EF4-FFF2-40B4-BE49-F238E27FC236}">
+                <a16:creationId xmlns:a16="http://schemas.microsoft.com/office/drawing/2014/main" id="{7E8228D7-892D-4E7D-B4CB-C9B7766BC535}"/>
+              </a:ext>
+            </a:extLst>
+          </p:cNvPr>
+          <p:cNvSpPr txBox="1"/>
+          <p:nvPr/>
+        </p:nvSpPr>
+        <p:spPr>
+          <a:xfrm>
+            <a:off x="3420903" y="2825216"/>
+            <a:ext cx="473393" cy="369332"/>
+          </a:xfrm>
+          <a:prstGeom prst="rect">
+            <a:avLst/>
+          </a:prstGeom>
+          <a:noFill/>
+        </p:spPr>
+        <p:txBody>
+          <a:bodyPr wrap="square">
+            <a:spAutoFit/>
+          </a:bodyPr>
+          <a:lstStyle/>
+          <a:p>
+            <a:r>
+              <a:rPr lang="en-US" dirty="0">
+                <a:solidFill>
+                  <a:srgbClr val="FF0000"/>
+                </a:solidFill>
+              </a:rPr>
+              <a:t>1</a:t>
+            </a:r>
+          </a:p>
+        </p:txBody>
+      </p:sp>
+      <p:sp>
+        <p:nvSpPr>
+          <p:cNvPr id="26" name="TextBox 25">
+            <a:extLst>
+              <a:ext uri="{FF2B5EF4-FFF2-40B4-BE49-F238E27FC236}">
+                <a16:creationId xmlns:a16="http://schemas.microsoft.com/office/drawing/2014/main" id="{6104DA58-5DAE-45D7-BD2A-10932C436448}"/>
+              </a:ext>
+            </a:extLst>
+          </p:cNvPr>
+          <p:cNvSpPr txBox="1"/>
+          <p:nvPr/>
+        </p:nvSpPr>
+        <p:spPr>
+          <a:xfrm>
+            <a:off x="5275475" y="3562635"/>
+            <a:ext cx="473393" cy="369332"/>
+          </a:xfrm>
+          <a:prstGeom prst="rect">
+            <a:avLst/>
+          </a:prstGeom>
+          <a:noFill/>
+        </p:spPr>
+        <p:txBody>
+          <a:bodyPr wrap="square">
+            <a:spAutoFit/>
+          </a:bodyPr>
+          <a:lstStyle/>
+          <a:p>
+            <a:r>
+              <a:rPr lang="en-US" dirty="0">
+                <a:solidFill>
+                  <a:srgbClr val="FF0000"/>
+                </a:solidFill>
+              </a:rPr>
+              <a:t>2</a:t>
+            </a:r>
+          </a:p>
+        </p:txBody>
+      </p:sp>
+      <p:sp>
+        <p:nvSpPr>
+          <p:cNvPr id="27" name="TextBox 26">
+            <a:extLst>
+              <a:ext uri="{FF2B5EF4-FFF2-40B4-BE49-F238E27FC236}">
+                <a16:creationId xmlns:a16="http://schemas.microsoft.com/office/drawing/2014/main" id="{FF44792C-A2B5-4DBC-A539-387BAF32D405}"/>
+              </a:ext>
+            </a:extLst>
+          </p:cNvPr>
+          <p:cNvSpPr txBox="1"/>
+          <p:nvPr/>
+        </p:nvSpPr>
+        <p:spPr>
+          <a:xfrm>
+            <a:off x="3481386" y="4283085"/>
+            <a:ext cx="473393" cy="369332"/>
+          </a:xfrm>
+          <a:prstGeom prst="rect">
+            <a:avLst/>
+          </a:prstGeom>
+          <a:noFill/>
+        </p:spPr>
+        <p:txBody>
+          <a:bodyPr wrap="square">
+            <a:spAutoFit/>
+          </a:bodyPr>
+          <a:lstStyle/>
+          <a:p>
+            <a:r>
+              <a:rPr lang="en-US" dirty="0">
+                <a:solidFill>
+                  <a:srgbClr val="FF0000"/>
+                </a:solidFill>
+              </a:rPr>
+              <a:t>3</a:t>
+            </a:r>
+          </a:p>
+        </p:txBody>
+      </p:sp>
+    </p:spTree>
+    <p:extLst>
+      <p:ext uri="{BB962C8B-B14F-4D97-AF65-F5344CB8AC3E}">
+        <p14:creationId xmlns:p14="http://schemas.microsoft.com/office/powerpoint/2010/main" val="2238477852"/>
+      </p:ext>
+    </p:extLst>
+  </p:cSld>
+  <p:clrMapOvr>
+    <a:masterClrMapping/>
+  </p:clrMapOvr>
+</p:sld>
+</file>
+
+<file path=ppt/slides/slide13.xml><?xml version="1.0" encoding="utf-8"?>
+<p:sld xmlns:a="http://schemas.openxmlformats.org/drawingml/2006/main" xmlns:r="http://schemas.openxmlformats.org/officeDocument/2006/relationships" xmlns:p="http://schemas.openxmlformats.org/presentationml/2006/main">
+  <p:cSld>
+    <p:spTree>
+      <p:nvGrpSpPr>
+        <p:cNvPr id="1" name=""/>
+        <p:cNvGrpSpPr/>
+        <p:nvPr/>
+      </p:nvGrpSpPr>
+      <p:grpSpPr>
+        <a:xfrm>
+          <a:off x="0" y="0"/>
+          <a:ext cx="0" cy="0"/>
+          <a:chOff x="0" y="0"/>
+          <a:chExt cx="0" cy="0"/>
+        </a:xfrm>
+      </p:grpSpPr>
+      <p:pic>
+        <p:nvPicPr>
+          <p:cNvPr id="5" name="Picture 4">
+            <a:extLst>
+              <a:ext uri="{FF2B5EF4-FFF2-40B4-BE49-F238E27FC236}">
+                <a16:creationId xmlns:a16="http://schemas.microsoft.com/office/drawing/2014/main" id="{AAED7781-CC62-4C3C-8E21-2F1D3744FAC1}"/>
+              </a:ext>
+            </a:extLst>
+          </p:cNvPr>
+          <p:cNvPicPr>
+            <a:picLocks noChangeAspect="1"/>
+          </p:cNvPicPr>
+          <p:nvPr/>
+        </p:nvPicPr>
+        <p:blipFill>
+          <a:blip r:embed="rId2"/>
+          <a:stretch>
+            <a:fillRect/>
+          </a:stretch>
+        </p:blipFill>
+        <p:spPr>
+          <a:xfrm>
+            <a:off x="5523987" y="2686050"/>
+            <a:ext cx="3700766" cy="3952875"/>
+          </a:xfrm>
+          <a:prstGeom prst="rect">
+            <a:avLst/>
+          </a:prstGeom>
+        </p:spPr>
+      </p:pic>
+      <p:pic>
+        <p:nvPicPr>
+          <p:cNvPr id="7" name="Picture 6">
+            <a:extLst>
+              <a:ext uri="{FF2B5EF4-FFF2-40B4-BE49-F238E27FC236}">
+                <a16:creationId xmlns:a16="http://schemas.microsoft.com/office/drawing/2014/main" id="{3F67660E-1910-432B-BC20-2D8BBE9B1CEA}"/>
+              </a:ext>
+            </a:extLst>
+          </p:cNvPr>
+          <p:cNvPicPr>
+            <a:picLocks noChangeAspect="1"/>
+          </p:cNvPicPr>
+          <p:nvPr/>
+        </p:nvPicPr>
+        <p:blipFill>
+          <a:blip r:embed="rId3"/>
+          <a:stretch>
+            <a:fillRect/>
+          </a:stretch>
+        </p:blipFill>
+        <p:spPr>
+          <a:xfrm>
+            <a:off x="5523987" y="275889"/>
+            <a:ext cx="3677162" cy="2410161"/>
+          </a:xfrm>
+          <a:prstGeom prst="rect">
+            <a:avLst/>
+          </a:prstGeom>
+        </p:spPr>
+      </p:pic>
+    </p:spTree>
+    <p:extLst>
+      <p:ext uri="{BB962C8B-B14F-4D97-AF65-F5344CB8AC3E}">
+        <p14:creationId xmlns:p14="http://schemas.microsoft.com/office/powerpoint/2010/main" val="172856181"/>
+      </p:ext>
+    </p:extLst>
+  </p:cSld>
+  <p:clrMapOvr>
+    <a:masterClrMapping/>
+  </p:clrMapOvr>
+</p:sld>
+</file>
+
 <file path=ppt/slides/slide2.xml><?xml version="1.0" encoding="utf-8"?>
 <p:sld xmlns:a="http://schemas.openxmlformats.org/drawingml/2006/main" xmlns:r="http://schemas.openxmlformats.org/officeDocument/2006/relationships" xmlns:p="http://schemas.openxmlformats.org/presentationml/2006/main">
   <p:cSld>
@@ -20987,7 +22281,7 @@
         </p:blipFill>
         <p:spPr>
           <a:xfrm>
-            <a:off x="579899" y="268098"/>
+            <a:off x="605299" y="259631"/>
             <a:ext cx="1648055" cy="1514686"/>
           </a:xfrm>
           <a:prstGeom prst="rect">
@@ -25387,7 +26681,7 @@
             <a:pPr algn="ctr"/>
             <a:r>
               <a:rPr lang="en-US" dirty="0"/>
-              <a:t>1-1-2</a:t>
+              <a:t>2-1-1</a:t>
             </a:r>
           </a:p>
         </p:txBody>
@@ -25479,7 +26773,7 @@
             <a:pPr algn="ctr"/>
             <a:r>
               <a:rPr lang="en-US" dirty="0"/>
-              <a:t>1-1-3</a:t>
+              <a:t>3-1-1</a:t>
             </a:r>
           </a:p>
         </p:txBody>
@@ -25571,7 +26865,7 @@
             <a:pPr algn="ctr"/>
             <a:r>
               <a:rPr lang="en-US" dirty="0"/>
-              <a:t>1-1-4</a:t>
+              <a:t>4-1-1</a:t>
             </a:r>
           </a:p>
         </p:txBody>
@@ -25663,7 +26957,7 @@
             <a:pPr algn="ctr"/>
             <a:r>
               <a:rPr lang="en-US" dirty="0"/>
-              <a:t>1-1-5</a:t>
+              <a:t>5-1-1</a:t>
             </a:r>
           </a:p>
         </p:txBody>
@@ -25755,7 +27049,7 @@
             <a:pPr algn="ctr"/>
             <a:r>
               <a:rPr lang="en-US" dirty="0"/>
-              <a:t>1-2-1</a:t>
+              <a:t>6-1-1</a:t>
             </a:r>
           </a:p>
         </p:txBody>
@@ -25847,7 +27141,7 @@
             <a:pPr algn="ctr"/>
             <a:r>
               <a:rPr lang="en-US" dirty="0"/>
-              <a:t>1-2-2</a:t>
+              <a:t>1-2-1</a:t>
             </a:r>
           </a:p>
         </p:txBody>
@@ -25939,7 +27233,7 @@
             <a:pPr algn="ctr"/>
             <a:r>
               <a:rPr lang="en-US" dirty="0"/>
-              <a:t>1-2-3</a:t>
+              <a:t>2-2-1</a:t>
             </a:r>
           </a:p>
         </p:txBody>
@@ -26031,7 +27325,7 @@
             <a:pPr algn="ctr"/>
             <a:r>
               <a:rPr lang="en-US" dirty="0"/>
-              <a:t>1-2-4</a:t>
+              <a:t>3-2-1</a:t>
             </a:r>
           </a:p>
         </p:txBody>
